--- a/이력서.pptx
+++ b/이력서.pptx
@@ -5,13 +5,12 @@
     <p:sldMasterId id="2147483660" r:id="rId1"/>
   </p:sldMasterIdLst>
   <p:notesMasterIdLst>
-    <p:notesMasterId r:id="rId6"/>
+    <p:notesMasterId r:id="rId5"/>
   </p:notesMasterIdLst>
   <p:sldIdLst>
     <p:sldId id="256" r:id="rId2"/>
-    <p:sldId id="257" r:id="rId3"/>
-    <p:sldId id="259" r:id="rId4"/>
-    <p:sldId id="260" r:id="rId5"/>
+    <p:sldId id="259" r:id="rId3"/>
+    <p:sldId id="260" r:id="rId4"/>
   </p:sldIdLst>
   <p:sldSz cx="6858000" cy="9906000" type="A4"/>
   <p:notesSz cx="6802438" cy="9936163"/>
@@ -200,7 +199,7 @@
           <a:p>
             <a:fld id="{28D76E18-8504-4B2A-AB61-9E01BB40A393}" type="datetimeFigureOut">
               <a:rPr lang="ko-KR" altLang="en-US" smtClean="0"/>
-              <a:t>2019-12-09</a:t>
+              <a:t>2019-12-16</a:t>
             </a:fld>
             <a:endParaRPr lang="ko-KR" altLang="en-US"/>
           </a:p>
@@ -599,7 +598,7 @@
           <a:p>
             <a:fld id="{BE43E361-F428-4105-8494-4354F7AE3198}" type="datetime1">
               <a:rPr lang="ko-KR" altLang="en-US" smtClean="0"/>
-              <a:t>2019-12-09</a:t>
+              <a:t>2019-12-16</a:t>
             </a:fld>
             <a:endParaRPr lang="ko-KR" altLang="en-US"/>
           </a:p>
@@ -769,7 +768,7 @@
           <a:p>
             <a:fld id="{DA5ED4DA-7B9C-4F23-8E7B-E2851D173DC8}" type="datetime1">
               <a:rPr lang="ko-KR" altLang="en-US" smtClean="0"/>
-              <a:t>2019-12-09</a:t>
+              <a:t>2019-12-16</a:t>
             </a:fld>
             <a:endParaRPr lang="ko-KR" altLang="en-US"/>
           </a:p>
@@ -949,7 +948,7 @@
           <a:p>
             <a:fld id="{61AE661F-B254-44C4-A136-0918DEE1A594}" type="datetime1">
               <a:rPr lang="ko-KR" altLang="en-US" smtClean="0"/>
-              <a:t>2019-12-09</a:t>
+              <a:t>2019-12-16</a:t>
             </a:fld>
             <a:endParaRPr lang="ko-KR" altLang="en-US"/>
           </a:p>
@@ -1119,7 +1118,7 @@
           <a:p>
             <a:fld id="{98998773-0A3B-49CE-B122-59A059B023FE}" type="datetime1">
               <a:rPr lang="ko-KR" altLang="en-US" smtClean="0"/>
-              <a:t>2019-12-09</a:t>
+              <a:t>2019-12-16</a:t>
             </a:fld>
             <a:endParaRPr lang="ko-KR" altLang="en-US"/>
           </a:p>
@@ -1363,7 +1362,7 @@
           <a:p>
             <a:fld id="{A052A95E-6647-4324-87BC-D92407BB453C}" type="datetime1">
               <a:rPr lang="ko-KR" altLang="en-US" smtClean="0"/>
-              <a:t>2019-12-09</a:t>
+              <a:t>2019-12-16</a:t>
             </a:fld>
             <a:endParaRPr lang="ko-KR" altLang="en-US"/>
           </a:p>
@@ -1595,7 +1594,7 @@
           <a:p>
             <a:fld id="{D48BED34-2011-4FA6-B4ED-914D96B4237A}" type="datetime1">
               <a:rPr lang="ko-KR" altLang="en-US" smtClean="0"/>
-              <a:t>2019-12-09</a:t>
+              <a:t>2019-12-16</a:t>
             </a:fld>
             <a:endParaRPr lang="ko-KR" altLang="en-US"/>
           </a:p>
@@ -1962,7 +1961,7 @@
           <a:p>
             <a:fld id="{64E08705-8A7B-49D5-87D7-2D63FDF85A72}" type="datetime1">
               <a:rPr lang="ko-KR" altLang="en-US" smtClean="0"/>
-              <a:t>2019-12-09</a:t>
+              <a:t>2019-12-16</a:t>
             </a:fld>
             <a:endParaRPr lang="ko-KR" altLang="en-US"/>
           </a:p>
@@ -2080,7 +2079,7 @@
           <a:p>
             <a:fld id="{B47CB5DB-3F71-4601-A803-FADFE5E53BE4}" type="datetime1">
               <a:rPr lang="ko-KR" altLang="en-US" smtClean="0"/>
-              <a:t>2019-12-09</a:t>
+              <a:t>2019-12-16</a:t>
             </a:fld>
             <a:endParaRPr lang="ko-KR" altLang="en-US"/>
           </a:p>
@@ -2175,7 +2174,7 @@
           <a:p>
             <a:fld id="{5E08024A-2C15-4149-80ED-3A2FF5C1DE56}" type="datetime1">
               <a:rPr lang="ko-KR" altLang="en-US" smtClean="0"/>
-              <a:t>2019-12-09</a:t>
+              <a:t>2019-12-16</a:t>
             </a:fld>
             <a:endParaRPr lang="ko-KR" altLang="en-US"/>
           </a:p>
@@ -2464,7 +2463,7 @@
           <a:p>
             <a:fld id="{68E7E82D-A5BA-4B0C-B4A5-6E08A61EE8F5}" type="datetime1">
               <a:rPr lang="ko-KR" altLang="en-US" smtClean="0"/>
-              <a:t>2019-12-09</a:t>
+              <a:t>2019-12-16</a:t>
             </a:fld>
             <a:endParaRPr lang="ko-KR" altLang="en-US"/>
           </a:p>
@@ -2721,7 +2720,7 @@
           <a:p>
             <a:fld id="{1DE5003B-4113-4012-AB77-A4AE36E6501A}" type="datetime1">
               <a:rPr lang="ko-KR" altLang="en-US" smtClean="0"/>
-              <a:t>2019-12-09</a:t>
+              <a:t>2019-12-16</a:t>
             </a:fld>
             <a:endParaRPr lang="ko-KR" altLang="en-US"/>
           </a:p>
@@ -2934,7 +2933,7 @@
           <a:p>
             <a:fld id="{D89EC0F7-9EC0-4179-BCFE-E0268F65F7D3}" type="datetime1">
               <a:rPr lang="ko-KR" altLang="en-US" smtClean="0"/>
-              <a:t>2019-12-09</a:t>
+              <a:t>2019-12-16</a:t>
             </a:fld>
             <a:endParaRPr lang="ko-KR" altLang="en-US"/>
           </a:p>
@@ -3883,11 +3882,6 @@
               </a:rPr>
               <a:t>노력하는 개발자</a:t>
             </a:r>
-            <a:endParaRPr lang="ko-KR" altLang="en-US" sz="1600" dirty="0">
-              <a:latin typeface="KoPubWorld돋움체 Bold" panose="00000800000000000000" pitchFamily="2" charset="-127"/>
-              <a:ea typeface="KoPubWorld돋움체 Bold" panose="00000800000000000000" pitchFamily="2" charset="-127"/>
-              <a:cs typeface="KoPubWorld돋움체 Bold" panose="00000800000000000000" pitchFamily="2" charset="-127"/>
-            </a:endParaRPr>
           </a:p>
         </p:txBody>
       </p:sp>
@@ -3976,21 +3970,7 @@
                 <a:ea typeface="KoPubWorld돋움체 Bold" panose="00000800000000000000" pitchFamily="2" charset="-127"/>
                 <a:cs typeface="KoPubWorld돋움체 Bold" panose="00000800000000000000" pitchFamily="2" charset="-127"/>
               </a:rPr>
-              <a:t>간략한 </a:t>
-            </a:r>
-            <a:r>
-              <a:rPr lang="ko-KR" altLang="en-US" sz="1600" b="1" dirty="0" smtClean="0">
-                <a:solidFill>
-                  <a:schemeClr val="tx1">
-                    <a:lumMod val="75000"/>
-                    <a:lumOff val="25000"/>
-                  </a:schemeClr>
-                </a:solidFill>
-                <a:latin typeface="KoPubWorld돋움체 Bold" panose="00000800000000000000" pitchFamily="2" charset="-127"/>
-                <a:ea typeface="KoPubWorld돋움체 Bold" panose="00000800000000000000" pitchFamily="2" charset="-127"/>
-                <a:cs typeface="KoPubWorld돋움체 Bold" panose="00000800000000000000" pitchFamily="2" charset="-127"/>
-              </a:rPr>
-              <a:t>소개</a:t>
+              <a:t>간략한 소개</a:t>
             </a:r>
             <a:endParaRPr lang="ko-KR" altLang="en-US" sz="1600" b="1" dirty="0">
               <a:solidFill>
@@ -4045,49 +4025,7 @@
                 <a:ea typeface="KoPubWorld돋움체 Light" panose="00000300000000000000" pitchFamily="2" charset="-127"/>
                 <a:cs typeface="KoPubWorld돋움체 Light" panose="00000300000000000000" pitchFamily="2" charset="-127"/>
               </a:rPr>
-              <a:t>어릴 적부터 </a:t>
-            </a:r>
-            <a:r>
-              <a:rPr lang="ko-KR" altLang="en-US" sz="1100" dirty="0" smtClean="0">
-                <a:solidFill>
-                  <a:schemeClr val="tx1">
-                    <a:lumMod val="75000"/>
-                    <a:lumOff val="25000"/>
-                  </a:schemeClr>
-                </a:solidFill>
-                <a:latin typeface="KoPubWorld돋움체 Light" panose="00000300000000000000" pitchFamily="2" charset="-127"/>
-                <a:ea typeface="KoPubWorld돋움체 Light" panose="00000300000000000000" pitchFamily="2" charset="-127"/>
-                <a:cs typeface="KoPubWorld돋움체 Light" panose="00000300000000000000" pitchFamily="2" charset="-127"/>
-              </a:rPr>
-              <a:t>컴퓨터에 </a:t>
-            </a:r>
-            <a:r>
-              <a:rPr lang="ko-KR" altLang="en-US" sz="1100" dirty="0" smtClean="0">
-                <a:solidFill>
-                  <a:schemeClr val="tx1">
-                    <a:lumMod val="75000"/>
-                    <a:lumOff val="25000"/>
-                  </a:schemeClr>
-                </a:solidFill>
-                <a:latin typeface="KoPubWorld돋움체 Light" panose="00000300000000000000" pitchFamily="2" charset="-127"/>
-                <a:ea typeface="KoPubWorld돋움체 Light" panose="00000300000000000000" pitchFamily="2" charset="-127"/>
-                <a:cs typeface="KoPubWorld돋움체 Light" panose="00000300000000000000" pitchFamily="2" charset="-127"/>
-              </a:rPr>
-              <a:t>관심이 </a:t>
-            </a:r>
-            <a:r>
-              <a:rPr lang="ko-KR" altLang="en-US" sz="1100" dirty="0" smtClean="0">
-                <a:solidFill>
-                  <a:schemeClr val="tx1">
-                    <a:lumMod val="75000"/>
-                    <a:lumOff val="25000"/>
-                  </a:schemeClr>
-                </a:solidFill>
-                <a:latin typeface="KoPubWorld돋움체 Light" panose="00000300000000000000" pitchFamily="2" charset="-127"/>
-                <a:ea typeface="KoPubWorld돋움체 Light" panose="00000300000000000000" pitchFamily="2" charset="-127"/>
-                <a:cs typeface="KoPubWorld돋움체 Light" panose="00000300000000000000" pitchFamily="2" charset="-127"/>
-              </a:rPr>
-              <a:t>많았고 프로그래밍을 배우기 위해 </a:t>
+              <a:t>어릴 적부터 컴퓨터에 관심이 많았고 프로그래밍을 배우기 위해 </a:t>
             </a:r>
             <a:endParaRPr lang="en-US" altLang="ko-KR" sz="1100" dirty="0" smtClean="0">
               <a:solidFill>
@@ -4175,21 +4113,7 @@
                 <a:ea typeface="KoPubWorld돋움체 Light" panose="00000300000000000000" pitchFamily="2" charset="-127"/>
                 <a:cs typeface="KoPubWorld돋움체 Light" panose="00000300000000000000" pitchFamily="2" charset="-127"/>
               </a:rPr>
-              <a:t>년간 프로그래밍을 </a:t>
-            </a:r>
-            <a:r>
-              <a:rPr lang="ko-KR" altLang="en-US" sz="1100" dirty="0" smtClean="0">
-                <a:solidFill>
-                  <a:schemeClr val="tx1">
-                    <a:lumMod val="75000"/>
-                    <a:lumOff val="25000"/>
-                  </a:schemeClr>
-                </a:solidFill>
-                <a:latin typeface="KoPubWorld돋움체 Light" panose="00000300000000000000" pitchFamily="2" charset="-127"/>
-                <a:ea typeface="KoPubWorld돋움체 Light" panose="00000300000000000000" pitchFamily="2" charset="-127"/>
-                <a:cs typeface="KoPubWorld돋움체 Light" panose="00000300000000000000" pitchFamily="2" charset="-127"/>
-              </a:rPr>
-              <a:t>배웠으며 </a:t>
+              <a:t>년간 프로그래밍을 배웠으며 </a:t>
             </a:r>
             <a:endParaRPr lang="en-US" altLang="ko-KR" sz="1100" dirty="0" smtClean="0">
               <a:solidFill>
@@ -4221,49 +4145,7 @@
                 <a:ea typeface="KoPubWorld돋움체 Light" panose="00000300000000000000" pitchFamily="2" charset="-127"/>
                 <a:cs typeface="KoPubWorld돋움체 Light" panose="00000300000000000000" pitchFamily="2" charset="-127"/>
               </a:rPr>
-              <a:t>서버 </a:t>
-            </a:r>
-            <a:r>
-              <a:rPr lang="ko-KR" altLang="en-US" sz="1100" dirty="0" smtClean="0">
-                <a:solidFill>
-                  <a:schemeClr val="tx1">
-                    <a:lumMod val="75000"/>
-                    <a:lumOff val="25000"/>
-                  </a:schemeClr>
-                </a:solidFill>
-                <a:latin typeface="KoPubWorld돋움체 Light" panose="00000300000000000000" pitchFamily="2" charset="-127"/>
-                <a:ea typeface="KoPubWorld돋움체 Light" panose="00000300000000000000" pitchFamily="2" charset="-127"/>
-                <a:cs typeface="KoPubWorld돋움체 Light" panose="00000300000000000000" pitchFamily="2" charset="-127"/>
-              </a:rPr>
-              <a:t>프로그래밍이 적성에 맞아 </a:t>
-            </a:r>
-            <a:r>
-              <a:rPr lang="ko-KR" altLang="en-US" sz="1100" dirty="0" smtClean="0">
-                <a:solidFill>
-                  <a:schemeClr val="tx1">
-                    <a:lumMod val="75000"/>
-                    <a:lumOff val="25000"/>
-                  </a:schemeClr>
-                </a:solidFill>
-                <a:latin typeface="KoPubWorld돋움체 Light" panose="00000300000000000000" pitchFamily="2" charset="-127"/>
-                <a:ea typeface="KoPubWorld돋움체 Light" panose="00000300000000000000" pitchFamily="2" charset="-127"/>
-                <a:cs typeface="KoPubWorld돋움체 Light" panose="00000300000000000000" pitchFamily="2" charset="-127"/>
-              </a:rPr>
-              <a:t>관련 서적을 읽고 프로젝트를 </a:t>
-            </a:r>
-            <a:r>
-              <a:rPr lang="ko-KR" altLang="en-US" sz="1100" dirty="0" smtClean="0">
-                <a:solidFill>
-                  <a:schemeClr val="tx1">
-                    <a:lumMod val="75000"/>
-                    <a:lumOff val="25000"/>
-                  </a:schemeClr>
-                </a:solidFill>
-                <a:latin typeface="KoPubWorld돋움체 Light" panose="00000300000000000000" pitchFamily="2" charset="-127"/>
-                <a:ea typeface="KoPubWorld돋움체 Light" panose="00000300000000000000" pitchFamily="2" charset="-127"/>
-                <a:cs typeface="KoPubWorld돋움체 Light" panose="00000300000000000000" pitchFamily="2" charset="-127"/>
-              </a:rPr>
-              <a:t>진행했습니다</a:t>
+              <a:t>서버 프로그래밍이 적성에 맞아 관련 서적을 읽고 프로젝트를 진행했습니다</a:t>
             </a:r>
             <a:r>
               <a:rPr lang="en-US" altLang="ko-KR" sz="1100" dirty="0" smtClean="0">
@@ -4298,49 +4180,7 @@
                 <a:ea typeface="KoPubWorld돋움체 Light" panose="00000300000000000000" pitchFamily="2" charset="-127"/>
                 <a:cs typeface="KoPubWorld돋움체 Light" panose="00000300000000000000" pitchFamily="2" charset="-127"/>
               </a:rPr>
-              <a:t>프로그래밍에 </a:t>
-            </a:r>
-            <a:r>
-              <a:rPr lang="ko-KR" altLang="en-US" sz="1100" dirty="0" smtClean="0">
-                <a:solidFill>
-                  <a:schemeClr val="tx1">
-                    <a:lumMod val="75000"/>
-                    <a:lumOff val="25000"/>
-                  </a:schemeClr>
-                </a:solidFill>
-                <a:latin typeface="KoPubWorld돋움체 Light" panose="00000300000000000000" pitchFamily="2" charset="-127"/>
-                <a:ea typeface="KoPubWorld돋움체 Light" panose="00000300000000000000" pitchFamily="2" charset="-127"/>
-                <a:cs typeface="KoPubWorld돋움체 Light" panose="00000300000000000000" pitchFamily="2" charset="-127"/>
-              </a:rPr>
-              <a:t>대한 지식을 꾸준히  </a:t>
-            </a:r>
-            <a:r>
-              <a:rPr lang="ko-KR" altLang="en-US" sz="1100" dirty="0" smtClean="0">
-                <a:solidFill>
-                  <a:schemeClr val="tx1">
-                    <a:lumMod val="75000"/>
-                    <a:lumOff val="25000"/>
-                  </a:schemeClr>
-                </a:solidFill>
-                <a:latin typeface="KoPubWorld돋움체 Light" panose="00000300000000000000" pitchFamily="2" charset="-127"/>
-                <a:ea typeface="KoPubWorld돋움체 Light" panose="00000300000000000000" pitchFamily="2" charset="-127"/>
-                <a:cs typeface="KoPubWorld돋움체 Light" panose="00000300000000000000" pitchFamily="2" charset="-127"/>
-              </a:rPr>
-              <a:t>학습하고 </a:t>
-            </a:r>
-            <a:r>
-              <a:rPr lang="ko-KR" altLang="en-US" sz="1100" dirty="0" smtClean="0">
-                <a:solidFill>
-                  <a:schemeClr val="tx1">
-                    <a:lumMod val="75000"/>
-                    <a:lumOff val="25000"/>
-                  </a:schemeClr>
-                </a:solidFill>
-                <a:latin typeface="KoPubWorld돋움체 Light" panose="00000300000000000000" pitchFamily="2" charset="-127"/>
-                <a:ea typeface="KoPubWorld돋움체 Light" panose="00000300000000000000" pitchFamily="2" charset="-127"/>
-                <a:cs typeface="KoPubWorld돋움체 Light" panose="00000300000000000000" pitchFamily="2" charset="-127"/>
-              </a:rPr>
-              <a:t>있으며 보다 읽기 좋은 코드를 </a:t>
+              <a:t>프로그래밍에 대한 지식을 꾸준히  학습하고 있으며 보다 읽기 좋은 코드를 </a:t>
             </a:r>
             <a:endParaRPr lang="en-US" altLang="ko-KR" sz="1100" dirty="0" smtClean="0">
               <a:solidFill>
@@ -4623,21 +4463,7 @@
                 <a:ea typeface="KoPubWorld돋움체 Light" panose="00000300000000000000" pitchFamily="2" charset="-127"/>
                 <a:cs typeface="KoPubWorld돋움체 Light" panose="00000300000000000000" pitchFamily="2" charset="-127"/>
               </a:rPr>
-              <a:t>울산지방기능경기대회 </a:t>
-            </a:r>
-            <a:r>
-              <a:rPr lang="ko-KR" altLang="en-US" sz="1100" dirty="0" smtClean="0">
-                <a:solidFill>
-                  <a:schemeClr val="tx1">
-                    <a:lumMod val="75000"/>
-                    <a:lumOff val="25000"/>
-                  </a:schemeClr>
-                </a:solidFill>
-                <a:latin typeface="KoPubWorld돋움체 Light" panose="00000300000000000000" pitchFamily="2" charset="-127"/>
-                <a:ea typeface="KoPubWorld돋움체 Light" panose="00000300000000000000" pitchFamily="2" charset="-127"/>
-                <a:cs typeface="KoPubWorld돋움체 Light" panose="00000300000000000000" pitchFamily="2" charset="-127"/>
-              </a:rPr>
-              <a:t>은상</a:t>
+              <a:t>울산지방기능경기대회 은상</a:t>
             </a:r>
             <a:endParaRPr lang="en-US" altLang="ko-KR" sz="1100" dirty="0" smtClean="0">
               <a:solidFill>
@@ -4908,8 +4734,8 @@
         </p:nvSpPr>
         <p:spPr>
           <a:xfrm>
-            <a:off x="1780242" y="6000797"/>
-            <a:ext cx="4354370" cy="1919756"/>
+            <a:off x="1780242" y="5991179"/>
+            <a:ext cx="4354370" cy="1938992"/>
           </a:xfrm>
           <a:prstGeom prst="rect">
             <a:avLst/>
@@ -4971,21 +4797,7 @@
                 <a:ea typeface="KoPubWorld돋움체 Light" panose="00000300000000000000" pitchFamily="2" charset="-127"/>
                 <a:cs typeface="KoPubWorld돋움체 Light" panose="00000300000000000000" pitchFamily="2" charset="-127"/>
               </a:rPr>
-              <a:t>C</a:t>
-            </a:r>
-            <a:r>
-              <a:rPr lang="en-US" altLang="ko-KR" sz="1000" dirty="0" smtClean="0">
-                <a:solidFill>
-                  <a:schemeClr val="tx1">
-                    <a:lumMod val="75000"/>
-                    <a:lumOff val="25000"/>
-                  </a:schemeClr>
-                </a:solidFill>
-                <a:latin typeface="KoPubWorld돋움체 Light" panose="00000300000000000000" pitchFamily="2" charset="-127"/>
-                <a:ea typeface="KoPubWorld돋움체 Light" panose="00000300000000000000" pitchFamily="2" charset="-127"/>
-                <a:cs typeface="KoPubWorld돋움체 Light" panose="00000300000000000000" pitchFamily="2" charset="-127"/>
-              </a:rPr>
-              <a:t>, C++, C#, JavaScript, Python, </a:t>
+              <a:t>C, C++, C#, JavaScript, Python, </a:t>
             </a:r>
             <a:r>
               <a:rPr lang="en-US" altLang="ko-KR" sz="1000" dirty="0" err="1" smtClean="0">
@@ -5122,19 +4934,30 @@
               <a:t>, </a:t>
             </a:r>
             <a:r>
-              <a:rPr lang="en-US" altLang="ko-KR" sz="1000" dirty="0" smtClean="0">
-                <a:solidFill>
-                  <a:schemeClr val="tx1">
-                    <a:lumMod val="75000"/>
-                    <a:lumOff val="25000"/>
-                  </a:schemeClr>
-                </a:solidFill>
-                <a:latin typeface="KoPubWorld돋움체 Light" panose="00000300000000000000" pitchFamily="2" charset="-127"/>
-                <a:ea typeface="KoPubWorld돋움체 Light" panose="00000300000000000000" pitchFamily="2" charset="-127"/>
-                <a:cs typeface="KoPubWorld돋움체 Light" panose="00000300000000000000" pitchFamily="2" charset="-127"/>
-              </a:rPr>
-              <a:t>IOCP</a:t>
-            </a:r>
+              <a:rPr lang="en-US" altLang="ko-KR" sz="1000" dirty="0">
+                <a:solidFill>
+                  <a:schemeClr val="tx1">
+                    <a:lumMod val="75000"/>
+                    <a:lumOff val="25000"/>
+                  </a:schemeClr>
+                </a:solidFill>
+                <a:latin typeface="KoPubWorld돋움체 Light" panose="00000300000000000000" pitchFamily="2" charset="-127"/>
+                <a:ea typeface="KoPubWorld돋움체 Light" panose="00000300000000000000" pitchFamily="2" charset="-127"/>
+                <a:cs typeface="KoPubWorld돋움체 Light" panose="00000300000000000000" pitchFamily="2" charset="-127"/>
+              </a:rPr>
+              <a:t>IOCP, Node.js</a:t>
+            </a:r>
+            <a:endParaRPr lang="en-US" altLang="ko-KR" sz="1000" dirty="0" smtClean="0">
+              <a:solidFill>
+                <a:schemeClr val="tx1">
+                  <a:lumMod val="75000"/>
+                  <a:lumOff val="25000"/>
+                </a:schemeClr>
+              </a:solidFill>
+              <a:latin typeface="KoPubWorld돋움체 Light" panose="00000300000000000000" pitchFamily="2" charset="-127"/>
+              <a:ea typeface="KoPubWorld돋움체 Light" panose="00000300000000000000" pitchFamily="2" charset="-127"/>
+              <a:cs typeface="KoPubWorld돋움체 Light" panose="00000300000000000000" pitchFamily="2" charset="-127"/>
+            </a:endParaRPr>
           </a:p>
           <a:p>
             <a:pPr>
@@ -5186,7 +5009,7 @@
                 <a:ea typeface="KoPubWorld돋움체 Light" panose="00000300000000000000" pitchFamily="2" charset="-127"/>
                 <a:cs typeface="KoPubWorld돋움체 Light" panose="00000300000000000000" pitchFamily="2" charset="-127"/>
               </a:rPr>
-              <a:t>Node.js, MongoDB, </a:t>
+              <a:t>MongoDB</a:t>
             </a:r>
             <a:r>
               <a:rPr lang="en-US" altLang="ko-KR" sz="1000" dirty="0" smtClean="0">
@@ -5200,7 +5023,7 @@
                 <a:ea typeface="KoPubWorld돋움체 Light" panose="00000300000000000000" pitchFamily="2" charset="-127"/>
                 <a:cs typeface="KoPubWorld돋움체 Light" panose="00000300000000000000" pitchFamily="2" charset="-127"/>
               </a:rPr>
-              <a:t>MySQL</a:t>
+              <a:t>, MySQL</a:t>
             </a:r>
           </a:p>
           <a:p>
@@ -5480,17 +5303,6 @@
               </a:rPr>
               <a:t>)</a:t>
             </a:r>
-            <a:endParaRPr lang="en-US" altLang="ko-KR" sz="1100" b="1" dirty="0" smtClean="0">
-              <a:solidFill>
-                <a:schemeClr val="tx1">
-                  <a:lumMod val="75000"/>
-                  <a:lumOff val="25000"/>
-                </a:schemeClr>
-              </a:solidFill>
-              <a:latin typeface="KoPubWorld돋움체 Bold" panose="00000800000000000000" pitchFamily="2" charset="-127"/>
-              <a:ea typeface="KoPubWorld돋움체 Bold" panose="00000800000000000000" pitchFamily="2" charset="-127"/>
-              <a:cs typeface="KoPubWorld돋움체 Bold" panose="00000800000000000000" pitchFamily="2" charset="-127"/>
-            </a:endParaRPr>
           </a:p>
         </p:txBody>
       </p:sp>
@@ -5503,7 +5315,7 @@
         <p:spPr>
           <a:xfrm>
             <a:off x="1828716" y="8015613"/>
-            <a:ext cx="3906839" cy="854080"/>
+            <a:ext cx="3914854" cy="854080"/>
           </a:xfrm>
           <a:prstGeom prst="rect">
             <a:avLst/>
@@ -5764,7 +5576,21 @@
                 <a:ea typeface="KoPubWorld돋움체 Light" panose="00000300000000000000" pitchFamily="2" charset="-127"/>
                 <a:cs typeface="KoPubWorld돋움체 Light" panose="00000300000000000000" pitchFamily="2" charset="-127"/>
               </a:rPr>
-              <a:t>, Effective Modern C++,</a:t>
+              <a:t>, Effective Modern C</a:t>
+            </a:r>
+            <a:r>
+              <a:rPr lang="en-US" altLang="ko-KR" sz="1100" dirty="0" smtClean="0">
+                <a:solidFill>
+                  <a:schemeClr val="tx1">
+                    <a:lumMod val="75000"/>
+                    <a:lumOff val="25000"/>
+                  </a:schemeClr>
+                </a:solidFill>
+                <a:latin typeface="KoPubWorld돋움체 Light" panose="00000300000000000000" pitchFamily="2" charset="-127"/>
+                <a:ea typeface="KoPubWorld돋움체 Light" panose="00000300000000000000" pitchFamily="2" charset="-127"/>
+                <a:cs typeface="KoPubWorld돋움체 Light" panose="00000300000000000000" pitchFamily="2" charset="-127"/>
+              </a:rPr>
+              <a:t>++,</a:t>
             </a:r>
           </a:p>
           <a:p>
@@ -5774,20 +5600,6 @@
               </a:lnSpc>
             </a:pPr>
             <a:r>
-              <a:rPr lang="en-US" altLang="ko-KR" sz="1100" dirty="0" smtClean="0">
-                <a:solidFill>
-                  <a:schemeClr val="tx1">
-                    <a:lumMod val="75000"/>
-                    <a:lumOff val="25000"/>
-                  </a:schemeClr>
-                </a:solidFill>
-                <a:latin typeface="KoPubWorld돋움체 Light" panose="00000300000000000000" pitchFamily="2" charset="-127"/>
-                <a:ea typeface="KoPubWorld돋움체 Light" panose="00000300000000000000" pitchFamily="2" charset="-127"/>
-                <a:cs typeface="KoPubWorld돋움체 Light" panose="00000300000000000000" pitchFamily="2" charset="-127"/>
-              </a:rPr>
-              <a:t> </a:t>
-            </a:r>
-            <a:r>
               <a:rPr lang="ko-KR" altLang="en-US" sz="1100" dirty="0" smtClean="0">
                 <a:solidFill>
                   <a:schemeClr val="tx1">
@@ -5799,7 +5611,21 @@
                 <a:ea typeface="KoPubWorld돋움체 Light" panose="00000300000000000000" pitchFamily="2" charset="-127"/>
                 <a:cs typeface="KoPubWorld돋움체 Light" panose="00000300000000000000" pitchFamily="2" charset="-127"/>
               </a:rPr>
-              <a:t>게임 프로그래밍 패턴</a:t>
+              <a:t>게임 </a:t>
+            </a:r>
+            <a:r>
+              <a:rPr lang="ko-KR" altLang="en-US" sz="1100" dirty="0" smtClean="0">
+                <a:solidFill>
+                  <a:schemeClr val="tx1">
+                    <a:lumMod val="75000"/>
+                    <a:lumOff val="25000"/>
+                  </a:schemeClr>
+                </a:solidFill>
+                <a:latin typeface="KoPubWorld돋움체 Light" panose="00000300000000000000" pitchFamily="2" charset="-127"/>
+                <a:ea typeface="KoPubWorld돋움체 Light" panose="00000300000000000000" pitchFamily="2" charset="-127"/>
+                <a:cs typeface="KoPubWorld돋움체 Light" panose="00000300000000000000" pitchFamily="2" charset="-127"/>
+              </a:rPr>
+              <a:t>프로그래밍 패턴</a:t>
             </a:r>
             <a:r>
               <a:rPr lang="en-US" altLang="ko-KR" sz="1100" dirty="0" smtClean="0">
@@ -6060,7 +5886,7 @@
         </p:nvSpPr>
         <p:spPr>
           <a:xfrm>
-            <a:off x="4852172" y="8587251"/>
+            <a:off x="4843463" y="8588679"/>
             <a:ext cx="1543050" cy="527403"/>
           </a:xfrm>
         </p:spPr>
@@ -6072,7 +5898,7 @@
               <a:rPr lang="ko-KR" altLang="en-US" smtClean="0"/>
               <a:t>2</a:t>
             </a:fld>
-            <a:endParaRPr lang="ko-KR" altLang="en-US" dirty="0"/>
+            <a:endParaRPr lang="ko-KR" altLang="en-US"/>
           </a:p>
         </p:txBody>
       </p:sp>
@@ -6184,8 +6010,8 @@
         </p:nvSpPr>
         <p:spPr>
           <a:xfrm>
-            <a:off x="316523" y="401594"/>
-            <a:ext cx="1531188" cy="369332"/>
+            <a:off x="316523" y="446708"/>
+            <a:ext cx="1194558" cy="369332"/>
           </a:xfrm>
           <a:prstGeom prst="rect">
             <a:avLst/>
@@ -6199,7 +6025,7 @@
           <a:lstStyle/>
           <a:p>
             <a:r>
-              <a:rPr lang="ko-KR" altLang="en-US" dirty="0">
+              <a:rPr lang="ko-KR" altLang="en-US" dirty="0" smtClean="0">
                 <a:solidFill>
                   <a:schemeClr val="tx1">
                     <a:lumMod val="75000"/>
@@ -6210,21 +6036,7 @@
                 <a:ea typeface="KoPubWorld돋움체 Bold" panose="00000800000000000000" pitchFamily="2" charset="-127"/>
                 <a:cs typeface="KoPubWorld돋움체 Bold" panose="00000800000000000000" pitchFamily="2" charset="-127"/>
               </a:rPr>
-              <a:t>문제 해결 </a:t>
-            </a:r>
-            <a:r>
-              <a:rPr lang="ko-KR" altLang="en-US" dirty="0" smtClean="0">
-                <a:solidFill>
-                  <a:schemeClr val="tx1">
-                    <a:lumMod val="75000"/>
-                    <a:lumOff val="25000"/>
-                  </a:schemeClr>
-                </a:solidFill>
-                <a:latin typeface="KoPubWorld돋움체 Bold" panose="00000800000000000000" pitchFamily="2" charset="-127"/>
-                <a:ea typeface="KoPubWorld돋움체 Bold" panose="00000800000000000000" pitchFamily="2" charset="-127"/>
-                <a:cs typeface="KoPubWorld돋움체 Bold" panose="00000800000000000000" pitchFamily="2" charset="-127"/>
-              </a:rPr>
-              <a:t>사례</a:t>
+              <a:t>자기소개서</a:t>
             </a:r>
             <a:endParaRPr lang="ko-KR" altLang="en-US" sz="1100" dirty="0">
               <a:solidFill>
@@ -6248,8 +6060,8 @@
         </p:nvSpPr>
         <p:spPr>
           <a:xfrm>
-            <a:off x="423821" y="1197324"/>
-            <a:ext cx="3403496" cy="369332"/>
+            <a:off x="2152159" y="1424070"/>
+            <a:ext cx="4129636" cy="6617196"/>
           </a:xfrm>
           <a:prstGeom prst="rect">
             <a:avLst/>
@@ -6257,112 +6069,6 @@
           <a:noFill/>
         </p:spPr>
         <p:txBody>
-          <a:bodyPr wrap="none" rtlCol="0">
-            <a:spAutoFit/>
-          </a:bodyPr>
-          <a:lstStyle/>
-          <a:p>
-            <a:r>
-              <a:rPr lang="en-US" altLang="ko-KR" b="1" dirty="0" smtClean="0">
-                <a:solidFill>
-                  <a:schemeClr val="tx1">
-                    <a:lumMod val="75000"/>
-                    <a:lumOff val="25000"/>
-                  </a:schemeClr>
-                </a:solidFill>
-                <a:latin typeface="KoPubWorld돋움체 Bold" panose="00000800000000000000" pitchFamily="2" charset="-127"/>
-                <a:ea typeface="KoPubWorld돋움체 Bold" panose="00000800000000000000" pitchFamily="2" charset="-127"/>
-                <a:cs typeface="KoPubWorld돋움체 Bold" panose="00000800000000000000" pitchFamily="2" charset="-127"/>
-              </a:rPr>
-              <a:t>1. C++ </a:t>
-            </a:r>
-            <a:r>
-              <a:rPr lang="ko-KR" altLang="en-US" b="1" dirty="0" smtClean="0">
-                <a:solidFill>
-                  <a:schemeClr val="tx1">
-                    <a:lumMod val="75000"/>
-                    <a:lumOff val="25000"/>
-                  </a:schemeClr>
-                </a:solidFill>
-                <a:latin typeface="KoPubWorld돋움체 Bold" panose="00000800000000000000" pitchFamily="2" charset="-127"/>
-                <a:ea typeface="KoPubWorld돋움체 Bold" panose="00000800000000000000" pitchFamily="2" charset="-127"/>
-                <a:cs typeface="KoPubWorld돋움체 Bold" panose="00000800000000000000" pitchFamily="2" charset="-127"/>
-              </a:rPr>
-              <a:t>의 </a:t>
-            </a:r>
-            <a:r>
-              <a:rPr lang="en-US" altLang="ko-KR" b="1" dirty="0" smtClean="0">
-                <a:solidFill>
-                  <a:schemeClr val="tx1">
-                    <a:lumMod val="75000"/>
-                    <a:lumOff val="25000"/>
-                  </a:schemeClr>
-                </a:solidFill>
-                <a:latin typeface="KoPubWorld돋움체 Bold" panose="00000800000000000000" pitchFamily="2" charset="-127"/>
-                <a:ea typeface="KoPubWorld돋움체 Bold" panose="00000800000000000000" pitchFamily="2" charset="-127"/>
-                <a:cs typeface="KoPubWorld돋움체 Bold" panose="00000800000000000000" pitchFamily="2" charset="-127"/>
-              </a:rPr>
-              <a:t>Reflection </a:t>
-            </a:r>
-            <a:r>
-              <a:rPr lang="ko-KR" altLang="en-US" b="1" dirty="0" err="1" smtClean="0">
-                <a:solidFill>
-                  <a:schemeClr val="tx1">
-                    <a:lumMod val="75000"/>
-                    <a:lumOff val="25000"/>
-                  </a:schemeClr>
-                </a:solidFill>
-                <a:latin typeface="KoPubWorld돋움체 Bold" panose="00000800000000000000" pitchFamily="2" charset="-127"/>
-                <a:ea typeface="KoPubWorld돋움체 Bold" panose="00000800000000000000" pitchFamily="2" charset="-127"/>
-                <a:cs typeface="KoPubWorld돋움체 Bold" panose="00000800000000000000" pitchFamily="2" charset="-127"/>
-              </a:rPr>
-              <a:t>미지원</a:t>
-            </a:r>
-            <a:r>
-              <a:rPr lang="ko-KR" altLang="en-US" b="1" dirty="0" smtClean="0">
-                <a:solidFill>
-                  <a:schemeClr val="tx1">
-                    <a:lumMod val="75000"/>
-                    <a:lumOff val="25000"/>
-                  </a:schemeClr>
-                </a:solidFill>
-                <a:latin typeface="KoPubWorld돋움체 Bold" panose="00000800000000000000" pitchFamily="2" charset="-127"/>
-                <a:ea typeface="KoPubWorld돋움체 Bold" panose="00000800000000000000" pitchFamily="2" charset="-127"/>
-                <a:cs typeface="KoPubWorld돋움체 Bold" panose="00000800000000000000" pitchFamily="2" charset="-127"/>
-              </a:rPr>
-              <a:t> 문제</a:t>
-            </a:r>
-            <a:endParaRPr lang="ko-KR" altLang="en-US" b="1" dirty="0">
-              <a:solidFill>
-                <a:schemeClr val="tx1">
-                  <a:lumMod val="75000"/>
-                  <a:lumOff val="25000"/>
-                </a:schemeClr>
-              </a:solidFill>
-              <a:latin typeface="KoPubWorld돋움체 Bold" panose="00000800000000000000" pitchFamily="2" charset="-127"/>
-              <a:ea typeface="KoPubWorld돋움체 Bold" panose="00000800000000000000" pitchFamily="2" charset="-127"/>
-              <a:cs typeface="KoPubWorld돋움체 Bold" panose="00000800000000000000" pitchFamily="2" charset="-127"/>
-            </a:endParaRPr>
-          </a:p>
-        </p:txBody>
-      </p:sp>
-      <p:sp>
-        <p:nvSpPr>
-          <p:cNvPr id="7" name="TextBox 6"/>
-          <p:cNvSpPr txBox="1"/>
-          <p:nvPr/>
-        </p:nvSpPr>
-        <p:spPr>
-          <a:xfrm>
-            <a:off x="423821" y="1624238"/>
-            <a:ext cx="5971401" cy="2769989"/>
-          </a:xfrm>
-          <a:prstGeom prst="rect">
-            <a:avLst/>
-          </a:prstGeom>
-          <a:noFill/>
-        </p:spPr>
-        <p:txBody>
           <a:bodyPr wrap="square" rtlCol="0">
             <a:spAutoFit/>
           </a:bodyPr>
@@ -6370,24 +6076,10 @@
           <a:p>
             <a:pPr>
               <a:spcBef>
-                <a:spcPts val="300"/>
+                <a:spcPts val="400"/>
               </a:spcBef>
             </a:pPr>
             <a:r>
-              <a:rPr lang="ko-KR" altLang="en-US" sz="1100" b="1" dirty="0" smtClean="0">
-                <a:solidFill>
-                  <a:schemeClr val="tx1">
-                    <a:lumMod val="75000"/>
-                    <a:lumOff val="25000"/>
-                  </a:schemeClr>
-                </a:solidFill>
-                <a:latin typeface="KoPubWorld돋움체 Light" panose="00000300000000000000" pitchFamily="2" charset="-127"/>
-                <a:ea typeface="KoPubWorld돋움체 Light" panose="00000300000000000000" pitchFamily="2" charset="-127"/>
-                <a:cs typeface="KoPubWorld돋움체 Light" panose="00000300000000000000" pitchFamily="2" charset="-127"/>
-              </a:rPr>
-              <a:t>상황</a:t>
-            </a:r>
-            <a:r>
               <a:rPr lang="ko-KR" altLang="en-US" sz="1100" dirty="0" smtClean="0">
                 <a:solidFill>
                   <a:schemeClr val="tx1">
@@ -6399,7 +6091,7 @@
                 <a:ea typeface="KoPubWorld돋움체 Light" panose="00000300000000000000" pitchFamily="2" charset="-127"/>
                 <a:cs typeface="KoPubWorld돋움체 Light" panose="00000300000000000000" pitchFamily="2" charset="-127"/>
               </a:rPr>
-              <a:t> </a:t>
+              <a:t>저의 인생에서 첫 번째 프로그래밍 경험은 초등학생 때였습니다</a:t>
             </a:r>
             <a:r>
               <a:rPr lang="en-US" altLang="ko-KR" sz="1100" dirty="0" smtClean="0">
@@ -6413,122 +6105,76 @@
                 <a:ea typeface="KoPubWorld돋움체 Light" panose="00000300000000000000" pitchFamily="2" charset="-127"/>
                 <a:cs typeface="KoPubWorld돋움체 Light" panose="00000300000000000000" pitchFamily="2" charset="-127"/>
               </a:rPr>
-              <a:t>: </a:t>
-            </a:r>
-            <a:r>
-              <a:rPr lang="en-US" altLang="ko-KR" sz="1100" dirty="0" smtClean="0">
-                <a:solidFill>
-                  <a:schemeClr val="tx1">
-                    <a:lumMod val="75000"/>
-                    <a:lumOff val="25000"/>
-                  </a:schemeClr>
-                </a:solidFill>
-                <a:latin typeface="KoPubWorld돋움체 Light" panose="00000300000000000000" pitchFamily="2" charset="-127"/>
-                <a:ea typeface="KoPubWorld돋움체 Light" panose="00000300000000000000" pitchFamily="2" charset="-127"/>
-                <a:cs typeface="KoPubWorld돋움체 Light" panose="00000300000000000000" pitchFamily="2" charset="-127"/>
-              </a:rPr>
-              <a:t>C# </a:t>
-            </a:r>
-            <a:r>
-              <a:rPr lang="ko-KR" altLang="en-US" sz="1100" dirty="0" smtClean="0">
-                <a:solidFill>
-                  <a:schemeClr val="tx1">
-                    <a:lumMod val="75000"/>
-                    <a:lumOff val="25000"/>
-                  </a:schemeClr>
-                </a:solidFill>
-                <a:latin typeface="KoPubWorld돋움체 Light" panose="00000300000000000000" pitchFamily="2" charset="-127"/>
-                <a:ea typeface="KoPubWorld돋움체 Light" panose="00000300000000000000" pitchFamily="2" charset="-127"/>
-                <a:cs typeface="KoPubWorld돋움체 Light" panose="00000300000000000000" pitchFamily="2" charset="-127"/>
-              </a:rPr>
-              <a:t>클라이언트로 </a:t>
-            </a:r>
-            <a:r>
-              <a:rPr lang="ko-KR" altLang="en-US" sz="1100" dirty="0" smtClean="0">
-                <a:solidFill>
-                  <a:schemeClr val="tx1">
-                    <a:lumMod val="75000"/>
-                    <a:lumOff val="25000"/>
-                  </a:schemeClr>
-                </a:solidFill>
-                <a:latin typeface="KoPubWorld돋움체 Light" panose="00000300000000000000" pitchFamily="2" charset="-127"/>
-                <a:ea typeface="KoPubWorld돋움체 Light" panose="00000300000000000000" pitchFamily="2" charset="-127"/>
-                <a:cs typeface="KoPubWorld돋움체 Light" panose="00000300000000000000" pitchFamily="2" charset="-127"/>
-              </a:rPr>
-              <a:t>부터 </a:t>
-            </a:r>
-            <a:r>
-              <a:rPr lang="en-US" altLang="ko-KR" sz="1100" dirty="0" smtClean="0">
-                <a:solidFill>
-                  <a:schemeClr val="tx1">
-                    <a:lumMod val="75000"/>
-                    <a:lumOff val="25000"/>
-                  </a:schemeClr>
-                </a:solidFill>
-                <a:latin typeface="KoPubWorld돋움체 Light" panose="00000300000000000000" pitchFamily="2" charset="-127"/>
-                <a:ea typeface="KoPubWorld돋움체 Light" panose="00000300000000000000" pitchFamily="2" charset="-127"/>
-                <a:cs typeface="KoPubWorld돋움체 Light" panose="00000300000000000000" pitchFamily="2" charset="-127"/>
-              </a:rPr>
-              <a:t>String</a:t>
-            </a:r>
-            <a:r>
-              <a:rPr lang="ko-KR" altLang="en-US" sz="1100" dirty="0" smtClean="0">
-                <a:solidFill>
-                  <a:schemeClr val="tx1">
-                    <a:lumMod val="75000"/>
-                    <a:lumOff val="25000"/>
-                  </a:schemeClr>
-                </a:solidFill>
-                <a:latin typeface="KoPubWorld돋움체 Light" panose="00000300000000000000" pitchFamily="2" charset="-127"/>
-                <a:ea typeface="KoPubWorld돋움체 Light" panose="00000300000000000000" pitchFamily="2" charset="-127"/>
-                <a:cs typeface="KoPubWorld돋움체 Light" panose="00000300000000000000" pitchFamily="2" charset="-127"/>
-              </a:rPr>
-              <a:t>형의 문자열을 받아 해당 문자열에 알맞은 </a:t>
-            </a:r>
-            <a:r>
-              <a:rPr lang="en-US" altLang="ko-KR" sz="1100" dirty="0" smtClean="0">
-                <a:solidFill>
-                  <a:schemeClr val="tx1">
-                    <a:lumMod val="75000"/>
-                    <a:lumOff val="25000"/>
-                  </a:schemeClr>
-                </a:solidFill>
-                <a:latin typeface="KoPubWorld돋움체 Light" panose="00000300000000000000" pitchFamily="2" charset="-127"/>
-                <a:ea typeface="KoPubWorld돋움체 Light" panose="00000300000000000000" pitchFamily="2" charset="-127"/>
-                <a:cs typeface="KoPubWorld돋움체 Light" panose="00000300000000000000" pitchFamily="2" charset="-127"/>
-              </a:rPr>
-              <a:t>Component</a:t>
-            </a:r>
-            <a:r>
-              <a:rPr lang="ko-KR" altLang="en-US" sz="1100" dirty="0" smtClean="0">
-                <a:solidFill>
-                  <a:schemeClr val="tx1">
-                    <a:lumMod val="75000"/>
-                    <a:lumOff val="25000"/>
-                  </a:schemeClr>
-                </a:solidFill>
-                <a:latin typeface="KoPubWorld돋움체 Light" panose="00000300000000000000" pitchFamily="2" charset="-127"/>
-                <a:ea typeface="KoPubWorld돋움체 Light" panose="00000300000000000000" pitchFamily="2" charset="-127"/>
-                <a:cs typeface="KoPubWorld돋움체 Light" panose="00000300000000000000" pitchFamily="2" charset="-127"/>
-              </a:rPr>
-              <a:t>를 찾고 함수를 호출 하여야 했음</a:t>
-            </a:r>
-            <a:endParaRPr lang="en-US" altLang="ko-KR" sz="1100" dirty="0" smtClean="0">
-              <a:solidFill>
-                <a:schemeClr val="tx1">
-                  <a:lumMod val="75000"/>
-                  <a:lumOff val="25000"/>
-                </a:schemeClr>
-              </a:solidFill>
-              <a:latin typeface="KoPubWorld돋움체 Light" panose="00000300000000000000" pitchFamily="2" charset="-127"/>
-              <a:ea typeface="KoPubWorld돋움체 Light" panose="00000300000000000000" pitchFamily="2" charset="-127"/>
-              <a:cs typeface="KoPubWorld돋움체 Light" panose="00000300000000000000" pitchFamily="2" charset="-127"/>
-            </a:endParaRPr>
+              <a:t>.</a:t>
+            </a:r>
           </a:p>
           <a:p>
             <a:pPr>
               <a:spcBef>
-                <a:spcPts val="300"/>
+                <a:spcPts val="400"/>
+              </a:spcBef>
+            </a:pPr>
+            <a:r>
+              <a:rPr lang="ko-KR" altLang="en-US" sz="1100" dirty="0" smtClean="0">
+                <a:solidFill>
+                  <a:schemeClr val="tx1">
+                    <a:lumMod val="75000"/>
+                    <a:lumOff val="25000"/>
+                  </a:schemeClr>
+                </a:solidFill>
+                <a:latin typeface="KoPubWorld돋움체 Light" panose="00000300000000000000" pitchFamily="2" charset="-127"/>
+                <a:ea typeface="KoPubWorld돋움체 Light" panose="00000300000000000000" pitchFamily="2" charset="-127"/>
+                <a:cs typeface="KoPubWorld돋움체 Light" panose="00000300000000000000" pitchFamily="2" charset="-127"/>
+              </a:rPr>
+              <a:t>마인크래프트의 스크립트를 작성하며 자바스크립트를 접하게 되었고 친구와 함께 스크립트를 짜며 놀곤 하였습니다</a:t>
+            </a:r>
+            <a:r>
+              <a:rPr lang="en-US" altLang="ko-KR" sz="1100" dirty="0" smtClean="0">
+                <a:solidFill>
+                  <a:schemeClr val="tx1">
+                    <a:lumMod val="75000"/>
+                    <a:lumOff val="25000"/>
+                  </a:schemeClr>
+                </a:solidFill>
+                <a:latin typeface="KoPubWorld돋움체 Light" panose="00000300000000000000" pitchFamily="2" charset="-127"/>
+                <a:ea typeface="KoPubWorld돋움체 Light" panose="00000300000000000000" pitchFamily="2" charset="-127"/>
+                <a:cs typeface="KoPubWorld돋움체 Light" panose="00000300000000000000" pitchFamily="2" charset="-127"/>
+              </a:rPr>
+              <a:t>. </a:t>
+            </a:r>
+            <a:r>
+              <a:rPr lang="ko-KR" altLang="en-US" sz="1100" dirty="0" smtClean="0">
+                <a:solidFill>
+                  <a:schemeClr val="tx1">
+                    <a:lumMod val="75000"/>
+                    <a:lumOff val="25000"/>
+                  </a:schemeClr>
+                </a:solidFill>
+                <a:latin typeface="KoPubWorld돋움체 Light" panose="00000300000000000000" pitchFamily="2" charset="-127"/>
+                <a:ea typeface="KoPubWorld돋움체 Light" panose="00000300000000000000" pitchFamily="2" charset="-127"/>
+                <a:cs typeface="KoPubWorld돋움체 Light" panose="00000300000000000000" pitchFamily="2" charset="-127"/>
+              </a:rPr>
+              <a:t>자바스크립트를 제대로 이해하지 못한 채 사용하였지만 내가 만든 것이 게임에 적용된다는 것에 재미를 느꼈습니다</a:t>
+            </a:r>
+            <a:r>
+              <a:rPr lang="en-US" altLang="ko-KR" sz="1100" dirty="0" smtClean="0">
+                <a:solidFill>
+                  <a:schemeClr val="tx1">
+                    <a:lumMod val="75000"/>
+                    <a:lumOff val="25000"/>
+                  </a:schemeClr>
+                </a:solidFill>
+                <a:latin typeface="KoPubWorld돋움체 Light" panose="00000300000000000000" pitchFamily="2" charset="-127"/>
+                <a:ea typeface="KoPubWorld돋움체 Light" panose="00000300000000000000" pitchFamily="2" charset="-127"/>
+                <a:cs typeface="KoPubWorld돋움체 Light" panose="00000300000000000000" pitchFamily="2" charset="-127"/>
+              </a:rPr>
+              <a:t>.</a:t>
+            </a:r>
+          </a:p>
+          <a:p>
+            <a:pPr>
+              <a:spcBef>
+                <a:spcPts val="400"/>
               </a:spcBef>
             </a:pPr>
             <a:endParaRPr lang="en-US" altLang="ko-KR" sz="1100" dirty="0">
@@ -6546,24 +6192,10 @@
           <a:p>
             <a:pPr>
               <a:spcBef>
-                <a:spcPts val="300"/>
+                <a:spcPts val="400"/>
               </a:spcBef>
             </a:pPr>
             <a:r>
-              <a:rPr lang="ko-KR" altLang="en-US" sz="1100" b="1" dirty="0" smtClean="0">
-                <a:solidFill>
-                  <a:schemeClr val="tx1">
-                    <a:lumMod val="75000"/>
-                    <a:lumOff val="25000"/>
-                  </a:schemeClr>
-                </a:solidFill>
-                <a:latin typeface="KoPubWorld돋움체 Light" panose="00000300000000000000" pitchFamily="2" charset="-127"/>
-                <a:ea typeface="KoPubWorld돋움체 Light" panose="00000300000000000000" pitchFamily="2" charset="-127"/>
-                <a:cs typeface="KoPubWorld돋움체 Light" panose="00000300000000000000" pitchFamily="2" charset="-127"/>
-              </a:rPr>
-              <a:t>문제</a:t>
-            </a:r>
-            <a:r>
               <a:rPr lang="ko-KR" altLang="en-US" sz="1100" dirty="0" smtClean="0">
                 <a:solidFill>
                   <a:schemeClr val="tx1">
@@ -6575,7 +6207,7 @@
                 <a:ea typeface="KoPubWorld돋움체 Light" panose="00000300000000000000" pitchFamily="2" charset="-127"/>
                 <a:cs typeface="KoPubWorld돋움체 Light" panose="00000300000000000000" pitchFamily="2" charset="-127"/>
               </a:rPr>
-              <a:t> </a:t>
+              <a:t>중학생 때는 학원에 다니며 공부를 하느라 이 재미를 잊고 살았습니다</a:t>
             </a:r>
             <a:r>
               <a:rPr lang="en-US" altLang="ko-KR" sz="1100" dirty="0" smtClean="0">
@@ -6589,7 +6221,7 @@
                 <a:ea typeface="KoPubWorld돋움체 Light" panose="00000300000000000000" pitchFamily="2" charset="-127"/>
                 <a:cs typeface="KoPubWorld돋움체 Light" panose="00000300000000000000" pitchFamily="2" charset="-127"/>
               </a:rPr>
-              <a:t>: C#</a:t>
+              <a:t>. </a:t>
             </a:r>
             <a:r>
               <a:rPr lang="ko-KR" altLang="en-US" sz="1100" dirty="0" smtClean="0">
@@ -6603,7 +6235,7 @@
                 <a:ea typeface="KoPubWorld돋움체 Light" panose="00000300000000000000" pitchFamily="2" charset="-127"/>
                 <a:cs typeface="KoPubWorld돋움체 Light" panose="00000300000000000000" pitchFamily="2" charset="-127"/>
               </a:rPr>
-              <a:t>에서는 </a:t>
+              <a:t>고등학교를 정할 때 울산애니원고등학교에 게임 개발과가 있다는 걸 알고 어릴 때 느꼈던 게임 개발의 재미를 다시 느껴보고 싶어져 프로그래밍을 배우는 특성화 고등학교에 진학하게 되었습니다</a:t>
             </a:r>
             <a:r>
               <a:rPr lang="en-US" altLang="ko-KR" sz="1100" dirty="0" smtClean="0">
@@ -6617,50 +6249,15 @@
                 <a:ea typeface="KoPubWorld돋움체 Light" panose="00000300000000000000" pitchFamily="2" charset="-127"/>
                 <a:cs typeface="KoPubWorld돋움체 Light" panose="00000300000000000000" pitchFamily="2" charset="-127"/>
               </a:rPr>
-              <a:t>Reflection</a:t>
-            </a:r>
-            <a:r>
-              <a:rPr lang="ko-KR" altLang="en-US" sz="1100" dirty="0" smtClean="0">
-                <a:solidFill>
-                  <a:schemeClr val="tx1">
-                    <a:lumMod val="75000"/>
-                    <a:lumOff val="25000"/>
-                  </a:schemeClr>
-                </a:solidFill>
-                <a:latin typeface="KoPubWorld돋움체 Light" panose="00000300000000000000" pitchFamily="2" charset="-127"/>
-                <a:ea typeface="KoPubWorld돋움체 Light" panose="00000300000000000000" pitchFamily="2" charset="-127"/>
-                <a:cs typeface="KoPubWorld돋움체 Light" panose="00000300000000000000" pitchFamily="2" charset="-127"/>
-              </a:rPr>
-              <a:t>을 언어 차원에서 지원하여 </a:t>
-            </a:r>
-            <a:r>
-              <a:rPr lang="en-US" altLang="ko-KR" sz="1100" dirty="0" smtClean="0">
-                <a:solidFill>
-                  <a:schemeClr val="tx1">
-                    <a:lumMod val="75000"/>
-                    <a:lumOff val="25000"/>
-                  </a:schemeClr>
-                </a:solidFill>
-                <a:latin typeface="KoPubWorld돋움체 Light" panose="00000300000000000000" pitchFamily="2" charset="-127"/>
-                <a:ea typeface="KoPubWorld돋움체 Light" panose="00000300000000000000" pitchFamily="2" charset="-127"/>
-                <a:cs typeface="KoPubWorld돋움체 Light" panose="00000300000000000000" pitchFamily="2" charset="-127"/>
-              </a:rPr>
-              <a:t>C++ </a:t>
-            </a:r>
-            <a:r>
-              <a:rPr lang="ko-KR" altLang="en-US" sz="1100" dirty="0" smtClean="0">
-                <a:solidFill>
-                  <a:schemeClr val="tx1">
-                    <a:lumMod val="75000"/>
-                    <a:lumOff val="25000"/>
-                  </a:schemeClr>
-                </a:solidFill>
-                <a:latin typeface="KoPubWorld돋움체 Light" panose="00000300000000000000" pitchFamily="2" charset="-127"/>
-                <a:ea typeface="KoPubWorld돋움체 Light" panose="00000300000000000000" pitchFamily="2" charset="-127"/>
-                <a:cs typeface="KoPubWorld돋움체 Light" panose="00000300000000000000" pitchFamily="2" charset="-127"/>
-              </a:rPr>
-              <a:t>서버가 패킷을 전달해주는 역할만 한다면 문제가 없지만 서버 내에서 패킷을 분석하고 알맞은 행동을 취해 주어야 했기 때문에 문제가 발생함</a:t>
-            </a:r>
+              <a:t>.</a:t>
+            </a:r>
+          </a:p>
+          <a:p>
+            <a:pPr>
+              <a:spcBef>
+                <a:spcPts val="400"/>
+              </a:spcBef>
+            </a:pPr>
             <a:endParaRPr lang="en-US" altLang="ko-KR" sz="1100" dirty="0" smtClean="0">
               <a:solidFill>
                 <a:schemeClr val="tx1">
@@ -6676,7 +6273,7 @@
           <a:p>
             <a:pPr>
               <a:spcBef>
-                <a:spcPts val="300"/>
+                <a:spcPts val="400"/>
               </a:spcBef>
             </a:pPr>
             <a:endParaRPr lang="en-US" altLang="ko-KR" sz="1100" dirty="0">
@@ -6694,24 +6291,10 @@
           <a:p>
             <a:pPr>
               <a:spcBef>
-                <a:spcPts val="300"/>
+                <a:spcPts val="400"/>
               </a:spcBef>
             </a:pPr>
             <a:r>
-              <a:rPr lang="ko-KR" altLang="en-US" sz="1100" b="1" dirty="0" smtClean="0">
-                <a:solidFill>
-                  <a:schemeClr val="tx1">
-                    <a:lumMod val="75000"/>
-                    <a:lumOff val="25000"/>
-                  </a:schemeClr>
-                </a:solidFill>
-                <a:latin typeface="KoPubWorld돋움체 Light" panose="00000300000000000000" pitchFamily="2" charset="-127"/>
-                <a:ea typeface="KoPubWorld돋움체 Light" panose="00000300000000000000" pitchFamily="2" charset="-127"/>
-                <a:cs typeface="KoPubWorld돋움체 Light" panose="00000300000000000000" pitchFamily="2" charset="-127"/>
-              </a:rPr>
-              <a:t>해결</a:t>
-            </a:r>
-            <a:r>
               <a:rPr lang="ko-KR" altLang="en-US" sz="1100" dirty="0" smtClean="0">
                 <a:solidFill>
                   <a:schemeClr val="tx1">
@@ -6723,7 +6306,7 @@
                 <a:ea typeface="KoPubWorld돋움체 Light" panose="00000300000000000000" pitchFamily="2" charset="-127"/>
                 <a:cs typeface="KoPubWorld돋움체 Light" panose="00000300000000000000" pitchFamily="2" charset="-127"/>
               </a:rPr>
-              <a:t> </a:t>
+              <a:t>고등학교 </a:t>
             </a:r>
             <a:r>
               <a:rPr lang="en-US" altLang="ko-KR" sz="1100" dirty="0" smtClean="0">
@@ -6737,7 +6320,7 @@
                 <a:ea typeface="KoPubWorld돋움체 Light" panose="00000300000000000000" pitchFamily="2" charset="-127"/>
                 <a:cs typeface="KoPubWorld돋움체 Light" panose="00000300000000000000" pitchFamily="2" charset="-127"/>
               </a:rPr>
-              <a:t>: String</a:t>
+              <a:t>1</a:t>
             </a:r>
             <a:r>
               <a:rPr lang="ko-KR" altLang="en-US" sz="1100" dirty="0" smtClean="0">
@@ -6751,21 +6334,7 @@
                 <a:ea typeface="KoPubWorld돋움체 Light" panose="00000300000000000000" pitchFamily="2" charset="-127"/>
                 <a:cs typeface="KoPubWorld돋움체 Light" panose="00000300000000000000" pitchFamily="2" charset="-127"/>
               </a:rPr>
-              <a:t>형을 키 값으로 가지는 </a:t>
-            </a:r>
-            <a:r>
-              <a:rPr lang="en-US" altLang="ko-KR" sz="1100" dirty="0" err="1" smtClean="0">
-                <a:solidFill>
-                  <a:schemeClr val="tx1">
-                    <a:lumMod val="75000"/>
-                    <a:lumOff val="25000"/>
-                  </a:schemeClr>
-                </a:solidFill>
-                <a:latin typeface="KoPubWorld돋움체 Light" panose="00000300000000000000" pitchFamily="2" charset="-127"/>
-                <a:ea typeface="KoPubWorld돋움체 Light" panose="00000300000000000000" pitchFamily="2" charset="-127"/>
-                <a:cs typeface="KoPubWorld돋움체 Light" panose="00000300000000000000" pitchFamily="2" charset="-127"/>
-              </a:rPr>
-              <a:t>std</a:t>
+              <a:t>학년이 되었을 때 </a:t>
             </a:r>
             <a:r>
               <a:rPr lang="en-US" altLang="ko-KR" sz="1100" dirty="0" smtClean="0">
@@ -6779,7 +6348,7 @@
                 <a:ea typeface="KoPubWorld돋움체 Light" panose="00000300000000000000" pitchFamily="2" charset="-127"/>
                 <a:cs typeface="KoPubWorld돋움체 Light" panose="00000300000000000000" pitchFamily="2" charset="-127"/>
               </a:rPr>
-              <a:t>::map</a:t>
+              <a:t>C</a:t>
             </a:r>
             <a:r>
               <a:rPr lang="ko-KR" altLang="en-US" sz="1100" dirty="0" smtClean="0">
@@ -6793,7 +6362,7 @@
                 <a:ea typeface="KoPubWorld돋움체 Light" panose="00000300000000000000" pitchFamily="2" charset="-127"/>
                 <a:cs typeface="KoPubWorld돋움체 Light" panose="00000300000000000000" pitchFamily="2" charset="-127"/>
               </a:rPr>
-              <a:t>에 함수와 </a:t>
+              <a:t>언어를 배우고 다양한 콘솔 게임을 만들면서 게임 프로그래밍에 재미를 붙이기 시작하였습니다</a:t>
             </a:r>
             <a:r>
               <a:rPr lang="en-US" altLang="ko-KR" sz="1100" dirty="0" smtClean="0">
@@ -6807,66 +6376,76 @@
                 <a:ea typeface="KoPubWorld돋움체 Light" panose="00000300000000000000" pitchFamily="2" charset="-127"/>
                 <a:cs typeface="KoPubWorld돋움체 Light" panose="00000300000000000000" pitchFamily="2" charset="-127"/>
               </a:rPr>
-              <a:t>Component</a:t>
-            </a:r>
-            <a:r>
-              <a:rPr lang="ko-KR" altLang="en-US" sz="1100" dirty="0" smtClean="0">
-                <a:solidFill>
-                  <a:schemeClr val="tx1">
-                    <a:lumMod val="75000"/>
-                    <a:lumOff val="25000"/>
-                  </a:schemeClr>
-                </a:solidFill>
-                <a:latin typeface="KoPubWorld돋움체 Light" panose="00000300000000000000" pitchFamily="2" charset="-127"/>
-                <a:ea typeface="KoPubWorld돋움체 Light" panose="00000300000000000000" pitchFamily="2" charset="-127"/>
-                <a:cs typeface="KoPubWorld돋움체 Light" panose="00000300000000000000" pitchFamily="2" charset="-127"/>
-              </a:rPr>
-              <a:t>를 넣어 문자열에 알맞은 </a:t>
-            </a:r>
-            <a:r>
-              <a:rPr lang="en-US" altLang="ko-KR" sz="1100" dirty="0" smtClean="0">
-                <a:solidFill>
-                  <a:schemeClr val="tx1">
-                    <a:lumMod val="75000"/>
-                    <a:lumOff val="25000"/>
-                  </a:schemeClr>
-                </a:solidFill>
-                <a:latin typeface="KoPubWorld돋움체 Light" panose="00000300000000000000" pitchFamily="2" charset="-127"/>
-                <a:ea typeface="KoPubWorld돋움체 Light" panose="00000300000000000000" pitchFamily="2" charset="-127"/>
-                <a:cs typeface="KoPubWorld돋움체 Light" panose="00000300000000000000" pitchFamily="2" charset="-127"/>
-              </a:rPr>
-              <a:t>Component</a:t>
-            </a:r>
-            <a:r>
-              <a:rPr lang="ko-KR" altLang="en-US" sz="1100" dirty="0" smtClean="0">
-                <a:solidFill>
-                  <a:schemeClr val="tx1">
-                    <a:lumMod val="75000"/>
-                    <a:lumOff val="25000"/>
-                  </a:schemeClr>
-                </a:solidFill>
-                <a:latin typeface="KoPubWorld돋움체 Light" panose="00000300000000000000" pitchFamily="2" charset="-127"/>
-                <a:ea typeface="KoPubWorld돋움체 Light" panose="00000300000000000000" pitchFamily="2" charset="-127"/>
-                <a:cs typeface="KoPubWorld돋움체 Light" panose="00000300000000000000" pitchFamily="2" charset="-127"/>
-              </a:rPr>
-              <a:t>를 찾아 함수를 호출하게 끔 하였음</a:t>
-            </a:r>
-            <a:endParaRPr lang="en-US" altLang="ko-KR" sz="1100" dirty="0" smtClean="0">
-              <a:solidFill>
-                <a:schemeClr val="tx1">
-                  <a:lumMod val="75000"/>
-                  <a:lumOff val="25000"/>
-                </a:schemeClr>
-              </a:solidFill>
-              <a:latin typeface="KoPubWorld돋움체 Light" panose="00000300000000000000" pitchFamily="2" charset="-127"/>
-              <a:ea typeface="KoPubWorld돋움체 Light" panose="00000300000000000000" pitchFamily="2" charset="-127"/>
-              <a:cs typeface="KoPubWorld돋움체 Light" panose="00000300000000000000" pitchFamily="2" charset="-127"/>
-            </a:endParaRPr>
+              <a:t>.</a:t>
+            </a:r>
           </a:p>
           <a:p>
             <a:pPr>
               <a:spcBef>
-                <a:spcPts val="300"/>
+                <a:spcPts val="400"/>
+              </a:spcBef>
+            </a:pPr>
+            <a:r>
+              <a:rPr lang="ko-KR" altLang="en-US" sz="1100" dirty="0" smtClean="0">
+                <a:solidFill>
+                  <a:schemeClr val="tx1">
+                    <a:lumMod val="75000"/>
+                    <a:lumOff val="25000"/>
+                  </a:schemeClr>
+                </a:solidFill>
+                <a:latin typeface="KoPubWorld돋움체 Light" panose="00000300000000000000" pitchFamily="2" charset="-127"/>
+                <a:ea typeface="KoPubWorld돋움체 Light" panose="00000300000000000000" pitchFamily="2" charset="-127"/>
+                <a:cs typeface="KoPubWorld돋움체 Light" panose="00000300000000000000" pitchFamily="2" charset="-127"/>
+              </a:rPr>
+              <a:t>그러던 중 학교에 있는 학생용 파일 서버를 이용하여 채팅 프로그램을 만들게 되었는데 이때 기존의 게임 개발과는 다른 재미를 느끼게 되어 서버 프로그래밍에 관심을 </a:t>
+            </a:r>
+            <a:r>
+              <a:rPr lang="ko-KR" altLang="en-US" sz="1100" dirty="0" smtClean="0">
+                <a:solidFill>
+                  <a:schemeClr val="tx1">
+                    <a:lumMod val="75000"/>
+                    <a:lumOff val="25000"/>
+                  </a:schemeClr>
+                </a:solidFill>
+                <a:latin typeface="KoPubWorld돋움체 Light" panose="00000300000000000000" pitchFamily="2" charset="-127"/>
+                <a:ea typeface="KoPubWorld돋움체 Light" panose="00000300000000000000" pitchFamily="2" charset="-127"/>
+                <a:cs typeface="KoPubWorld돋움체 Light" panose="00000300000000000000" pitchFamily="2" charset="-127"/>
+              </a:rPr>
+              <a:t>갖게 </a:t>
+            </a:r>
+            <a:r>
+              <a:rPr lang="ko-KR" altLang="en-US" sz="1100" dirty="0" smtClean="0">
+                <a:solidFill>
+                  <a:schemeClr val="tx1">
+                    <a:lumMod val="75000"/>
+                    <a:lumOff val="25000"/>
+                  </a:schemeClr>
+                </a:solidFill>
+                <a:latin typeface="KoPubWorld돋움체 Light" panose="00000300000000000000" pitchFamily="2" charset="-127"/>
+                <a:ea typeface="KoPubWorld돋움체 Light" panose="00000300000000000000" pitchFamily="2" charset="-127"/>
+                <a:cs typeface="KoPubWorld돋움체 Light" panose="00000300000000000000" pitchFamily="2" charset="-127"/>
+              </a:rPr>
+              <a:t>됐습니다</a:t>
+            </a:r>
+            <a:r>
+              <a:rPr lang="en-US" altLang="ko-KR" sz="1100" dirty="0" smtClean="0">
+                <a:solidFill>
+                  <a:schemeClr val="tx1">
+                    <a:lumMod val="75000"/>
+                    <a:lumOff val="25000"/>
+                  </a:schemeClr>
+                </a:solidFill>
+                <a:latin typeface="KoPubWorld돋움체 Light" panose="00000300000000000000" pitchFamily="2" charset="-127"/>
+                <a:ea typeface="KoPubWorld돋움체 Light" panose="00000300000000000000" pitchFamily="2" charset="-127"/>
+                <a:cs typeface="KoPubWorld돋움체 Light" panose="00000300000000000000" pitchFamily="2" charset="-127"/>
+              </a:rPr>
+              <a:t>.</a:t>
+            </a:r>
+          </a:p>
+          <a:p>
+            <a:pPr>
+              <a:spcBef>
+                <a:spcPts val="400"/>
               </a:spcBef>
             </a:pPr>
             <a:endParaRPr lang="en-US" altLang="ko-KR" sz="1100" dirty="0">
@@ -6884,24 +6463,10 @@
           <a:p>
             <a:pPr>
               <a:spcBef>
-                <a:spcPts val="300"/>
+                <a:spcPts val="400"/>
               </a:spcBef>
             </a:pPr>
             <a:r>
-              <a:rPr lang="ko-KR" altLang="en-US" sz="1100" b="1" dirty="0" smtClean="0">
-                <a:solidFill>
-                  <a:schemeClr val="tx1">
-                    <a:lumMod val="75000"/>
-                    <a:lumOff val="25000"/>
-                  </a:schemeClr>
-                </a:solidFill>
-                <a:latin typeface="KoPubWorld돋움체 Light" panose="00000300000000000000" pitchFamily="2" charset="-127"/>
-                <a:ea typeface="KoPubWorld돋움체 Light" panose="00000300000000000000" pitchFamily="2" charset="-127"/>
-                <a:cs typeface="KoPubWorld돋움체 Light" panose="00000300000000000000" pitchFamily="2" charset="-127"/>
-              </a:rPr>
-              <a:t>보완</a:t>
-            </a:r>
-            <a:r>
               <a:rPr lang="ko-KR" altLang="en-US" sz="1100" dirty="0" smtClean="0">
                 <a:solidFill>
                   <a:schemeClr val="tx1">
@@ -6913,7 +6478,7 @@
                 <a:ea typeface="KoPubWorld돋움체 Light" panose="00000300000000000000" pitchFamily="2" charset="-127"/>
                 <a:cs typeface="KoPubWorld돋움체 Light" panose="00000300000000000000" pitchFamily="2" charset="-127"/>
               </a:rPr>
-              <a:t> </a:t>
+              <a:t>그 후 혼자서 </a:t>
             </a:r>
             <a:r>
               <a:rPr lang="en-US" altLang="ko-KR" sz="1100" dirty="0" smtClean="0">
@@ -6927,7 +6492,7 @@
                 <a:ea typeface="KoPubWorld돋움체 Light" panose="00000300000000000000" pitchFamily="2" charset="-127"/>
                 <a:cs typeface="KoPubWorld돋움체 Light" panose="00000300000000000000" pitchFamily="2" charset="-127"/>
               </a:rPr>
-              <a:t>: </a:t>
+              <a:t>TCP/IP</a:t>
             </a:r>
             <a:r>
               <a:rPr lang="ko-KR" altLang="en-US" sz="1100" dirty="0" smtClean="0">
@@ -6941,21 +6506,7 @@
                 <a:ea typeface="KoPubWorld돋움체 Light" panose="00000300000000000000" pitchFamily="2" charset="-127"/>
                 <a:cs typeface="KoPubWorld돋움체 Light" panose="00000300000000000000" pitchFamily="2" charset="-127"/>
               </a:rPr>
-              <a:t>모든 함수가 </a:t>
-            </a:r>
-            <a:r>
-              <a:rPr lang="en-US" altLang="ko-KR" sz="1100" dirty="0" err="1" smtClean="0">
-                <a:solidFill>
-                  <a:schemeClr val="tx1">
-                    <a:lumMod val="75000"/>
-                    <a:lumOff val="25000"/>
-                  </a:schemeClr>
-                </a:solidFill>
-                <a:latin typeface="KoPubWorld돋움체 Light" panose="00000300000000000000" pitchFamily="2" charset="-127"/>
-                <a:ea typeface="KoPubWorld돋움체 Light" panose="00000300000000000000" pitchFamily="2" charset="-127"/>
-                <a:cs typeface="KoPubWorld돋움체 Light" panose="00000300000000000000" pitchFamily="2" charset="-127"/>
-              </a:rPr>
-              <a:t>std</a:t>
+              <a:t>를 공부하고 </a:t>
             </a:r>
             <a:r>
               <a:rPr lang="en-US" altLang="ko-KR" sz="1100" dirty="0" smtClean="0">
@@ -6969,21 +6520,21 @@
                 <a:ea typeface="KoPubWorld돋움체 Light" panose="00000300000000000000" pitchFamily="2" charset="-127"/>
                 <a:cs typeface="KoPubWorld돋움체 Light" panose="00000300000000000000" pitchFamily="2" charset="-127"/>
               </a:rPr>
-              <a:t>::function&lt;void(</a:t>
-            </a:r>
-            <a:r>
-              <a:rPr lang="en-US" altLang="ko-KR" sz="1100" dirty="0" err="1" smtClean="0">
-                <a:solidFill>
-                  <a:schemeClr val="tx1">
-                    <a:lumMod val="75000"/>
-                    <a:lumOff val="25000"/>
-                  </a:schemeClr>
-                </a:solidFill>
-                <a:latin typeface="KoPubWorld돋움체 Light" panose="00000300000000000000" pitchFamily="2" charset="-127"/>
-                <a:ea typeface="KoPubWorld돋움체 Light" panose="00000300000000000000" pitchFamily="2" charset="-127"/>
-                <a:cs typeface="KoPubWorld돋움체 Light" panose="00000300000000000000" pitchFamily="2" charset="-127"/>
-              </a:rPr>
-              <a:t>MinNetPacket</a:t>
+              <a:t>1</a:t>
+            </a:r>
+            <a:r>
+              <a:rPr lang="ko-KR" altLang="en-US" sz="1100" dirty="0" smtClean="0">
+                <a:solidFill>
+                  <a:schemeClr val="tx1">
+                    <a:lumMod val="75000"/>
+                    <a:lumOff val="25000"/>
+                  </a:schemeClr>
+                </a:solidFill>
+                <a:latin typeface="KoPubWorld돋움체 Light" panose="00000300000000000000" pitchFamily="2" charset="-127"/>
+                <a:ea typeface="KoPubWorld돋움체 Light" panose="00000300000000000000" pitchFamily="2" charset="-127"/>
+                <a:cs typeface="KoPubWorld돋움체 Light" panose="00000300000000000000" pitchFamily="2" charset="-127"/>
+              </a:rPr>
+              <a:t>학년 말 첫 네트워크 게임인 </a:t>
             </a:r>
             <a:r>
               <a:rPr lang="en-US" altLang="ko-KR" sz="1100" dirty="0" smtClean="0">
@@ -6997,7 +6548,7 @@
                 <a:ea typeface="KoPubWorld돋움체 Light" panose="00000300000000000000" pitchFamily="2" charset="-127"/>
                 <a:cs typeface="KoPubWorld돋움체 Light" panose="00000300000000000000" pitchFamily="2" charset="-127"/>
               </a:rPr>
-              <a:t> *)&gt; </a:t>
+              <a:t>2</a:t>
             </a:r>
             <a:r>
               <a:rPr lang="ko-KR" altLang="en-US" sz="1100" dirty="0" smtClean="0">
@@ -7011,21 +6562,49 @@
                 <a:ea typeface="KoPubWorld돋움체 Light" panose="00000300000000000000" pitchFamily="2" charset="-127"/>
                 <a:cs typeface="KoPubWorld돋움체 Light" panose="00000300000000000000" pitchFamily="2" charset="-127"/>
               </a:rPr>
-              <a:t>형을 유지 해야했고 호출하는 함수는 모두 멤버 함수였기 때문에 </a:t>
-            </a:r>
-            <a:r>
-              <a:rPr lang="en-US" altLang="ko-KR" sz="1100" dirty="0" err="1" smtClean="0">
-                <a:solidFill>
-                  <a:schemeClr val="tx1">
-                    <a:lumMod val="75000"/>
-                    <a:lumOff val="25000"/>
-                  </a:schemeClr>
-                </a:solidFill>
-                <a:latin typeface="KoPubWorld돋움체 Light" panose="00000300000000000000" pitchFamily="2" charset="-127"/>
-                <a:ea typeface="KoPubWorld돋움체 Light" panose="00000300000000000000" pitchFamily="2" charset="-127"/>
-                <a:cs typeface="KoPubWorld돋움체 Light" panose="00000300000000000000" pitchFamily="2" charset="-127"/>
-              </a:rPr>
-              <a:t>std</a:t>
+              <a:t>인용 </a:t>
+            </a:r>
+            <a:r>
+              <a:rPr lang="ko-KR" altLang="en-US" sz="1100" dirty="0" err="1" smtClean="0">
+                <a:solidFill>
+                  <a:schemeClr val="tx1">
+                    <a:lumMod val="75000"/>
+                    <a:lumOff val="25000"/>
+                  </a:schemeClr>
+                </a:solidFill>
+                <a:latin typeface="KoPubWorld돋움체 Light" panose="00000300000000000000" pitchFamily="2" charset="-127"/>
+                <a:ea typeface="KoPubWorld돋움체 Light" panose="00000300000000000000" pitchFamily="2" charset="-127"/>
+                <a:cs typeface="KoPubWorld돋움체 Light" panose="00000300000000000000" pitchFamily="2" charset="-127"/>
+              </a:rPr>
+              <a:t>소코반을</a:t>
+            </a:r>
+            <a:r>
+              <a:rPr lang="ko-KR" altLang="en-US" sz="1100" dirty="0" smtClean="0">
+                <a:solidFill>
+                  <a:schemeClr val="tx1">
+                    <a:lumMod val="75000"/>
+                    <a:lumOff val="25000"/>
+                  </a:schemeClr>
+                </a:solidFill>
+                <a:latin typeface="KoPubWorld돋움체 Light" panose="00000300000000000000" pitchFamily="2" charset="-127"/>
+                <a:ea typeface="KoPubWorld돋움체 Light" panose="00000300000000000000" pitchFamily="2" charset="-127"/>
+                <a:cs typeface="KoPubWorld돋움체 Light" panose="00000300000000000000" pitchFamily="2" charset="-127"/>
+              </a:rPr>
+              <a:t> 만들게 </a:t>
+            </a:r>
+            <a:r>
+              <a:rPr lang="ko-KR" altLang="en-US" sz="1100" dirty="0" smtClean="0">
+                <a:solidFill>
+                  <a:schemeClr val="tx1">
+                    <a:lumMod val="75000"/>
+                    <a:lumOff val="25000"/>
+                  </a:schemeClr>
+                </a:solidFill>
+                <a:latin typeface="KoPubWorld돋움체 Light" panose="00000300000000000000" pitchFamily="2" charset="-127"/>
+                <a:ea typeface="KoPubWorld돋움체 Light" panose="00000300000000000000" pitchFamily="2" charset="-127"/>
+                <a:cs typeface="KoPubWorld돋움체 Light" panose="00000300000000000000" pitchFamily="2" charset="-127"/>
+              </a:rPr>
+              <a:t>되면서 서버 프로그래밍에 빠지게 되었습니다</a:t>
             </a:r>
             <a:r>
               <a:rPr lang="en-US" altLang="ko-KR" sz="1100" dirty="0" smtClean="0">
@@ -7039,7 +6618,7 @@
                 <a:ea typeface="KoPubWorld돋움체 Light" panose="00000300000000000000" pitchFamily="2" charset="-127"/>
                 <a:cs typeface="KoPubWorld돋움체 Light" panose="00000300000000000000" pitchFamily="2" charset="-127"/>
               </a:rPr>
-              <a:t>::bind() </a:t>
+              <a:t>. </a:t>
             </a:r>
             <a:r>
               <a:rPr lang="ko-KR" altLang="en-US" sz="1100" dirty="0" smtClean="0">
@@ -7053,8 +6632,99 @@
                 <a:ea typeface="KoPubWorld돋움체 Light" panose="00000300000000000000" pitchFamily="2" charset="-127"/>
                 <a:cs typeface="KoPubWorld돋움체 Light" panose="00000300000000000000" pitchFamily="2" charset="-127"/>
               </a:rPr>
-              <a:t>를 사용하여 해당 함수와 객체를 바인딩 해주어야 했음</a:t>
-            </a:r>
+              <a:t>주변에 </a:t>
+            </a:r>
+            <a:r>
+              <a:rPr lang="ko-KR" altLang="en-US" sz="1100" dirty="0" smtClean="0">
+                <a:solidFill>
+                  <a:schemeClr val="tx1">
+                    <a:lumMod val="75000"/>
+                    <a:lumOff val="25000"/>
+                  </a:schemeClr>
+                </a:solidFill>
+                <a:latin typeface="KoPubWorld돋움체 Light" panose="00000300000000000000" pitchFamily="2" charset="-127"/>
+                <a:ea typeface="KoPubWorld돋움체 Light" panose="00000300000000000000" pitchFamily="2" charset="-127"/>
+                <a:cs typeface="KoPubWorld돋움체 Light" panose="00000300000000000000" pitchFamily="2" charset="-127"/>
+              </a:rPr>
+              <a:t>게임 서버를 공부하는 친구도 없고 서버 프로그래밍 수업은 </a:t>
+            </a:r>
+            <a:r>
+              <a:rPr lang="en-US" altLang="ko-KR" sz="1100" dirty="0" smtClean="0">
+                <a:solidFill>
+                  <a:schemeClr val="tx1">
+                    <a:lumMod val="75000"/>
+                    <a:lumOff val="25000"/>
+                  </a:schemeClr>
+                </a:solidFill>
+                <a:latin typeface="KoPubWorld돋움체 Light" panose="00000300000000000000" pitchFamily="2" charset="-127"/>
+                <a:ea typeface="KoPubWorld돋움체 Light" panose="00000300000000000000" pitchFamily="2" charset="-127"/>
+                <a:cs typeface="KoPubWorld돋움체 Light" panose="00000300000000000000" pitchFamily="2" charset="-127"/>
+              </a:rPr>
+              <a:t>3</a:t>
+            </a:r>
+            <a:r>
+              <a:rPr lang="ko-KR" altLang="en-US" sz="1100" dirty="0" smtClean="0">
+                <a:solidFill>
+                  <a:schemeClr val="tx1">
+                    <a:lumMod val="75000"/>
+                    <a:lumOff val="25000"/>
+                  </a:schemeClr>
+                </a:solidFill>
+                <a:latin typeface="KoPubWorld돋움체 Light" panose="00000300000000000000" pitchFamily="2" charset="-127"/>
+                <a:ea typeface="KoPubWorld돋움체 Light" panose="00000300000000000000" pitchFamily="2" charset="-127"/>
+                <a:cs typeface="KoPubWorld돋움체 Light" panose="00000300000000000000" pitchFamily="2" charset="-127"/>
+              </a:rPr>
+              <a:t>학년 때부터 배우기 때문에 공부하는 데 많은 어려움이 있었지만</a:t>
+            </a:r>
+            <a:r>
+              <a:rPr lang="en-US" altLang="ko-KR" sz="1100" dirty="0" smtClean="0">
+                <a:solidFill>
+                  <a:schemeClr val="tx1">
+                    <a:lumMod val="75000"/>
+                    <a:lumOff val="25000"/>
+                  </a:schemeClr>
+                </a:solidFill>
+                <a:latin typeface="KoPubWorld돋움체 Light" panose="00000300000000000000" pitchFamily="2" charset="-127"/>
+                <a:ea typeface="KoPubWorld돋움체 Light" panose="00000300000000000000" pitchFamily="2" charset="-127"/>
+                <a:cs typeface="KoPubWorld돋움체 Light" panose="00000300000000000000" pitchFamily="2" charset="-127"/>
+              </a:rPr>
+              <a:t>,</a:t>
+            </a:r>
+            <a:r>
+              <a:rPr lang="ko-KR" altLang="en-US" sz="1100" dirty="0" smtClean="0">
+                <a:solidFill>
+                  <a:schemeClr val="tx1">
+                    <a:lumMod val="75000"/>
+                    <a:lumOff val="25000"/>
+                  </a:schemeClr>
+                </a:solidFill>
+                <a:latin typeface="KoPubWorld돋움체 Light" panose="00000300000000000000" pitchFamily="2" charset="-127"/>
+                <a:ea typeface="KoPubWorld돋움체 Light" panose="00000300000000000000" pitchFamily="2" charset="-127"/>
+                <a:cs typeface="KoPubWorld돋움체 Light" panose="00000300000000000000" pitchFamily="2" charset="-127"/>
+              </a:rPr>
+              <a:t> 도서관에 있는 책과 인터넷을 참고하며 꾸준히 공부하였습니다</a:t>
+            </a:r>
+            <a:r>
+              <a:rPr lang="en-US" altLang="ko-KR" sz="1100" dirty="0" smtClean="0">
+                <a:solidFill>
+                  <a:schemeClr val="tx1">
+                    <a:lumMod val="75000"/>
+                    <a:lumOff val="25000"/>
+                  </a:schemeClr>
+                </a:solidFill>
+                <a:latin typeface="KoPubWorld돋움체 Light" panose="00000300000000000000" pitchFamily="2" charset="-127"/>
+                <a:ea typeface="KoPubWorld돋움체 Light" panose="00000300000000000000" pitchFamily="2" charset="-127"/>
+                <a:cs typeface="KoPubWorld돋움체 Light" panose="00000300000000000000" pitchFamily="2" charset="-127"/>
+              </a:rPr>
+              <a:t>.</a:t>
+            </a:r>
+          </a:p>
+          <a:p>
+            <a:pPr>
+              <a:spcBef>
+                <a:spcPts val="400"/>
+              </a:spcBef>
+            </a:pPr>
             <a:endParaRPr lang="en-US" altLang="ko-KR" sz="1100" dirty="0" smtClean="0">
               <a:solidFill>
                 <a:schemeClr val="tx1">
@@ -7070,7 +6740,84 @@
           <a:p>
             <a:pPr>
               <a:spcBef>
-                <a:spcPts val="300"/>
+                <a:spcPts val="400"/>
+              </a:spcBef>
+            </a:pPr>
+            <a:r>
+              <a:rPr lang="en-US" altLang="ko-KR" sz="1100" dirty="0" smtClean="0">
+                <a:solidFill>
+                  <a:schemeClr val="tx1">
+                    <a:lumMod val="75000"/>
+                    <a:lumOff val="25000"/>
+                  </a:schemeClr>
+                </a:solidFill>
+                <a:latin typeface="KoPubWorld돋움체 Light" panose="00000300000000000000" pitchFamily="2" charset="-127"/>
+                <a:ea typeface="KoPubWorld돋움체 Light" panose="00000300000000000000" pitchFamily="2" charset="-127"/>
+                <a:cs typeface="KoPubWorld돋움체 Light" panose="00000300000000000000" pitchFamily="2" charset="-127"/>
+              </a:rPr>
+              <a:t>2</a:t>
+            </a:r>
+            <a:r>
+              <a:rPr lang="ko-KR" altLang="en-US" sz="1100" dirty="0">
+                <a:solidFill>
+                  <a:schemeClr val="tx1">
+                    <a:lumMod val="75000"/>
+                    <a:lumOff val="25000"/>
+                  </a:schemeClr>
+                </a:solidFill>
+                <a:latin typeface="KoPubWorld돋움체 Light" panose="00000300000000000000" pitchFamily="2" charset="-127"/>
+                <a:ea typeface="KoPubWorld돋움체 Light" panose="00000300000000000000" pitchFamily="2" charset="-127"/>
+                <a:cs typeface="KoPubWorld돋움체 Light" panose="00000300000000000000" pitchFamily="2" charset="-127"/>
+              </a:rPr>
+              <a:t>학년이 되었을 때는 기능경기대회를 위해 </a:t>
+            </a:r>
+            <a:r>
+              <a:rPr lang="en-US" altLang="ko-KR" sz="1100" dirty="0">
+                <a:solidFill>
+                  <a:schemeClr val="tx1">
+                    <a:lumMod val="75000"/>
+                    <a:lumOff val="25000"/>
+                  </a:schemeClr>
+                </a:solidFill>
+                <a:latin typeface="KoPubWorld돋움체 Light" panose="00000300000000000000" pitchFamily="2" charset="-127"/>
+                <a:ea typeface="KoPubWorld돋움체 Light" panose="00000300000000000000" pitchFamily="2" charset="-127"/>
+                <a:cs typeface="KoPubWorld돋움체 Light" panose="00000300000000000000" pitchFamily="2" charset="-127"/>
+              </a:rPr>
+              <a:t>DirectX</a:t>
+            </a:r>
+            <a:r>
+              <a:rPr lang="ko-KR" altLang="en-US" sz="1100" dirty="0">
+                <a:solidFill>
+                  <a:schemeClr val="tx1">
+                    <a:lumMod val="75000"/>
+                    <a:lumOff val="25000"/>
+                  </a:schemeClr>
+                </a:solidFill>
+                <a:latin typeface="KoPubWorld돋움체 Light" panose="00000300000000000000" pitchFamily="2" charset="-127"/>
+                <a:ea typeface="KoPubWorld돋움체 Light" panose="00000300000000000000" pitchFamily="2" charset="-127"/>
+                <a:cs typeface="KoPubWorld돋움체 Light" panose="00000300000000000000" pitchFamily="2" charset="-127"/>
+              </a:rPr>
+              <a:t>를 독학하였고 자체 프레임 워크와 네트워크 라이브러리를 만들어 여러 가지 네트워크 게임을 제작하였습니다</a:t>
+            </a:r>
+            <a:r>
+              <a:rPr lang="en-US" altLang="ko-KR" sz="1100" dirty="0" smtClean="0">
+                <a:solidFill>
+                  <a:schemeClr val="tx1">
+                    <a:lumMod val="75000"/>
+                    <a:lumOff val="25000"/>
+                  </a:schemeClr>
+                </a:solidFill>
+                <a:latin typeface="KoPubWorld돋움체 Light" panose="00000300000000000000" pitchFamily="2" charset="-127"/>
+                <a:ea typeface="KoPubWorld돋움체 Light" panose="00000300000000000000" pitchFamily="2" charset="-127"/>
+                <a:cs typeface="KoPubWorld돋움체 Light" panose="00000300000000000000" pitchFamily="2" charset="-127"/>
+              </a:rPr>
+              <a:t>.</a:t>
+            </a:r>
+          </a:p>
+          <a:p>
+            <a:pPr>
+              <a:spcBef>
+                <a:spcPts val="400"/>
               </a:spcBef>
             </a:pPr>
             <a:endParaRPr lang="en-US" altLang="ko-KR" sz="1100" dirty="0">
@@ -7088,368 +6835,98 @@
           <a:p>
             <a:pPr>
               <a:spcBef>
-                <a:spcPts val="300"/>
+                <a:spcPts val="400"/>
               </a:spcBef>
             </a:pPr>
             <a:r>
-              <a:rPr lang="ko-KR" altLang="en-US" sz="1100" b="1" dirty="0" smtClean="0">
-                <a:solidFill>
-                  <a:schemeClr val="tx1">
-                    <a:lumMod val="75000"/>
-                    <a:lumOff val="25000"/>
-                  </a:schemeClr>
-                </a:solidFill>
-                <a:latin typeface="KoPubWorld돋움체 Light" panose="00000300000000000000" pitchFamily="2" charset="-127"/>
-                <a:ea typeface="KoPubWorld돋움체 Light" panose="00000300000000000000" pitchFamily="2" charset="-127"/>
-                <a:cs typeface="KoPubWorld돋움체 Light" panose="00000300000000000000" pitchFamily="2" charset="-127"/>
-              </a:rPr>
-              <a:t>평가</a:t>
-            </a:r>
-            <a:r>
-              <a:rPr lang="ko-KR" altLang="en-US" sz="1100" dirty="0" smtClean="0">
-                <a:solidFill>
-                  <a:schemeClr val="tx1">
-                    <a:lumMod val="75000"/>
-                    <a:lumOff val="25000"/>
-                  </a:schemeClr>
-                </a:solidFill>
-                <a:latin typeface="KoPubWorld돋움체 Light" panose="00000300000000000000" pitchFamily="2" charset="-127"/>
-                <a:ea typeface="KoPubWorld돋움체 Light" panose="00000300000000000000" pitchFamily="2" charset="-127"/>
-                <a:cs typeface="KoPubWorld돋움체 Light" panose="00000300000000000000" pitchFamily="2" charset="-127"/>
-              </a:rPr>
-              <a:t> </a:t>
-            </a:r>
-            <a:r>
-              <a:rPr lang="en-US" altLang="ko-KR" sz="1100" dirty="0" smtClean="0">
-                <a:solidFill>
-                  <a:schemeClr val="tx1">
-                    <a:lumMod val="75000"/>
-                    <a:lumOff val="25000"/>
-                  </a:schemeClr>
-                </a:solidFill>
-                <a:latin typeface="KoPubWorld돋움체 Light" panose="00000300000000000000" pitchFamily="2" charset="-127"/>
-                <a:ea typeface="KoPubWorld돋움체 Light" panose="00000300000000000000" pitchFamily="2" charset="-127"/>
-                <a:cs typeface="KoPubWorld돋움체 Light" panose="00000300000000000000" pitchFamily="2" charset="-127"/>
-              </a:rPr>
-              <a:t>: </a:t>
-            </a:r>
-            <a:r>
-              <a:rPr lang="ko-KR" altLang="en-US" sz="1100" dirty="0" smtClean="0">
-                <a:solidFill>
-                  <a:schemeClr val="tx1">
-                    <a:lumMod val="75000"/>
-                    <a:lumOff val="25000"/>
-                  </a:schemeClr>
-                </a:solidFill>
-                <a:latin typeface="KoPubWorld돋움체 Light" panose="00000300000000000000" pitchFamily="2" charset="-127"/>
-                <a:ea typeface="KoPubWorld돋움체 Light" panose="00000300000000000000" pitchFamily="2" charset="-127"/>
-                <a:cs typeface="KoPubWorld돋움체 Light" panose="00000300000000000000" pitchFamily="2" charset="-127"/>
-              </a:rPr>
-              <a:t>매개변수가 자유롭지 못하다는 것과 함수를 하나하나 추가해 주어야 하는 불편함이 있다는 것이 아쉬웠음</a:t>
-            </a:r>
-            <a:endParaRPr lang="en-US" altLang="ko-KR" sz="1100" dirty="0" smtClean="0">
-              <a:solidFill>
-                <a:schemeClr val="tx1">
-                  <a:lumMod val="75000"/>
-                  <a:lumOff val="25000"/>
-                </a:schemeClr>
-              </a:solidFill>
-              <a:latin typeface="KoPubWorld돋움체 Light" panose="00000300000000000000" pitchFamily="2" charset="-127"/>
-              <a:ea typeface="KoPubWorld돋움체 Light" panose="00000300000000000000" pitchFamily="2" charset="-127"/>
-              <a:cs typeface="KoPubWorld돋움체 Light" panose="00000300000000000000" pitchFamily="2" charset="-127"/>
-            </a:endParaRPr>
-          </a:p>
-        </p:txBody>
-      </p:sp>
-      <p:sp>
-        <p:nvSpPr>
-          <p:cNvPr id="9" name="TextBox 8"/>
-          <p:cNvSpPr txBox="1"/>
-          <p:nvPr/>
-        </p:nvSpPr>
-        <p:spPr>
-          <a:xfrm>
-            <a:off x="423821" y="5126165"/>
-            <a:ext cx="3071675" cy="369332"/>
-          </a:xfrm>
-          <a:prstGeom prst="rect">
-            <a:avLst/>
-          </a:prstGeom>
-          <a:noFill/>
-        </p:spPr>
-        <p:txBody>
-          <a:bodyPr wrap="none" rtlCol="0">
-            <a:spAutoFit/>
-          </a:bodyPr>
-          <a:lstStyle/>
-          <a:p>
-            <a:r>
-              <a:rPr lang="en-US" altLang="ko-KR" b="1" dirty="0">
-                <a:solidFill>
-                  <a:schemeClr val="tx1">
-                    <a:lumMod val="75000"/>
-                    <a:lumOff val="25000"/>
-                  </a:schemeClr>
-                </a:solidFill>
-                <a:latin typeface="KoPubWorld돋움체 Bold" panose="00000800000000000000" pitchFamily="2" charset="-127"/>
-                <a:ea typeface="KoPubWorld돋움체 Bold" panose="00000800000000000000" pitchFamily="2" charset="-127"/>
-                <a:cs typeface="KoPubWorld돋움체 Bold" panose="00000800000000000000" pitchFamily="2" charset="-127"/>
-              </a:rPr>
-              <a:t>2</a:t>
-            </a:r>
-            <a:r>
-              <a:rPr lang="en-US" altLang="ko-KR" b="1" dirty="0" smtClean="0">
-                <a:solidFill>
-                  <a:schemeClr val="tx1">
-                    <a:lumMod val="75000"/>
-                    <a:lumOff val="25000"/>
-                  </a:schemeClr>
-                </a:solidFill>
-                <a:latin typeface="KoPubWorld돋움체 Bold" panose="00000800000000000000" pitchFamily="2" charset="-127"/>
-                <a:ea typeface="KoPubWorld돋움체 Bold" panose="00000800000000000000" pitchFamily="2" charset="-127"/>
-                <a:cs typeface="KoPubWorld돋움체 Bold" panose="00000800000000000000" pitchFamily="2" charset="-127"/>
-              </a:rPr>
-              <a:t>. </a:t>
-            </a:r>
-            <a:r>
-              <a:rPr lang="ko-KR" altLang="en-US" b="1" dirty="0" err="1" smtClean="0">
-                <a:solidFill>
-                  <a:schemeClr val="tx1">
-                    <a:lumMod val="75000"/>
-                    <a:lumOff val="25000"/>
-                  </a:schemeClr>
-                </a:solidFill>
-                <a:latin typeface="KoPubWorld돋움체 Bold" panose="00000800000000000000" pitchFamily="2" charset="-127"/>
-                <a:ea typeface="KoPubWorld돋움체 Bold" panose="00000800000000000000" pitchFamily="2" charset="-127"/>
-                <a:cs typeface="KoPubWorld돋움체 Bold" panose="00000800000000000000" pitchFamily="2" charset="-127"/>
-              </a:rPr>
-              <a:t>가변인자</a:t>
-            </a:r>
-            <a:r>
-              <a:rPr lang="ko-KR" altLang="en-US" b="1" dirty="0" smtClean="0">
-                <a:solidFill>
-                  <a:schemeClr val="tx1">
-                    <a:lumMod val="75000"/>
-                    <a:lumOff val="25000"/>
-                  </a:schemeClr>
-                </a:solidFill>
-                <a:latin typeface="KoPubWorld돋움체 Bold" panose="00000800000000000000" pitchFamily="2" charset="-127"/>
-                <a:ea typeface="KoPubWorld돋움체 Bold" panose="00000800000000000000" pitchFamily="2" charset="-127"/>
-                <a:cs typeface="KoPubWorld돋움체 Bold" panose="00000800000000000000" pitchFamily="2" charset="-127"/>
-              </a:rPr>
-              <a:t> 함수 사용의 불편함</a:t>
-            </a:r>
-            <a:endParaRPr lang="ko-KR" altLang="en-US" b="1" dirty="0">
-              <a:solidFill>
-                <a:schemeClr val="tx1">
-                  <a:lumMod val="75000"/>
-                  <a:lumOff val="25000"/>
-                </a:schemeClr>
-              </a:solidFill>
-              <a:latin typeface="KoPubWorld돋움체 Bold" panose="00000800000000000000" pitchFamily="2" charset="-127"/>
-              <a:ea typeface="KoPubWorld돋움체 Bold" panose="00000800000000000000" pitchFamily="2" charset="-127"/>
-              <a:cs typeface="KoPubWorld돋움체 Bold" panose="00000800000000000000" pitchFamily="2" charset="-127"/>
-            </a:endParaRPr>
-          </a:p>
-        </p:txBody>
-      </p:sp>
-      <p:sp>
-        <p:nvSpPr>
-          <p:cNvPr id="10" name="TextBox 9"/>
-          <p:cNvSpPr txBox="1"/>
-          <p:nvPr/>
-        </p:nvSpPr>
-        <p:spPr>
-          <a:xfrm>
-            <a:off x="430079" y="5529418"/>
-            <a:ext cx="6130834" cy="2015936"/>
-          </a:xfrm>
-          <a:prstGeom prst="rect">
-            <a:avLst/>
-          </a:prstGeom>
-          <a:noFill/>
-        </p:spPr>
-        <p:txBody>
-          <a:bodyPr wrap="square" rtlCol="0">
-            <a:spAutoFit/>
-          </a:bodyPr>
-          <a:lstStyle/>
+              <a:rPr lang="ko-KR" altLang="en-US" sz="1100" dirty="0">
+                <a:solidFill>
+                  <a:schemeClr val="tx1">
+                    <a:lumMod val="75000"/>
+                    <a:lumOff val="25000"/>
+                  </a:schemeClr>
+                </a:solidFill>
+                <a:latin typeface="KoPubWorld돋움체 Light" panose="00000300000000000000" pitchFamily="2" charset="-127"/>
+                <a:ea typeface="KoPubWorld돋움체 Light" panose="00000300000000000000" pitchFamily="2" charset="-127"/>
+                <a:cs typeface="KoPubWorld돋움체 Light" panose="00000300000000000000" pitchFamily="2" charset="-127"/>
+              </a:rPr>
+              <a:t>네트워크 라이브러리를 제작할 때 대부분의 </a:t>
+            </a:r>
+            <a:r>
+              <a:rPr lang="ko-KR" altLang="en-US" sz="1100" dirty="0" err="1">
+                <a:solidFill>
+                  <a:schemeClr val="tx1">
+                    <a:lumMod val="75000"/>
+                    <a:lumOff val="25000"/>
+                  </a:schemeClr>
+                </a:solidFill>
+                <a:latin typeface="KoPubWorld돋움체 Light" panose="00000300000000000000" pitchFamily="2" charset="-127"/>
+                <a:ea typeface="KoPubWorld돋움체 Light" panose="00000300000000000000" pitchFamily="2" charset="-127"/>
+                <a:cs typeface="KoPubWorld돋움체 Light" panose="00000300000000000000" pitchFamily="2" charset="-127"/>
+              </a:rPr>
+              <a:t>자료형을</a:t>
+            </a:r>
+            <a:r>
+              <a:rPr lang="ko-KR" altLang="en-US" sz="1100" dirty="0">
+                <a:solidFill>
+                  <a:schemeClr val="tx1">
+                    <a:lumMod val="75000"/>
+                    <a:lumOff val="25000"/>
+                  </a:schemeClr>
+                </a:solidFill>
+                <a:latin typeface="KoPubWorld돋움체 Light" panose="00000300000000000000" pitchFamily="2" charset="-127"/>
+                <a:ea typeface="KoPubWorld돋움체 Light" panose="00000300000000000000" pitchFamily="2" charset="-127"/>
+                <a:cs typeface="KoPubWorld돋움체 Light" panose="00000300000000000000" pitchFamily="2" charset="-127"/>
+              </a:rPr>
+              <a:t> 지원하고 크기가 유동적인 패킷 구조를 만들어 네트워크 </a:t>
+            </a:r>
+            <a:r>
+              <a:rPr lang="ko-KR" altLang="en-US" sz="1100" dirty="0" err="1">
+                <a:solidFill>
+                  <a:schemeClr val="tx1">
+                    <a:lumMod val="75000"/>
+                    <a:lumOff val="25000"/>
+                  </a:schemeClr>
+                </a:solidFill>
+                <a:latin typeface="KoPubWorld돋움체 Light" panose="00000300000000000000" pitchFamily="2" charset="-127"/>
+                <a:ea typeface="KoPubWorld돋움체 Light" panose="00000300000000000000" pitchFamily="2" charset="-127"/>
+                <a:cs typeface="KoPubWorld돋움체 Light" panose="00000300000000000000" pitchFamily="2" charset="-127"/>
+              </a:rPr>
+              <a:t>통신량을</a:t>
+            </a:r>
+            <a:r>
+              <a:rPr lang="ko-KR" altLang="en-US" sz="1100" dirty="0">
+                <a:solidFill>
+                  <a:schemeClr val="tx1">
+                    <a:lumMod val="75000"/>
+                    <a:lumOff val="25000"/>
+                  </a:schemeClr>
+                </a:solidFill>
+                <a:latin typeface="KoPubWorld돋움체 Light" panose="00000300000000000000" pitchFamily="2" charset="-127"/>
+                <a:ea typeface="KoPubWorld돋움체 Light" panose="00000300000000000000" pitchFamily="2" charset="-127"/>
+                <a:cs typeface="KoPubWorld돋움체 Light" panose="00000300000000000000" pitchFamily="2" charset="-127"/>
+              </a:rPr>
+              <a:t> 절약하면서 간단하게 데이터를 전송할 수 있게끔 하였습니다</a:t>
+            </a:r>
+            <a:r>
+              <a:rPr lang="en-US" altLang="ko-KR" sz="1100" dirty="0">
+                <a:solidFill>
+                  <a:schemeClr val="tx1">
+                    <a:lumMod val="75000"/>
+                    <a:lumOff val="25000"/>
+                  </a:schemeClr>
+                </a:solidFill>
+                <a:latin typeface="KoPubWorld돋움체 Light" panose="00000300000000000000" pitchFamily="2" charset="-127"/>
+                <a:ea typeface="KoPubWorld돋움체 Light" panose="00000300000000000000" pitchFamily="2" charset="-127"/>
+                <a:cs typeface="KoPubWorld돋움체 Light" panose="00000300000000000000" pitchFamily="2" charset="-127"/>
+              </a:rPr>
+              <a:t>.</a:t>
+            </a:r>
+          </a:p>
           <a:p>
             <a:pPr>
               <a:spcBef>
-                <a:spcPts val="300"/>
-              </a:spcBef>
-            </a:pPr>
-            <a:r>
-              <a:rPr lang="ko-KR" altLang="en-US" sz="1100" b="1" dirty="0" smtClean="0">
-                <a:solidFill>
-                  <a:schemeClr val="tx1">
-                    <a:lumMod val="75000"/>
-                    <a:lumOff val="25000"/>
-                  </a:schemeClr>
-                </a:solidFill>
-                <a:latin typeface="KoPubWorld돋움체 Light" panose="00000300000000000000" pitchFamily="2" charset="-127"/>
-                <a:ea typeface="KoPubWorld돋움체 Light" panose="00000300000000000000" pitchFamily="2" charset="-127"/>
-                <a:cs typeface="KoPubWorld돋움체 Light" panose="00000300000000000000" pitchFamily="2" charset="-127"/>
-              </a:rPr>
-              <a:t>상황</a:t>
-            </a:r>
-            <a:r>
-              <a:rPr lang="ko-KR" altLang="en-US" sz="1100" dirty="0" smtClean="0">
-                <a:solidFill>
-                  <a:schemeClr val="tx1">
-                    <a:lumMod val="75000"/>
-                    <a:lumOff val="25000"/>
-                  </a:schemeClr>
-                </a:solidFill>
-                <a:latin typeface="KoPubWorld돋움체 Light" panose="00000300000000000000" pitchFamily="2" charset="-127"/>
-                <a:ea typeface="KoPubWorld돋움체 Light" panose="00000300000000000000" pitchFamily="2" charset="-127"/>
-                <a:cs typeface="KoPubWorld돋움체 Light" panose="00000300000000000000" pitchFamily="2" charset="-127"/>
-              </a:rPr>
-              <a:t> </a:t>
-            </a:r>
-            <a:r>
-              <a:rPr lang="en-US" altLang="ko-KR" sz="1100" dirty="0" smtClean="0">
-                <a:solidFill>
-                  <a:schemeClr val="tx1">
-                    <a:lumMod val="75000"/>
-                    <a:lumOff val="25000"/>
-                  </a:schemeClr>
-                </a:solidFill>
-                <a:latin typeface="KoPubWorld돋움체 Light" panose="00000300000000000000" pitchFamily="2" charset="-127"/>
-                <a:ea typeface="KoPubWorld돋움체 Light" panose="00000300000000000000" pitchFamily="2" charset="-127"/>
-                <a:cs typeface="KoPubWorld돋움체 Light" panose="00000300000000000000" pitchFamily="2" charset="-127"/>
-              </a:rPr>
-              <a:t>:</a:t>
-            </a:r>
-            <a:r>
-              <a:rPr lang="ko-KR" altLang="en-US" sz="1100" dirty="0">
-                <a:solidFill>
-                  <a:schemeClr val="tx1">
-                    <a:lumMod val="75000"/>
-                    <a:lumOff val="25000"/>
-                  </a:schemeClr>
-                </a:solidFill>
-                <a:latin typeface="KoPubWorld돋움체 Light" panose="00000300000000000000" pitchFamily="2" charset="-127"/>
-                <a:ea typeface="KoPubWorld돋움체 Light" panose="00000300000000000000" pitchFamily="2" charset="-127"/>
-                <a:cs typeface="KoPubWorld돋움체 Light" panose="00000300000000000000" pitchFamily="2" charset="-127"/>
-              </a:rPr>
-              <a:t> </a:t>
-            </a:r>
-            <a:r>
-              <a:rPr lang="ko-KR" altLang="en-US" sz="1100" dirty="0" smtClean="0">
-                <a:solidFill>
-                  <a:schemeClr val="tx1">
-                    <a:lumMod val="75000"/>
-                    <a:lumOff val="25000"/>
-                  </a:schemeClr>
-                </a:solidFill>
-                <a:latin typeface="KoPubWorld돋움체 Light" panose="00000300000000000000" pitchFamily="2" charset="-127"/>
-                <a:ea typeface="KoPubWorld돋움체 Light" panose="00000300000000000000" pitchFamily="2" charset="-127"/>
-                <a:cs typeface="KoPubWorld돋움체 Light" panose="00000300000000000000" pitchFamily="2" charset="-127"/>
-              </a:rPr>
-              <a:t>매개변수로 전달받은 데이터를 </a:t>
-            </a:r>
-            <a:r>
-              <a:rPr lang="en-US" altLang="ko-KR" sz="1100" dirty="0" smtClean="0">
-                <a:solidFill>
-                  <a:schemeClr val="tx1">
-                    <a:lumMod val="75000"/>
-                    <a:lumOff val="25000"/>
-                  </a:schemeClr>
-                </a:solidFill>
-                <a:latin typeface="KoPubWorld돋움체 Light" panose="00000300000000000000" pitchFamily="2" charset="-127"/>
-                <a:ea typeface="KoPubWorld돋움체 Light" panose="00000300000000000000" pitchFamily="2" charset="-127"/>
-                <a:cs typeface="KoPubWorld돋움체 Light" panose="00000300000000000000" pitchFamily="2" charset="-127"/>
-              </a:rPr>
-              <a:t>C#</a:t>
-            </a:r>
-            <a:r>
-              <a:rPr lang="ko-KR" altLang="en-US" sz="1100" dirty="0" smtClean="0">
-                <a:solidFill>
-                  <a:schemeClr val="tx1">
-                    <a:lumMod val="75000"/>
-                    <a:lumOff val="25000"/>
-                  </a:schemeClr>
-                </a:solidFill>
-                <a:latin typeface="KoPubWorld돋움체 Light" panose="00000300000000000000" pitchFamily="2" charset="-127"/>
-                <a:ea typeface="KoPubWorld돋움체 Light" panose="00000300000000000000" pitchFamily="2" charset="-127"/>
-                <a:cs typeface="KoPubWorld돋움체 Light" panose="00000300000000000000" pitchFamily="2" charset="-127"/>
-              </a:rPr>
-              <a:t>클라이언트 에게 전송하는데 전송할 데이터의 크기와 </a:t>
-            </a:r>
-            <a:r>
-              <a:rPr lang="ko-KR" altLang="en-US" sz="1100" dirty="0" err="1" smtClean="0">
-                <a:solidFill>
-                  <a:schemeClr val="tx1">
-                    <a:lumMod val="75000"/>
-                    <a:lumOff val="25000"/>
-                  </a:schemeClr>
-                </a:solidFill>
-                <a:latin typeface="KoPubWorld돋움체 Light" panose="00000300000000000000" pitchFamily="2" charset="-127"/>
-                <a:ea typeface="KoPubWorld돋움체 Light" panose="00000300000000000000" pitchFamily="2" charset="-127"/>
-                <a:cs typeface="KoPubWorld돋움체 Light" panose="00000300000000000000" pitchFamily="2" charset="-127"/>
-              </a:rPr>
-              <a:t>자료형이</a:t>
-            </a:r>
-            <a:r>
-              <a:rPr lang="ko-KR" altLang="en-US" sz="1100" dirty="0" smtClean="0">
-                <a:solidFill>
-                  <a:schemeClr val="tx1">
-                    <a:lumMod val="75000"/>
-                    <a:lumOff val="25000"/>
-                  </a:schemeClr>
-                </a:solidFill>
-                <a:latin typeface="KoPubWorld돋움체 Light" panose="00000300000000000000" pitchFamily="2" charset="-127"/>
-                <a:ea typeface="KoPubWorld돋움체 Light" panose="00000300000000000000" pitchFamily="2" charset="-127"/>
-                <a:cs typeface="KoPubWorld돋움체 Light" panose="00000300000000000000" pitchFamily="2" charset="-127"/>
-              </a:rPr>
-              <a:t> 제각각 이여서 </a:t>
-            </a:r>
-            <a:r>
-              <a:rPr lang="ko-KR" altLang="en-US" sz="1100" dirty="0" err="1" smtClean="0">
-                <a:solidFill>
-                  <a:schemeClr val="tx1">
-                    <a:lumMod val="75000"/>
-                    <a:lumOff val="25000"/>
-                  </a:schemeClr>
-                </a:solidFill>
-                <a:latin typeface="KoPubWorld돋움체 Light" panose="00000300000000000000" pitchFamily="2" charset="-127"/>
-                <a:ea typeface="KoPubWorld돋움체 Light" panose="00000300000000000000" pitchFamily="2" charset="-127"/>
-                <a:cs typeface="KoPubWorld돋움체 Light" panose="00000300000000000000" pitchFamily="2" charset="-127"/>
-              </a:rPr>
-              <a:t>가변인자</a:t>
-            </a:r>
-            <a:r>
-              <a:rPr lang="ko-KR" altLang="en-US" sz="1100" dirty="0" smtClean="0">
-                <a:solidFill>
-                  <a:schemeClr val="tx1">
-                    <a:lumMod val="75000"/>
-                    <a:lumOff val="25000"/>
-                  </a:schemeClr>
-                </a:solidFill>
-                <a:latin typeface="KoPubWorld돋움체 Light" panose="00000300000000000000" pitchFamily="2" charset="-127"/>
-                <a:ea typeface="KoPubWorld돋움체 Light" panose="00000300000000000000" pitchFamily="2" charset="-127"/>
-                <a:cs typeface="KoPubWorld돋움체 Light" panose="00000300000000000000" pitchFamily="2" charset="-127"/>
-              </a:rPr>
-              <a:t> 함수를 사용해야 했음</a:t>
-            </a:r>
-            <a:endParaRPr lang="en-US" altLang="ko-KR" sz="1100" dirty="0" smtClean="0">
-              <a:solidFill>
-                <a:schemeClr val="tx1">
-                  <a:lumMod val="75000"/>
-                  <a:lumOff val="25000"/>
-                </a:schemeClr>
-              </a:solidFill>
-              <a:latin typeface="KoPubWorld돋움체 Light" panose="00000300000000000000" pitchFamily="2" charset="-127"/>
-              <a:ea typeface="KoPubWorld돋움체 Light" panose="00000300000000000000" pitchFamily="2" charset="-127"/>
-              <a:cs typeface="KoPubWorld돋움체 Light" panose="00000300000000000000" pitchFamily="2" charset="-127"/>
-            </a:endParaRPr>
-          </a:p>
-          <a:p>
-            <a:pPr>
-              <a:spcBef>
-                <a:spcPts val="300"/>
+                <a:spcPts val="400"/>
               </a:spcBef>
             </a:pPr>
             <a:endParaRPr lang="en-US" altLang="ko-KR" sz="1100" dirty="0">
@@ -7467,24 +6944,10 @@
           <a:p>
             <a:pPr>
               <a:spcBef>
-                <a:spcPts val="300"/>
+                <a:spcPts val="400"/>
               </a:spcBef>
             </a:pPr>
             <a:r>
-              <a:rPr lang="ko-KR" altLang="en-US" sz="1100" b="1" dirty="0" smtClean="0">
-                <a:solidFill>
-                  <a:schemeClr val="tx1">
-                    <a:lumMod val="75000"/>
-                    <a:lumOff val="25000"/>
-                  </a:schemeClr>
-                </a:solidFill>
-                <a:latin typeface="KoPubWorld돋움체 Light" panose="00000300000000000000" pitchFamily="2" charset="-127"/>
-                <a:ea typeface="KoPubWorld돋움체 Light" panose="00000300000000000000" pitchFamily="2" charset="-127"/>
-                <a:cs typeface="KoPubWorld돋움체 Light" panose="00000300000000000000" pitchFamily="2" charset="-127"/>
-              </a:rPr>
-              <a:t>문제</a:t>
-            </a:r>
-            <a:r>
               <a:rPr lang="ko-KR" altLang="en-US" sz="1100" dirty="0" smtClean="0">
                 <a:solidFill>
                   <a:schemeClr val="tx1">
@@ -7496,7 +6959,21 @@
                 <a:ea typeface="KoPubWorld돋움체 Light" panose="00000300000000000000" pitchFamily="2" charset="-127"/>
                 <a:cs typeface="KoPubWorld돋움체 Light" panose="00000300000000000000" pitchFamily="2" charset="-127"/>
               </a:rPr>
-              <a:t> </a:t>
+              <a:t>팀 </a:t>
+            </a:r>
+            <a:r>
+              <a:rPr lang="ko-KR" altLang="en-US" sz="1100" dirty="0">
+                <a:solidFill>
+                  <a:schemeClr val="tx1">
+                    <a:lumMod val="75000"/>
+                    <a:lumOff val="25000"/>
+                  </a:schemeClr>
+                </a:solidFill>
+                <a:latin typeface="KoPubWorld돋움체 Light" panose="00000300000000000000" pitchFamily="2" charset="-127"/>
+                <a:ea typeface="KoPubWorld돋움체 Light" panose="00000300000000000000" pitchFamily="2" charset="-127"/>
+                <a:cs typeface="KoPubWorld돋움체 Light" panose="00000300000000000000" pitchFamily="2" charset="-127"/>
+              </a:rPr>
+              <a:t>프로젝트를 통하여 게임을 제작하면서 서로의 역할을 나누고 분업하여 팀 프로젝트에 대한 경험을 쌓을 수 있었습니다</a:t>
             </a:r>
             <a:r>
               <a:rPr lang="en-US" altLang="ko-KR" sz="1100" dirty="0" smtClean="0">
@@ -7510,138 +6987,8 @@
                 <a:ea typeface="KoPubWorld돋움체 Light" panose="00000300000000000000" pitchFamily="2" charset="-127"/>
                 <a:cs typeface="KoPubWorld돋움체 Light" panose="00000300000000000000" pitchFamily="2" charset="-127"/>
               </a:rPr>
-              <a:t>: </a:t>
-            </a:r>
-            <a:r>
-              <a:rPr lang="ko-KR" altLang="en-US" sz="1100" dirty="0" err="1" smtClean="0">
-                <a:solidFill>
-                  <a:schemeClr val="tx1">
-                    <a:lumMod val="75000"/>
-                    <a:lumOff val="25000"/>
-                  </a:schemeClr>
-                </a:solidFill>
-                <a:latin typeface="KoPubWorld돋움체 Light" panose="00000300000000000000" pitchFamily="2" charset="-127"/>
-                <a:ea typeface="KoPubWorld돋움체 Light" panose="00000300000000000000" pitchFamily="2" charset="-127"/>
-                <a:cs typeface="KoPubWorld돋움체 Light" panose="00000300000000000000" pitchFamily="2" charset="-127"/>
-              </a:rPr>
-              <a:t>가변인자로</a:t>
-            </a:r>
-            <a:r>
-              <a:rPr lang="ko-KR" altLang="en-US" sz="1100" dirty="0" smtClean="0">
-                <a:solidFill>
-                  <a:schemeClr val="tx1">
-                    <a:lumMod val="75000"/>
-                    <a:lumOff val="25000"/>
-                  </a:schemeClr>
-                </a:solidFill>
-                <a:latin typeface="KoPubWorld돋움체 Light" panose="00000300000000000000" pitchFamily="2" charset="-127"/>
-                <a:ea typeface="KoPubWorld돋움체 Light" panose="00000300000000000000" pitchFamily="2" charset="-127"/>
-                <a:cs typeface="KoPubWorld돋움체 Light" panose="00000300000000000000" pitchFamily="2" charset="-127"/>
-              </a:rPr>
-              <a:t> 받은 매개변수의 개수와 </a:t>
-            </a:r>
-            <a:r>
-              <a:rPr lang="ko-KR" altLang="en-US" sz="1100" dirty="0" err="1" smtClean="0">
-                <a:solidFill>
-                  <a:schemeClr val="tx1">
-                    <a:lumMod val="75000"/>
-                    <a:lumOff val="25000"/>
-                  </a:schemeClr>
-                </a:solidFill>
-                <a:latin typeface="KoPubWorld돋움체 Light" panose="00000300000000000000" pitchFamily="2" charset="-127"/>
-                <a:ea typeface="KoPubWorld돋움체 Light" panose="00000300000000000000" pitchFamily="2" charset="-127"/>
-                <a:cs typeface="KoPubWorld돋움체 Light" panose="00000300000000000000" pitchFamily="2" charset="-127"/>
-              </a:rPr>
-              <a:t>자료형을</a:t>
-            </a:r>
-            <a:r>
-              <a:rPr lang="ko-KR" altLang="en-US" sz="1100" dirty="0" smtClean="0">
-                <a:solidFill>
-                  <a:schemeClr val="tx1">
-                    <a:lumMod val="75000"/>
-                    <a:lumOff val="25000"/>
-                  </a:schemeClr>
-                </a:solidFill>
-                <a:latin typeface="KoPubWorld돋움체 Light" panose="00000300000000000000" pitchFamily="2" charset="-127"/>
-                <a:ea typeface="KoPubWorld돋움체 Light" panose="00000300000000000000" pitchFamily="2" charset="-127"/>
-                <a:cs typeface="KoPubWorld돋움체 Light" panose="00000300000000000000" pitchFamily="2" charset="-127"/>
-              </a:rPr>
-              <a:t> 알 수 없었기 때문에 함수를 </a:t>
-            </a:r>
-            <a:r>
-              <a:rPr lang="ko-KR" altLang="en-US" sz="1100" dirty="0" err="1" smtClean="0">
-                <a:solidFill>
-                  <a:schemeClr val="tx1">
-                    <a:lumMod val="75000"/>
-                    <a:lumOff val="25000"/>
-                  </a:schemeClr>
-                </a:solidFill>
-                <a:latin typeface="KoPubWorld돋움체 Light" panose="00000300000000000000" pitchFamily="2" charset="-127"/>
-                <a:ea typeface="KoPubWorld돋움체 Light" panose="00000300000000000000" pitchFamily="2" charset="-127"/>
-                <a:cs typeface="KoPubWorld돋움체 Light" panose="00000300000000000000" pitchFamily="2" charset="-127"/>
-              </a:rPr>
-              <a:t>호출할때</a:t>
-            </a:r>
-            <a:r>
-              <a:rPr lang="ko-KR" altLang="en-US" sz="1100" dirty="0" smtClean="0">
-                <a:solidFill>
-                  <a:schemeClr val="tx1">
-                    <a:lumMod val="75000"/>
-                    <a:lumOff val="25000"/>
-                  </a:schemeClr>
-                </a:solidFill>
-                <a:latin typeface="KoPubWorld돋움체 Light" panose="00000300000000000000" pitchFamily="2" charset="-127"/>
-                <a:ea typeface="KoPubWorld돋움체 Light" panose="00000300000000000000" pitchFamily="2" charset="-127"/>
-                <a:cs typeface="KoPubWorld돋움체 Light" panose="00000300000000000000" pitchFamily="2" charset="-127"/>
-              </a:rPr>
-              <a:t> 마다 </a:t>
-            </a:r>
-            <a:r>
-              <a:rPr lang="ko-KR" altLang="en-US" sz="1100" dirty="0" err="1" smtClean="0">
-                <a:solidFill>
-                  <a:schemeClr val="tx1">
-                    <a:lumMod val="75000"/>
-                    <a:lumOff val="25000"/>
-                  </a:schemeClr>
-                </a:solidFill>
-                <a:latin typeface="KoPubWorld돋움체 Light" panose="00000300000000000000" pitchFamily="2" charset="-127"/>
-                <a:ea typeface="KoPubWorld돋움체 Light" panose="00000300000000000000" pitchFamily="2" charset="-127"/>
-                <a:cs typeface="KoPubWorld돋움체 Light" panose="00000300000000000000" pitchFamily="2" charset="-127"/>
-              </a:rPr>
-              <a:t>가변인자의</a:t>
-            </a:r>
-            <a:r>
-              <a:rPr lang="ko-KR" altLang="en-US" sz="1100" dirty="0" smtClean="0">
-                <a:solidFill>
-                  <a:schemeClr val="tx1">
-                    <a:lumMod val="75000"/>
-                    <a:lumOff val="25000"/>
-                  </a:schemeClr>
-                </a:solidFill>
-                <a:latin typeface="KoPubWorld돋움체 Light" panose="00000300000000000000" pitchFamily="2" charset="-127"/>
-                <a:ea typeface="KoPubWorld돋움체 Light" panose="00000300000000000000" pitchFamily="2" charset="-127"/>
-                <a:cs typeface="KoPubWorld돋움체 Light" panose="00000300000000000000" pitchFamily="2" charset="-127"/>
-              </a:rPr>
-              <a:t> 개수를 따로 넘겨주어야 하는 불편함이 생김</a:t>
-            </a:r>
-            <a:endParaRPr lang="en-US" altLang="ko-KR" sz="1100" dirty="0" smtClean="0">
-              <a:solidFill>
-                <a:schemeClr val="tx1">
-                  <a:lumMod val="75000"/>
-                  <a:lumOff val="25000"/>
-                </a:schemeClr>
-              </a:solidFill>
-              <a:latin typeface="KoPubWorld돋움체 Light" panose="00000300000000000000" pitchFamily="2" charset="-127"/>
-              <a:ea typeface="KoPubWorld돋움체 Light" panose="00000300000000000000" pitchFamily="2" charset="-127"/>
-              <a:cs typeface="KoPubWorld돋움체 Light" panose="00000300000000000000" pitchFamily="2" charset="-127"/>
-            </a:endParaRPr>
-          </a:p>
-          <a:p>
-            <a:pPr>
-              <a:spcBef>
-                <a:spcPts val="300"/>
-              </a:spcBef>
-            </a:pPr>
+              <a:t>.</a:t>
+            </a:r>
             <a:endParaRPr lang="en-US" altLang="ko-KR" sz="1100" dirty="0">
               <a:solidFill>
                 <a:schemeClr val="tx1">
@@ -7654,254 +7001,270 @@
               <a:cs typeface="KoPubWorld돋움체 Light" panose="00000300000000000000" pitchFamily="2" charset="-127"/>
             </a:endParaRPr>
           </a:p>
-          <a:p>
-            <a:pPr>
-              <a:spcBef>
-                <a:spcPts val="300"/>
-              </a:spcBef>
-            </a:pPr>
-            <a:r>
-              <a:rPr lang="ko-KR" altLang="en-US" sz="1100" b="1" dirty="0" smtClean="0">
-                <a:solidFill>
-                  <a:schemeClr val="tx1">
-                    <a:lumMod val="75000"/>
-                    <a:lumOff val="25000"/>
-                  </a:schemeClr>
-                </a:solidFill>
-                <a:latin typeface="KoPubWorld돋움체 Light" panose="00000300000000000000" pitchFamily="2" charset="-127"/>
-                <a:ea typeface="KoPubWorld돋움체 Light" panose="00000300000000000000" pitchFamily="2" charset="-127"/>
-                <a:cs typeface="KoPubWorld돋움체 Light" panose="00000300000000000000" pitchFamily="2" charset="-127"/>
-              </a:rPr>
-              <a:t>해결</a:t>
-            </a:r>
-            <a:r>
-              <a:rPr lang="ko-KR" altLang="en-US" sz="1100" dirty="0" smtClean="0">
-                <a:solidFill>
-                  <a:schemeClr val="tx1">
-                    <a:lumMod val="75000"/>
-                    <a:lumOff val="25000"/>
-                  </a:schemeClr>
-                </a:solidFill>
-                <a:latin typeface="KoPubWorld돋움체 Light" panose="00000300000000000000" pitchFamily="2" charset="-127"/>
-                <a:ea typeface="KoPubWorld돋움체 Light" panose="00000300000000000000" pitchFamily="2" charset="-127"/>
-                <a:cs typeface="KoPubWorld돋움체 Light" panose="00000300000000000000" pitchFamily="2" charset="-127"/>
-              </a:rPr>
-              <a:t> </a:t>
-            </a:r>
-            <a:r>
-              <a:rPr lang="en-US" altLang="ko-KR" sz="1100" dirty="0" smtClean="0">
-                <a:solidFill>
-                  <a:schemeClr val="tx1">
-                    <a:lumMod val="75000"/>
-                    <a:lumOff val="25000"/>
-                  </a:schemeClr>
-                </a:solidFill>
-                <a:latin typeface="KoPubWorld돋움체 Light" panose="00000300000000000000" pitchFamily="2" charset="-127"/>
-                <a:ea typeface="KoPubWorld돋움체 Light" panose="00000300000000000000" pitchFamily="2" charset="-127"/>
-                <a:cs typeface="KoPubWorld돋움체 Light" panose="00000300000000000000" pitchFamily="2" charset="-127"/>
-              </a:rPr>
-              <a:t>: C++ 11</a:t>
-            </a:r>
-            <a:r>
-              <a:rPr lang="ko-KR" altLang="en-US" sz="1100" dirty="0" smtClean="0">
-                <a:solidFill>
-                  <a:schemeClr val="tx1">
-                    <a:lumMod val="75000"/>
-                    <a:lumOff val="25000"/>
-                  </a:schemeClr>
-                </a:solidFill>
-                <a:latin typeface="KoPubWorld돋움체 Light" panose="00000300000000000000" pitchFamily="2" charset="-127"/>
-                <a:ea typeface="KoPubWorld돋움체 Light" panose="00000300000000000000" pitchFamily="2" charset="-127"/>
-                <a:cs typeface="KoPubWorld돋움체 Light" panose="00000300000000000000" pitchFamily="2" charset="-127"/>
-              </a:rPr>
-              <a:t>에서 추가된 </a:t>
-            </a:r>
-            <a:r>
-              <a:rPr lang="ko-KR" altLang="en-US" sz="1100" dirty="0" err="1" smtClean="0">
-                <a:solidFill>
-                  <a:schemeClr val="tx1">
-                    <a:lumMod val="75000"/>
-                    <a:lumOff val="25000"/>
-                  </a:schemeClr>
-                </a:solidFill>
-                <a:latin typeface="KoPubWorld돋움체 Light" panose="00000300000000000000" pitchFamily="2" charset="-127"/>
-                <a:ea typeface="KoPubWorld돋움체 Light" panose="00000300000000000000" pitchFamily="2" charset="-127"/>
-                <a:cs typeface="KoPubWorld돋움체 Light" panose="00000300000000000000" pitchFamily="2" charset="-127"/>
-              </a:rPr>
-              <a:t>가변인자</a:t>
-            </a:r>
-            <a:r>
-              <a:rPr lang="ko-KR" altLang="en-US" sz="1100" dirty="0" smtClean="0">
-                <a:solidFill>
-                  <a:schemeClr val="tx1">
-                    <a:lumMod val="75000"/>
-                    <a:lumOff val="25000"/>
-                  </a:schemeClr>
-                </a:solidFill>
-                <a:latin typeface="KoPubWorld돋움체 Light" panose="00000300000000000000" pitchFamily="2" charset="-127"/>
-                <a:ea typeface="KoPubWorld돋움체 Light" panose="00000300000000000000" pitchFamily="2" charset="-127"/>
-                <a:cs typeface="KoPubWorld돋움체 Light" panose="00000300000000000000" pitchFamily="2" charset="-127"/>
-              </a:rPr>
-              <a:t> 템플릿을 이용하여 </a:t>
-            </a:r>
-            <a:r>
-              <a:rPr lang="ko-KR" altLang="en-US" sz="1100" dirty="0" err="1" smtClean="0">
-                <a:solidFill>
-                  <a:schemeClr val="tx1">
-                    <a:lumMod val="75000"/>
-                    <a:lumOff val="25000"/>
-                  </a:schemeClr>
-                </a:solidFill>
-                <a:latin typeface="KoPubWorld돋움체 Light" panose="00000300000000000000" pitchFamily="2" charset="-127"/>
-                <a:ea typeface="KoPubWorld돋움체 Light" panose="00000300000000000000" pitchFamily="2" charset="-127"/>
-                <a:cs typeface="KoPubWorld돋움체 Light" panose="00000300000000000000" pitchFamily="2" charset="-127"/>
-              </a:rPr>
-              <a:t>가변인자의</a:t>
-            </a:r>
-            <a:r>
-              <a:rPr lang="ko-KR" altLang="en-US" sz="1100" dirty="0" smtClean="0">
-                <a:solidFill>
-                  <a:schemeClr val="tx1">
-                    <a:lumMod val="75000"/>
-                    <a:lumOff val="25000"/>
-                  </a:schemeClr>
-                </a:solidFill>
-                <a:latin typeface="KoPubWorld돋움체 Light" panose="00000300000000000000" pitchFamily="2" charset="-127"/>
-                <a:ea typeface="KoPubWorld돋움체 Light" panose="00000300000000000000" pitchFamily="2" charset="-127"/>
-                <a:cs typeface="KoPubWorld돋움체 Light" panose="00000300000000000000" pitchFamily="2" charset="-127"/>
-              </a:rPr>
-              <a:t> 크기와 </a:t>
-            </a:r>
-            <a:r>
-              <a:rPr lang="ko-KR" altLang="en-US" sz="1100" dirty="0" err="1" smtClean="0">
-                <a:solidFill>
-                  <a:schemeClr val="tx1">
-                    <a:lumMod val="75000"/>
-                    <a:lumOff val="25000"/>
-                  </a:schemeClr>
-                </a:solidFill>
-                <a:latin typeface="KoPubWorld돋움체 Light" panose="00000300000000000000" pitchFamily="2" charset="-127"/>
-                <a:ea typeface="KoPubWorld돋움체 Light" panose="00000300000000000000" pitchFamily="2" charset="-127"/>
-                <a:cs typeface="KoPubWorld돋움체 Light" panose="00000300000000000000" pitchFamily="2" charset="-127"/>
-              </a:rPr>
-              <a:t>자료형을</a:t>
-            </a:r>
-            <a:r>
-              <a:rPr lang="ko-KR" altLang="en-US" sz="1100" dirty="0" smtClean="0">
-                <a:solidFill>
-                  <a:schemeClr val="tx1">
-                    <a:lumMod val="75000"/>
-                    <a:lumOff val="25000"/>
-                  </a:schemeClr>
-                </a:solidFill>
-                <a:latin typeface="KoPubWorld돋움체 Light" panose="00000300000000000000" pitchFamily="2" charset="-127"/>
-                <a:ea typeface="KoPubWorld돋움체 Light" panose="00000300000000000000" pitchFamily="2" charset="-127"/>
-                <a:cs typeface="KoPubWorld돋움체 Light" panose="00000300000000000000" pitchFamily="2" charset="-127"/>
-              </a:rPr>
-              <a:t> 알 수 없었던 문제를 해결함</a:t>
-            </a:r>
-            <a:endParaRPr lang="en-US" altLang="ko-KR" sz="1100" dirty="0">
+        </p:txBody>
+      </p:sp>
+      <p:sp>
+        <p:nvSpPr>
+          <p:cNvPr id="7" name="TextBox 6"/>
+          <p:cNvSpPr txBox="1"/>
+          <p:nvPr/>
+        </p:nvSpPr>
+        <p:spPr>
+          <a:xfrm>
+            <a:off x="516733" y="1408568"/>
+            <a:ext cx="1492716" cy="523220"/>
+          </a:xfrm>
+          <a:prstGeom prst="rect">
+            <a:avLst/>
+          </a:prstGeom>
+          <a:noFill/>
+        </p:spPr>
+        <p:txBody>
+          <a:bodyPr wrap="none" rtlCol="0">
+            <a:spAutoFit/>
+          </a:bodyPr>
+          <a:lstStyle/>
+          <a:p>
+            <a:pPr algn="r"/>
+            <a:r>
+              <a:rPr lang="ko-KR" altLang="en-US" sz="1400" b="1" dirty="0" smtClean="0">
+                <a:solidFill>
+                  <a:schemeClr val="tx1">
+                    <a:lumMod val="75000"/>
+                    <a:lumOff val="25000"/>
+                  </a:schemeClr>
+                </a:solidFill>
+                <a:latin typeface="KoPubWorld돋움체 Bold" panose="00000800000000000000" pitchFamily="2" charset="-127"/>
+                <a:ea typeface="KoPubWorld돋움체 Bold" panose="00000800000000000000" pitchFamily="2" charset="-127"/>
+                <a:cs typeface="KoPubWorld돋움체 Bold" panose="00000800000000000000" pitchFamily="2" charset="-127"/>
+              </a:rPr>
+              <a:t>프로그래밍을</a:t>
+            </a:r>
+            <a:endParaRPr lang="en-US" altLang="ko-KR" sz="1400" b="1" dirty="0" smtClean="0">
               <a:solidFill>
                 <a:schemeClr val="tx1">
                   <a:lumMod val="75000"/>
                   <a:lumOff val="25000"/>
                 </a:schemeClr>
               </a:solidFill>
-              <a:latin typeface="KoPubWorld돋움체 Light" panose="00000300000000000000" pitchFamily="2" charset="-127"/>
-              <a:ea typeface="KoPubWorld돋움체 Light" panose="00000300000000000000" pitchFamily="2" charset="-127"/>
-              <a:cs typeface="KoPubWorld돋움체 Light" panose="00000300000000000000" pitchFamily="2" charset="-127"/>
+              <a:latin typeface="KoPubWorld돋움체 Bold" panose="00000800000000000000" pitchFamily="2" charset="-127"/>
+              <a:ea typeface="KoPubWorld돋움체 Bold" panose="00000800000000000000" pitchFamily="2" charset="-127"/>
+              <a:cs typeface="KoPubWorld돋움체 Bold" panose="00000800000000000000" pitchFamily="2" charset="-127"/>
             </a:endParaRPr>
           </a:p>
           <a:p>
-            <a:pPr>
-              <a:spcBef>
-                <a:spcPts val="300"/>
-              </a:spcBef>
-            </a:pPr>
-            <a:endParaRPr lang="en-US" altLang="ko-KR" sz="1100" dirty="0">
+            <a:pPr algn="r"/>
+            <a:r>
+              <a:rPr lang="ko-KR" altLang="en-US" sz="1400" b="1" dirty="0" smtClean="0">
+                <a:solidFill>
+                  <a:schemeClr val="tx1">
+                    <a:lumMod val="75000"/>
+                    <a:lumOff val="25000"/>
+                  </a:schemeClr>
+                </a:solidFill>
+                <a:latin typeface="KoPubWorld돋움체 Bold" panose="00000800000000000000" pitchFamily="2" charset="-127"/>
+                <a:ea typeface="KoPubWorld돋움체 Bold" panose="00000800000000000000" pitchFamily="2" charset="-127"/>
+                <a:cs typeface="KoPubWorld돋움체 Bold" panose="00000800000000000000" pitchFamily="2" charset="-127"/>
+              </a:rPr>
+              <a:t>배우기로 결심하다</a:t>
+            </a:r>
+            <a:endParaRPr lang="ko-KR" altLang="en-US" sz="1400" b="1" dirty="0">
               <a:solidFill>
                 <a:schemeClr val="tx1">
                   <a:lumMod val="75000"/>
                   <a:lumOff val="25000"/>
                 </a:schemeClr>
               </a:solidFill>
-              <a:latin typeface="KoPubWorld돋움체 Light" panose="00000300000000000000" pitchFamily="2" charset="-127"/>
-              <a:ea typeface="KoPubWorld돋움체 Light" panose="00000300000000000000" pitchFamily="2" charset="-127"/>
-              <a:cs typeface="KoPubWorld돋움체 Light" panose="00000300000000000000" pitchFamily="2" charset="-127"/>
+              <a:latin typeface="KoPubWorld돋움체 Bold" panose="00000800000000000000" pitchFamily="2" charset="-127"/>
+              <a:ea typeface="KoPubWorld돋움체 Bold" panose="00000800000000000000" pitchFamily="2" charset="-127"/>
+              <a:cs typeface="KoPubWorld돋움체 Bold" panose="00000800000000000000" pitchFamily="2" charset="-127"/>
             </a:endParaRPr>
           </a:p>
-          <a:p>
-            <a:pPr>
-              <a:spcBef>
-                <a:spcPts val="300"/>
-              </a:spcBef>
-            </a:pPr>
-            <a:r>
-              <a:rPr lang="ko-KR" altLang="en-US" sz="1100" b="1" dirty="0" smtClean="0">
-                <a:solidFill>
-                  <a:schemeClr val="tx1">
-                    <a:lumMod val="75000"/>
-                    <a:lumOff val="25000"/>
-                  </a:schemeClr>
-                </a:solidFill>
-                <a:latin typeface="KoPubWorld돋움체 Light" panose="00000300000000000000" pitchFamily="2" charset="-127"/>
-                <a:ea typeface="KoPubWorld돋움체 Light" panose="00000300000000000000" pitchFamily="2" charset="-127"/>
-                <a:cs typeface="KoPubWorld돋움체 Light" panose="00000300000000000000" pitchFamily="2" charset="-127"/>
-              </a:rPr>
-              <a:t>평가</a:t>
-            </a:r>
-            <a:r>
-              <a:rPr lang="ko-KR" altLang="en-US" sz="1100" dirty="0" smtClean="0">
-                <a:solidFill>
-                  <a:schemeClr val="tx1">
-                    <a:lumMod val="75000"/>
-                    <a:lumOff val="25000"/>
-                  </a:schemeClr>
-                </a:solidFill>
-                <a:latin typeface="KoPubWorld돋움체 Light" panose="00000300000000000000" pitchFamily="2" charset="-127"/>
-                <a:ea typeface="KoPubWorld돋움체 Light" panose="00000300000000000000" pitchFamily="2" charset="-127"/>
-                <a:cs typeface="KoPubWorld돋움체 Light" panose="00000300000000000000" pitchFamily="2" charset="-127"/>
-              </a:rPr>
-              <a:t> </a:t>
-            </a:r>
-            <a:r>
-              <a:rPr lang="en-US" altLang="ko-KR" sz="1100" dirty="0" smtClean="0">
-                <a:solidFill>
-                  <a:schemeClr val="tx1">
-                    <a:lumMod val="75000"/>
-                    <a:lumOff val="25000"/>
-                  </a:schemeClr>
-                </a:solidFill>
-                <a:latin typeface="KoPubWorld돋움체 Light" panose="00000300000000000000" pitchFamily="2" charset="-127"/>
-                <a:ea typeface="KoPubWorld돋움체 Light" panose="00000300000000000000" pitchFamily="2" charset="-127"/>
-                <a:cs typeface="KoPubWorld돋움체 Light" panose="00000300000000000000" pitchFamily="2" charset="-127"/>
-              </a:rPr>
-              <a:t>: </a:t>
-            </a:r>
-            <a:r>
-              <a:rPr lang="ko-KR" altLang="en-US" sz="1100" dirty="0" smtClean="0">
-                <a:solidFill>
-                  <a:schemeClr val="tx1">
-                    <a:lumMod val="75000"/>
-                    <a:lumOff val="25000"/>
-                  </a:schemeClr>
-                </a:solidFill>
-                <a:latin typeface="KoPubWorld돋움체 Light" panose="00000300000000000000" pitchFamily="2" charset="-127"/>
-                <a:ea typeface="KoPubWorld돋움체 Light" panose="00000300000000000000" pitchFamily="2" charset="-127"/>
-                <a:cs typeface="KoPubWorld돋움체 Light" panose="00000300000000000000" pitchFamily="2" charset="-127"/>
-              </a:rPr>
-              <a:t>간단하게 함수를 호출할 수 있게 되어 불필요한 코드의 양이 줄어듦</a:t>
-            </a:r>
-            <a:endParaRPr lang="en-US" altLang="ko-KR" sz="1100" dirty="0" smtClean="0">
+        </p:txBody>
+      </p:sp>
+      <p:sp>
+        <p:nvSpPr>
+          <p:cNvPr id="8" name="TextBox 7"/>
+          <p:cNvSpPr txBox="1"/>
+          <p:nvPr/>
+        </p:nvSpPr>
+        <p:spPr>
+          <a:xfrm>
+            <a:off x="154578" y="3721541"/>
+            <a:ext cx="1837112" cy="523220"/>
+          </a:xfrm>
+          <a:prstGeom prst="rect">
+            <a:avLst/>
+          </a:prstGeom>
+          <a:noFill/>
+        </p:spPr>
+        <p:txBody>
+          <a:bodyPr wrap="square" rtlCol="0">
+            <a:spAutoFit/>
+          </a:bodyPr>
+          <a:lstStyle/>
+          <a:p>
+            <a:pPr algn="r"/>
+            <a:r>
+              <a:rPr lang="ko-KR" altLang="en-US" sz="1400" b="1" dirty="0" smtClean="0">
+                <a:solidFill>
+                  <a:schemeClr val="tx1">
+                    <a:lumMod val="75000"/>
+                    <a:lumOff val="25000"/>
+                  </a:schemeClr>
+                </a:solidFill>
+                <a:latin typeface="KoPubWorld돋움체 Bold" panose="00000800000000000000" pitchFamily="2" charset="-127"/>
+                <a:ea typeface="KoPubWorld돋움체 Bold" panose="00000800000000000000" pitchFamily="2" charset="-127"/>
+                <a:cs typeface="KoPubWorld돋움체 Bold" panose="00000800000000000000" pitchFamily="2" charset="-127"/>
+              </a:rPr>
+              <a:t>프로그래밍에 </a:t>
+            </a:r>
+            <a:endParaRPr lang="en-US" altLang="ko-KR" sz="1400" b="1" dirty="0" smtClean="0">
               <a:solidFill>
                 <a:schemeClr val="tx1">
                   <a:lumMod val="75000"/>
                   <a:lumOff val="25000"/>
                 </a:schemeClr>
               </a:solidFill>
-              <a:latin typeface="KoPubWorld돋움체 Light" panose="00000300000000000000" pitchFamily="2" charset="-127"/>
-              <a:ea typeface="KoPubWorld돋움체 Light" panose="00000300000000000000" pitchFamily="2" charset="-127"/>
-              <a:cs typeface="KoPubWorld돋움체 Light" panose="00000300000000000000" pitchFamily="2" charset="-127"/>
+              <a:latin typeface="KoPubWorld돋움체 Bold" panose="00000800000000000000" pitchFamily="2" charset="-127"/>
+              <a:ea typeface="KoPubWorld돋움체 Bold" panose="00000800000000000000" pitchFamily="2" charset="-127"/>
+              <a:cs typeface="KoPubWorld돋움체 Bold" panose="00000800000000000000" pitchFamily="2" charset="-127"/>
+            </a:endParaRPr>
+          </a:p>
+          <a:p>
+            <a:pPr algn="r"/>
+            <a:r>
+              <a:rPr lang="ko-KR" altLang="en-US" sz="1400" b="1" dirty="0" smtClean="0">
+                <a:solidFill>
+                  <a:schemeClr val="tx1">
+                    <a:lumMod val="75000"/>
+                    <a:lumOff val="25000"/>
+                  </a:schemeClr>
+                </a:solidFill>
+                <a:latin typeface="KoPubWorld돋움체 Bold" panose="00000800000000000000" pitchFamily="2" charset="-127"/>
+                <a:ea typeface="KoPubWorld돋움체 Bold" panose="00000800000000000000" pitchFamily="2" charset="-127"/>
+                <a:cs typeface="KoPubWorld돋움체 Bold" panose="00000800000000000000" pitchFamily="2" charset="-127"/>
+              </a:rPr>
+              <a:t>재미를 붙이다</a:t>
+            </a:r>
+            <a:endParaRPr lang="en-US" altLang="ko-KR" sz="1400" b="1" dirty="0" smtClean="0">
+              <a:solidFill>
+                <a:schemeClr val="tx1">
+                  <a:lumMod val="75000"/>
+                  <a:lumOff val="25000"/>
+                </a:schemeClr>
+              </a:solidFill>
+              <a:latin typeface="KoPubWorld돋움체 Bold" panose="00000800000000000000" pitchFamily="2" charset="-127"/>
+              <a:ea typeface="KoPubWorld돋움체 Bold" panose="00000800000000000000" pitchFamily="2" charset="-127"/>
+              <a:cs typeface="KoPubWorld돋움체 Bold" panose="00000800000000000000" pitchFamily="2" charset="-127"/>
+            </a:endParaRPr>
+          </a:p>
+        </p:txBody>
+      </p:sp>
+      <p:sp>
+        <p:nvSpPr>
+          <p:cNvPr id="9" name="직사각형 8"/>
+          <p:cNvSpPr/>
+          <p:nvPr/>
+        </p:nvSpPr>
+        <p:spPr>
+          <a:xfrm rot="5400000" flipV="1">
+            <a:off x="1113649" y="2341926"/>
+            <a:ext cx="1837324" cy="45720"/>
+          </a:xfrm>
+          <a:prstGeom prst="rect">
+            <a:avLst/>
+          </a:prstGeom>
+          <a:solidFill>
+            <a:schemeClr val="bg2"/>
+          </a:solidFill>
+          <a:ln>
+            <a:solidFill>
+              <a:schemeClr val="bg1"/>
+            </a:solidFill>
+          </a:ln>
+        </p:spPr>
+        <p:style>
+          <a:lnRef idx="2">
+            <a:schemeClr val="accent1">
+              <a:shade val="50000"/>
+            </a:schemeClr>
+          </a:lnRef>
+          <a:fillRef idx="1">
+            <a:schemeClr val="accent1"/>
+          </a:fillRef>
+          <a:effectRef idx="0">
+            <a:schemeClr val="accent1"/>
+          </a:effectRef>
+          <a:fontRef idx="minor">
+            <a:schemeClr val="lt1"/>
+          </a:fontRef>
+        </p:style>
+        <p:txBody>
+          <a:bodyPr rtlCol="0" anchor="ctr"/>
+          <a:lstStyle/>
+          <a:p>
+            <a:pPr algn="ctr"/>
+            <a:endParaRPr lang="ko-KR" altLang="en-US">
+              <a:solidFill>
+                <a:schemeClr val="bg2">
+                  <a:lumMod val="90000"/>
+                </a:schemeClr>
+              </a:solidFill>
+            </a:endParaRPr>
+          </a:p>
+        </p:txBody>
+      </p:sp>
+      <p:sp>
+        <p:nvSpPr>
+          <p:cNvPr id="10" name="직사각형 9"/>
+          <p:cNvSpPr/>
+          <p:nvPr/>
+        </p:nvSpPr>
+        <p:spPr>
+          <a:xfrm rot="5400000" flipV="1">
+            <a:off x="-111766" y="5874332"/>
+            <a:ext cx="4288150" cy="45719"/>
+          </a:xfrm>
+          <a:prstGeom prst="rect">
+            <a:avLst/>
+          </a:prstGeom>
+          <a:solidFill>
+            <a:schemeClr val="bg2"/>
+          </a:solidFill>
+          <a:ln>
+            <a:solidFill>
+              <a:schemeClr val="bg1"/>
+            </a:solidFill>
+          </a:ln>
+        </p:spPr>
+        <p:style>
+          <a:lnRef idx="2">
+            <a:schemeClr val="accent1">
+              <a:shade val="50000"/>
+            </a:schemeClr>
+          </a:lnRef>
+          <a:fillRef idx="1">
+            <a:schemeClr val="accent1"/>
+          </a:fillRef>
+          <a:effectRef idx="0">
+            <a:schemeClr val="accent1"/>
+          </a:effectRef>
+          <a:fontRef idx="minor">
+            <a:schemeClr val="lt1"/>
+          </a:fontRef>
+        </p:style>
+        <p:txBody>
+          <a:bodyPr rtlCol="0" anchor="ctr"/>
+          <a:lstStyle/>
+          <a:p>
+            <a:pPr algn="ctr"/>
+            <a:endParaRPr lang="ko-KR" altLang="en-US">
+              <a:solidFill>
+                <a:schemeClr val="bg2">
+                  <a:lumMod val="90000"/>
+                </a:schemeClr>
+              </a:solidFill>
             </a:endParaRPr>
           </a:p>
         </p:txBody>
@@ -7909,7 +7272,7 @@
     </p:spTree>
     <p:extLst>
       <p:ext uri="{BB962C8B-B14F-4D97-AF65-F5344CB8AC3E}">
-        <p14:creationId xmlns:p14="http://schemas.microsoft.com/office/powerpoint/2010/main" val="4218981477"/>
+        <p14:creationId xmlns:p14="http://schemas.microsoft.com/office/powerpoint/2010/main" val="2130392082"/>
       </p:ext>
     </p:extLst>
   </p:cSld>
@@ -8079,8 +7442,8 @@
         </p:nvSpPr>
         <p:spPr>
           <a:xfrm>
-            <a:off x="316523" y="446708"/>
-            <a:ext cx="1194558" cy="369332"/>
+            <a:off x="316523" y="401594"/>
+            <a:ext cx="1805302" cy="369332"/>
           </a:xfrm>
           <a:prstGeom prst="rect">
             <a:avLst/>
@@ -8096,41 +7459,61 @@
             <a:r>
               <a:rPr lang="ko-KR" altLang="en-US" dirty="0" smtClean="0">
                 <a:solidFill>
-                  <a:schemeClr val="tx1">
-                    <a:lumMod val="75000"/>
-                    <a:lumOff val="25000"/>
-                  </a:schemeClr>
-                </a:solidFill>
-                <a:latin typeface="KoPubWorld돋움체 Bold" panose="00000800000000000000" pitchFamily="2" charset="-127"/>
-                <a:ea typeface="KoPubWorld돋움체 Bold" panose="00000800000000000000" pitchFamily="2" charset="-127"/>
-                <a:cs typeface="KoPubWorld돋움체 Bold" panose="00000800000000000000" pitchFamily="2" charset="-127"/>
-              </a:rPr>
-              <a:t>자기소개서</a:t>
+                  <a:schemeClr val="bg1"/>
+                </a:solidFill>
+              </a:rPr>
+              <a:t>자기소개서 </a:t>
+            </a:r>
+            <a:r>
+              <a:rPr lang="en-US" altLang="ko-KR" sz="1100" dirty="0">
+                <a:solidFill>
+                  <a:schemeClr val="bg1"/>
+                </a:solidFill>
+              </a:rPr>
+              <a:t>( </a:t>
+            </a:r>
+            <a:r>
+              <a:rPr lang="en-US" altLang="ko-KR" sz="1100" dirty="0" smtClean="0">
+                <a:solidFill>
+                  <a:schemeClr val="bg1"/>
+                </a:solidFill>
+              </a:rPr>
+              <a:t>2 / </a:t>
+            </a:r>
+            <a:r>
+              <a:rPr lang="en-US" altLang="ko-KR" sz="1100" dirty="0">
+                <a:solidFill>
+                  <a:schemeClr val="bg1"/>
+                </a:solidFill>
+              </a:rPr>
+              <a:t>2 </a:t>
+            </a:r>
+            <a:r>
+              <a:rPr lang="en-US" altLang="ko-KR" sz="1100" dirty="0" smtClean="0">
+                <a:solidFill>
+                  <a:schemeClr val="bg1"/>
+                </a:solidFill>
+              </a:rPr>
+              <a:t>)</a:t>
             </a:r>
             <a:endParaRPr lang="ko-KR" altLang="en-US" sz="1100" dirty="0">
               <a:solidFill>
-                <a:schemeClr val="tx1">
-                  <a:lumMod val="75000"/>
-                  <a:lumOff val="25000"/>
-                </a:schemeClr>
+                <a:schemeClr val="bg1"/>
               </a:solidFill>
-              <a:latin typeface="KoPubWorld돋움체 Bold" panose="00000800000000000000" pitchFamily="2" charset="-127"/>
-              <a:ea typeface="KoPubWorld돋움체 Bold" panose="00000800000000000000" pitchFamily="2" charset="-127"/>
-              <a:cs typeface="KoPubWorld돋움체 Bold" panose="00000800000000000000" pitchFamily="2" charset="-127"/>
             </a:endParaRPr>
           </a:p>
         </p:txBody>
       </p:sp>
       <p:sp>
         <p:nvSpPr>
-          <p:cNvPr id="6" name="TextBox 5"/>
+          <p:cNvPr id="7" name="TextBox 6"/>
           <p:cNvSpPr txBox="1"/>
           <p:nvPr/>
         </p:nvSpPr>
         <p:spPr>
           <a:xfrm>
-            <a:off x="2152159" y="1258294"/>
-            <a:ext cx="4129636" cy="6617196"/>
+            <a:off x="2057608" y="1707258"/>
+            <a:ext cx="4095973" cy="3585597"/>
           </a:xfrm>
           <a:prstGeom prst="rect">
             <a:avLst/>
@@ -8145,7 +7528,7 @@
           <a:p>
             <a:pPr>
               <a:spcBef>
-                <a:spcPts val="400"/>
+                <a:spcPts val="600"/>
               </a:spcBef>
             </a:pPr>
             <a:r>
@@ -8160,7 +7543,133 @@
                 <a:ea typeface="KoPubWorld돋움체 Light" panose="00000300000000000000" pitchFamily="2" charset="-127"/>
                 <a:cs typeface="KoPubWorld돋움체 Light" panose="00000300000000000000" pitchFamily="2" charset="-127"/>
               </a:rPr>
-              <a:t>저의 인생에서 첫 번째 프로그래밍 경험은 초등학생 때였습니다</a:t>
+              <a:t>고등학교 </a:t>
+            </a:r>
+            <a:r>
+              <a:rPr lang="en-US" altLang="ko-KR" sz="1100" dirty="0">
+                <a:solidFill>
+                  <a:schemeClr val="tx1">
+                    <a:lumMod val="75000"/>
+                    <a:lumOff val="25000"/>
+                  </a:schemeClr>
+                </a:solidFill>
+                <a:latin typeface="KoPubWorld돋움체 Light" panose="00000300000000000000" pitchFamily="2" charset="-127"/>
+                <a:ea typeface="KoPubWorld돋움체 Light" panose="00000300000000000000" pitchFamily="2" charset="-127"/>
+                <a:cs typeface="KoPubWorld돋움체 Light" panose="00000300000000000000" pitchFamily="2" charset="-127"/>
+              </a:rPr>
+              <a:t>3</a:t>
+            </a:r>
+            <a:r>
+              <a:rPr lang="ko-KR" altLang="en-US" sz="1100" dirty="0">
+                <a:solidFill>
+                  <a:schemeClr val="tx1">
+                    <a:lumMod val="75000"/>
+                    <a:lumOff val="25000"/>
+                  </a:schemeClr>
+                </a:solidFill>
+                <a:latin typeface="KoPubWorld돋움체 Light" panose="00000300000000000000" pitchFamily="2" charset="-127"/>
+                <a:ea typeface="KoPubWorld돋움체 Light" panose="00000300000000000000" pitchFamily="2" charset="-127"/>
+                <a:cs typeface="KoPubWorld돋움체 Light" panose="00000300000000000000" pitchFamily="2" charset="-127"/>
+              </a:rPr>
+              <a:t>학년이 되어서는 다시 </a:t>
+            </a:r>
+            <a:r>
+              <a:rPr lang="ko-KR" altLang="en-US" sz="1100" dirty="0" smtClean="0">
+                <a:solidFill>
+                  <a:schemeClr val="tx1">
+                    <a:lumMod val="75000"/>
+                    <a:lumOff val="25000"/>
+                  </a:schemeClr>
+                </a:solidFill>
+                <a:latin typeface="KoPubWorld돋움체 Light" panose="00000300000000000000" pitchFamily="2" charset="-127"/>
+                <a:ea typeface="KoPubWorld돋움체 Light" panose="00000300000000000000" pitchFamily="2" charset="-127"/>
+                <a:cs typeface="KoPubWorld돋움체 Light" panose="00000300000000000000" pitchFamily="2" charset="-127"/>
+              </a:rPr>
+              <a:t>한번 </a:t>
+            </a:r>
+            <a:r>
+              <a:rPr lang="ko-KR" altLang="en-US" sz="1100" dirty="0">
+                <a:solidFill>
+                  <a:schemeClr val="tx1">
+                    <a:lumMod val="75000"/>
+                    <a:lumOff val="25000"/>
+                  </a:schemeClr>
+                </a:solidFill>
+                <a:latin typeface="KoPubWorld돋움체 Light" panose="00000300000000000000" pitchFamily="2" charset="-127"/>
+                <a:ea typeface="KoPubWorld돋움체 Light" panose="00000300000000000000" pitchFamily="2" charset="-127"/>
+                <a:cs typeface="KoPubWorld돋움체 Light" panose="00000300000000000000" pitchFamily="2" charset="-127"/>
+              </a:rPr>
+              <a:t>기능경기대회에 도전해 </a:t>
+            </a:r>
+            <a:r>
+              <a:rPr lang="ko-KR" altLang="en-US" sz="1100" dirty="0" smtClean="0">
+                <a:solidFill>
+                  <a:schemeClr val="tx1">
+                    <a:lumMod val="75000"/>
+                    <a:lumOff val="25000"/>
+                  </a:schemeClr>
+                </a:solidFill>
+                <a:latin typeface="KoPubWorld돋움체 Light" panose="00000300000000000000" pitchFamily="2" charset="-127"/>
+                <a:ea typeface="KoPubWorld돋움체 Light" panose="00000300000000000000" pitchFamily="2" charset="-127"/>
+                <a:cs typeface="KoPubWorld돋움체 Light" panose="00000300000000000000" pitchFamily="2" charset="-127"/>
+              </a:rPr>
+              <a:t>지방대회에서 </a:t>
+            </a:r>
+            <a:r>
+              <a:rPr lang="ko-KR" altLang="en-US" sz="1100" dirty="0">
+                <a:solidFill>
+                  <a:schemeClr val="tx1">
+                    <a:lumMod val="75000"/>
+                    <a:lumOff val="25000"/>
+                  </a:schemeClr>
+                </a:solidFill>
+                <a:latin typeface="KoPubWorld돋움체 Light" panose="00000300000000000000" pitchFamily="2" charset="-127"/>
+                <a:ea typeface="KoPubWorld돋움체 Light" panose="00000300000000000000" pitchFamily="2" charset="-127"/>
+                <a:cs typeface="KoPubWorld돋움체 Light" panose="00000300000000000000" pitchFamily="2" charset="-127"/>
+              </a:rPr>
+              <a:t>은상</a:t>
+            </a:r>
+            <a:r>
+              <a:rPr lang="en-US" altLang="ko-KR" sz="1100" dirty="0">
+                <a:solidFill>
+                  <a:schemeClr val="tx1">
+                    <a:lumMod val="75000"/>
+                    <a:lumOff val="25000"/>
+                  </a:schemeClr>
+                </a:solidFill>
+                <a:latin typeface="KoPubWorld돋움체 Light" panose="00000300000000000000" pitchFamily="2" charset="-127"/>
+                <a:ea typeface="KoPubWorld돋움체 Light" panose="00000300000000000000" pitchFamily="2" charset="-127"/>
+                <a:cs typeface="KoPubWorld돋움체 Light" panose="00000300000000000000" pitchFamily="2" charset="-127"/>
+              </a:rPr>
+              <a:t>, </a:t>
+            </a:r>
+            <a:r>
+              <a:rPr lang="ko-KR" altLang="en-US" sz="1100" dirty="0">
+                <a:solidFill>
+                  <a:schemeClr val="tx1">
+                    <a:lumMod val="75000"/>
+                    <a:lumOff val="25000"/>
+                  </a:schemeClr>
+                </a:solidFill>
+                <a:latin typeface="KoPubWorld돋움체 Light" panose="00000300000000000000" pitchFamily="2" charset="-127"/>
+                <a:ea typeface="KoPubWorld돋움체 Light" panose="00000300000000000000" pitchFamily="2" charset="-127"/>
+                <a:cs typeface="KoPubWorld돋움체 Light" panose="00000300000000000000" pitchFamily="2" charset="-127"/>
+              </a:rPr>
+              <a:t>전국대회에서 우수상을 </a:t>
+            </a:r>
+            <a:r>
+              <a:rPr lang="ko-KR" altLang="en-US" sz="1100" dirty="0" smtClean="0">
+                <a:solidFill>
+                  <a:schemeClr val="tx1">
+                    <a:lumMod val="75000"/>
+                    <a:lumOff val="25000"/>
+                  </a:schemeClr>
+                </a:solidFill>
+                <a:latin typeface="KoPubWorld돋움체 Light" panose="00000300000000000000" pitchFamily="2" charset="-127"/>
+                <a:ea typeface="KoPubWorld돋움체 Light" panose="00000300000000000000" pitchFamily="2" charset="-127"/>
+                <a:cs typeface="KoPubWorld돋움체 Light" panose="00000300000000000000" pitchFamily="2" charset="-127"/>
+              </a:rPr>
+              <a:t>수상하였습니다</a:t>
             </a:r>
             <a:r>
               <a:rPr lang="en-US" altLang="ko-KR" sz="1100" dirty="0" smtClean="0">
@@ -8176,76 +7685,6 @@
               </a:rPr>
               <a:t>.</a:t>
             </a:r>
-          </a:p>
-          <a:p>
-            <a:pPr>
-              <a:spcBef>
-                <a:spcPts val="400"/>
-              </a:spcBef>
-            </a:pPr>
-            <a:r>
-              <a:rPr lang="ko-KR" altLang="en-US" sz="1100" dirty="0" smtClean="0">
-                <a:solidFill>
-                  <a:schemeClr val="tx1">
-                    <a:lumMod val="75000"/>
-                    <a:lumOff val="25000"/>
-                  </a:schemeClr>
-                </a:solidFill>
-                <a:latin typeface="KoPubWorld돋움체 Light" panose="00000300000000000000" pitchFamily="2" charset="-127"/>
-                <a:ea typeface="KoPubWorld돋움체 Light" panose="00000300000000000000" pitchFamily="2" charset="-127"/>
-                <a:cs typeface="KoPubWorld돋움체 Light" panose="00000300000000000000" pitchFamily="2" charset="-127"/>
-              </a:rPr>
-              <a:t>마인크래프트의 스크립트를 작성하며 자바스크립트를 접하게 되었고 친구와 함께 스크립트를 짜며 놀곤 하였습니다</a:t>
-            </a:r>
-            <a:r>
-              <a:rPr lang="en-US" altLang="ko-KR" sz="1100" dirty="0" smtClean="0">
-                <a:solidFill>
-                  <a:schemeClr val="tx1">
-                    <a:lumMod val="75000"/>
-                    <a:lumOff val="25000"/>
-                  </a:schemeClr>
-                </a:solidFill>
-                <a:latin typeface="KoPubWorld돋움체 Light" panose="00000300000000000000" pitchFamily="2" charset="-127"/>
-                <a:ea typeface="KoPubWorld돋움체 Light" panose="00000300000000000000" pitchFamily="2" charset="-127"/>
-                <a:cs typeface="KoPubWorld돋움체 Light" panose="00000300000000000000" pitchFamily="2" charset="-127"/>
-              </a:rPr>
-              <a:t>. </a:t>
-            </a:r>
-            <a:r>
-              <a:rPr lang="ko-KR" altLang="en-US" sz="1100" dirty="0" smtClean="0">
-                <a:solidFill>
-                  <a:schemeClr val="tx1">
-                    <a:lumMod val="75000"/>
-                    <a:lumOff val="25000"/>
-                  </a:schemeClr>
-                </a:solidFill>
-                <a:latin typeface="KoPubWorld돋움체 Light" panose="00000300000000000000" pitchFamily="2" charset="-127"/>
-                <a:ea typeface="KoPubWorld돋움체 Light" panose="00000300000000000000" pitchFamily="2" charset="-127"/>
-                <a:cs typeface="KoPubWorld돋움체 Light" panose="00000300000000000000" pitchFamily="2" charset="-127"/>
-              </a:rPr>
-              <a:t>자바스크립트를 제대로 이해하지 못한 채 사용하였지만 내가 만든 것이 게임에 적용된다는 것에 재미를 느꼈습니다</a:t>
-            </a:r>
-            <a:r>
-              <a:rPr lang="en-US" altLang="ko-KR" sz="1100" dirty="0" smtClean="0">
-                <a:solidFill>
-                  <a:schemeClr val="tx1">
-                    <a:lumMod val="75000"/>
-                    <a:lumOff val="25000"/>
-                  </a:schemeClr>
-                </a:solidFill>
-                <a:latin typeface="KoPubWorld돋움체 Light" panose="00000300000000000000" pitchFamily="2" charset="-127"/>
-                <a:ea typeface="KoPubWorld돋움체 Light" panose="00000300000000000000" pitchFamily="2" charset="-127"/>
-                <a:cs typeface="KoPubWorld돋움체 Light" panose="00000300000000000000" pitchFamily="2" charset="-127"/>
-              </a:rPr>
-              <a:t>.</a:t>
-            </a:r>
-          </a:p>
-          <a:p>
-            <a:pPr>
-              <a:spcBef>
-                <a:spcPts val="400"/>
-              </a:spcBef>
-            </a:pPr>
             <a:endParaRPr lang="en-US" altLang="ko-KR" sz="1100" dirty="0">
               <a:solidFill>
                 <a:schemeClr val="tx1">
@@ -8261,7 +7700,7 @@
           <a:p>
             <a:pPr>
               <a:spcBef>
-                <a:spcPts val="400"/>
+                <a:spcPts val="600"/>
               </a:spcBef>
             </a:pPr>
             <a:r>
@@ -8276,7 +7715,7 @@
                 <a:ea typeface="KoPubWorld돋움체 Light" panose="00000300000000000000" pitchFamily="2" charset="-127"/>
                 <a:cs typeface="KoPubWorld돋움체 Light" panose="00000300000000000000" pitchFamily="2" charset="-127"/>
               </a:rPr>
-              <a:t>중학생 때는 학원에 다니며 공부를 하느라 이 재미를 잊고 살았습니다</a:t>
+              <a:t>이에 그치지 않고 안드로이드</a:t>
             </a:r>
             <a:r>
               <a:rPr lang="en-US" altLang="ko-KR" sz="1100" dirty="0" smtClean="0">
@@ -8290,7 +7729,7 @@
                 <a:ea typeface="KoPubWorld돋움체 Light" panose="00000300000000000000" pitchFamily="2" charset="-127"/>
                 <a:cs typeface="KoPubWorld돋움체 Light" panose="00000300000000000000" pitchFamily="2" charset="-127"/>
               </a:rPr>
-              <a:t>. </a:t>
+              <a:t>, Python, Node.js </a:t>
             </a:r>
             <a:r>
               <a:rPr lang="ko-KR" altLang="en-US" sz="1100" dirty="0" smtClean="0">
@@ -8304,7 +7743,7 @@
                 <a:ea typeface="KoPubWorld돋움체 Light" panose="00000300000000000000" pitchFamily="2" charset="-127"/>
                 <a:cs typeface="KoPubWorld돋움체 Light" panose="00000300000000000000" pitchFamily="2" charset="-127"/>
               </a:rPr>
-              <a:t>고등학교를 정할 때 울산애니원고등학교에 게임 개발과가 있다는 걸 알고 어릴 때 느꼈던 게임 개발의 재미를 다시 느껴보고 싶어져 프로그래밍을 배우는 특성화 고등학교에 진학하게 되었습니다</a:t>
+              <a:t>등의 다양한 언어와 프레임 워크를 공부하여 지식의 폭을 넓혔습니다</a:t>
             </a:r>
             <a:r>
               <a:rPr lang="en-US" altLang="ko-KR" sz="1100" dirty="0" smtClean="0">
@@ -8321,1237 +7760,6 @@
               <a:t>.</a:t>
             </a:r>
           </a:p>
-          <a:p>
-            <a:pPr>
-              <a:spcBef>
-                <a:spcPts val="400"/>
-              </a:spcBef>
-            </a:pPr>
-            <a:endParaRPr lang="en-US" altLang="ko-KR" sz="1100" dirty="0" smtClean="0">
-              <a:solidFill>
-                <a:schemeClr val="tx1">
-                  <a:lumMod val="75000"/>
-                  <a:lumOff val="25000"/>
-                </a:schemeClr>
-              </a:solidFill>
-              <a:latin typeface="KoPubWorld돋움체 Light" panose="00000300000000000000" pitchFamily="2" charset="-127"/>
-              <a:ea typeface="KoPubWorld돋움체 Light" panose="00000300000000000000" pitchFamily="2" charset="-127"/>
-              <a:cs typeface="KoPubWorld돋움체 Light" panose="00000300000000000000" pitchFamily="2" charset="-127"/>
-            </a:endParaRPr>
-          </a:p>
-          <a:p>
-            <a:pPr>
-              <a:spcBef>
-                <a:spcPts val="400"/>
-              </a:spcBef>
-            </a:pPr>
-            <a:endParaRPr lang="en-US" altLang="ko-KR" sz="1100" dirty="0">
-              <a:solidFill>
-                <a:schemeClr val="tx1">
-                  <a:lumMod val="75000"/>
-                  <a:lumOff val="25000"/>
-                </a:schemeClr>
-              </a:solidFill>
-              <a:latin typeface="KoPubWorld돋움체 Light" panose="00000300000000000000" pitchFamily="2" charset="-127"/>
-              <a:ea typeface="KoPubWorld돋움체 Light" panose="00000300000000000000" pitchFamily="2" charset="-127"/>
-              <a:cs typeface="KoPubWorld돋움체 Light" panose="00000300000000000000" pitchFamily="2" charset="-127"/>
-            </a:endParaRPr>
-          </a:p>
-          <a:p>
-            <a:pPr>
-              <a:spcBef>
-                <a:spcPts val="400"/>
-              </a:spcBef>
-            </a:pPr>
-            <a:r>
-              <a:rPr lang="ko-KR" altLang="en-US" sz="1100" dirty="0" smtClean="0">
-                <a:solidFill>
-                  <a:schemeClr val="tx1">
-                    <a:lumMod val="75000"/>
-                    <a:lumOff val="25000"/>
-                  </a:schemeClr>
-                </a:solidFill>
-                <a:latin typeface="KoPubWorld돋움체 Light" panose="00000300000000000000" pitchFamily="2" charset="-127"/>
-                <a:ea typeface="KoPubWorld돋움체 Light" panose="00000300000000000000" pitchFamily="2" charset="-127"/>
-                <a:cs typeface="KoPubWorld돋움체 Light" panose="00000300000000000000" pitchFamily="2" charset="-127"/>
-              </a:rPr>
-              <a:t>고등학교 </a:t>
-            </a:r>
-            <a:r>
-              <a:rPr lang="en-US" altLang="ko-KR" sz="1100" dirty="0" smtClean="0">
-                <a:solidFill>
-                  <a:schemeClr val="tx1">
-                    <a:lumMod val="75000"/>
-                    <a:lumOff val="25000"/>
-                  </a:schemeClr>
-                </a:solidFill>
-                <a:latin typeface="KoPubWorld돋움체 Light" panose="00000300000000000000" pitchFamily="2" charset="-127"/>
-                <a:ea typeface="KoPubWorld돋움체 Light" panose="00000300000000000000" pitchFamily="2" charset="-127"/>
-                <a:cs typeface="KoPubWorld돋움체 Light" panose="00000300000000000000" pitchFamily="2" charset="-127"/>
-              </a:rPr>
-              <a:t>1</a:t>
-            </a:r>
-            <a:r>
-              <a:rPr lang="ko-KR" altLang="en-US" sz="1100" dirty="0" smtClean="0">
-                <a:solidFill>
-                  <a:schemeClr val="tx1">
-                    <a:lumMod val="75000"/>
-                    <a:lumOff val="25000"/>
-                  </a:schemeClr>
-                </a:solidFill>
-                <a:latin typeface="KoPubWorld돋움체 Light" panose="00000300000000000000" pitchFamily="2" charset="-127"/>
-                <a:ea typeface="KoPubWorld돋움체 Light" panose="00000300000000000000" pitchFamily="2" charset="-127"/>
-                <a:cs typeface="KoPubWorld돋움체 Light" panose="00000300000000000000" pitchFamily="2" charset="-127"/>
-              </a:rPr>
-              <a:t>학년이 되었을 때 </a:t>
-            </a:r>
-            <a:r>
-              <a:rPr lang="en-US" altLang="ko-KR" sz="1100" dirty="0" smtClean="0">
-                <a:solidFill>
-                  <a:schemeClr val="tx1">
-                    <a:lumMod val="75000"/>
-                    <a:lumOff val="25000"/>
-                  </a:schemeClr>
-                </a:solidFill>
-                <a:latin typeface="KoPubWorld돋움체 Light" panose="00000300000000000000" pitchFamily="2" charset="-127"/>
-                <a:ea typeface="KoPubWorld돋움체 Light" panose="00000300000000000000" pitchFamily="2" charset="-127"/>
-                <a:cs typeface="KoPubWorld돋움체 Light" panose="00000300000000000000" pitchFamily="2" charset="-127"/>
-              </a:rPr>
-              <a:t>C</a:t>
-            </a:r>
-            <a:r>
-              <a:rPr lang="ko-KR" altLang="en-US" sz="1100" dirty="0" smtClean="0">
-                <a:solidFill>
-                  <a:schemeClr val="tx1">
-                    <a:lumMod val="75000"/>
-                    <a:lumOff val="25000"/>
-                  </a:schemeClr>
-                </a:solidFill>
-                <a:latin typeface="KoPubWorld돋움체 Light" panose="00000300000000000000" pitchFamily="2" charset="-127"/>
-                <a:ea typeface="KoPubWorld돋움체 Light" panose="00000300000000000000" pitchFamily="2" charset="-127"/>
-                <a:cs typeface="KoPubWorld돋움체 Light" panose="00000300000000000000" pitchFamily="2" charset="-127"/>
-              </a:rPr>
-              <a:t>언어를 배우고 다양한 콘솔 게임을 만들면서 게임 프로그래밍에 재미를 붙이기 시작하였습니다</a:t>
-            </a:r>
-            <a:r>
-              <a:rPr lang="en-US" altLang="ko-KR" sz="1100" dirty="0" smtClean="0">
-                <a:solidFill>
-                  <a:schemeClr val="tx1">
-                    <a:lumMod val="75000"/>
-                    <a:lumOff val="25000"/>
-                  </a:schemeClr>
-                </a:solidFill>
-                <a:latin typeface="KoPubWorld돋움체 Light" panose="00000300000000000000" pitchFamily="2" charset="-127"/>
-                <a:ea typeface="KoPubWorld돋움체 Light" panose="00000300000000000000" pitchFamily="2" charset="-127"/>
-                <a:cs typeface="KoPubWorld돋움체 Light" panose="00000300000000000000" pitchFamily="2" charset="-127"/>
-              </a:rPr>
-              <a:t>.</a:t>
-            </a:r>
-          </a:p>
-          <a:p>
-            <a:pPr>
-              <a:spcBef>
-                <a:spcPts val="400"/>
-              </a:spcBef>
-            </a:pPr>
-            <a:r>
-              <a:rPr lang="ko-KR" altLang="en-US" sz="1100" dirty="0" smtClean="0">
-                <a:solidFill>
-                  <a:schemeClr val="tx1">
-                    <a:lumMod val="75000"/>
-                    <a:lumOff val="25000"/>
-                  </a:schemeClr>
-                </a:solidFill>
-                <a:latin typeface="KoPubWorld돋움체 Light" panose="00000300000000000000" pitchFamily="2" charset="-127"/>
-                <a:ea typeface="KoPubWorld돋움체 Light" panose="00000300000000000000" pitchFamily="2" charset="-127"/>
-                <a:cs typeface="KoPubWorld돋움체 Light" panose="00000300000000000000" pitchFamily="2" charset="-127"/>
-              </a:rPr>
-              <a:t>그러던 중 학교에 있는 학생용 파일 서버를 이용하여 채팅 프로그램을 만들게 되었는데 이때 기존의 게임 개발과는 다른 재미를 느끼게 되어 서버 프로그래밍에 관심을 갖게 됐습니다</a:t>
-            </a:r>
-            <a:r>
-              <a:rPr lang="en-US" altLang="ko-KR" sz="1100" dirty="0" smtClean="0">
-                <a:solidFill>
-                  <a:schemeClr val="tx1">
-                    <a:lumMod val="75000"/>
-                    <a:lumOff val="25000"/>
-                  </a:schemeClr>
-                </a:solidFill>
-                <a:latin typeface="KoPubWorld돋움체 Light" panose="00000300000000000000" pitchFamily="2" charset="-127"/>
-                <a:ea typeface="KoPubWorld돋움체 Light" panose="00000300000000000000" pitchFamily="2" charset="-127"/>
-                <a:cs typeface="KoPubWorld돋움체 Light" panose="00000300000000000000" pitchFamily="2" charset="-127"/>
-              </a:rPr>
-              <a:t>.</a:t>
-            </a:r>
-          </a:p>
-          <a:p>
-            <a:pPr>
-              <a:spcBef>
-                <a:spcPts val="400"/>
-              </a:spcBef>
-            </a:pPr>
-            <a:endParaRPr lang="en-US" altLang="ko-KR" sz="1100" dirty="0">
-              <a:solidFill>
-                <a:schemeClr val="tx1">
-                  <a:lumMod val="75000"/>
-                  <a:lumOff val="25000"/>
-                </a:schemeClr>
-              </a:solidFill>
-              <a:latin typeface="KoPubWorld돋움체 Light" panose="00000300000000000000" pitchFamily="2" charset="-127"/>
-              <a:ea typeface="KoPubWorld돋움체 Light" panose="00000300000000000000" pitchFamily="2" charset="-127"/>
-              <a:cs typeface="KoPubWorld돋움체 Light" panose="00000300000000000000" pitchFamily="2" charset="-127"/>
-            </a:endParaRPr>
-          </a:p>
-          <a:p>
-            <a:pPr>
-              <a:spcBef>
-                <a:spcPts val="400"/>
-              </a:spcBef>
-            </a:pPr>
-            <a:r>
-              <a:rPr lang="ko-KR" altLang="en-US" sz="1100" dirty="0" smtClean="0">
-                <a:solidFill>
-                  <a:schemeClr val="tx1">
-                    <a:lumMod val="75000"/>
-                    <a:lumOff val="25000"/>
-                  </a:schemeClr>
-                </a:solidFill>
-                <a:latin typeface="KoPubWorld돋움체 Light" panose="00000300000000000000" pitchFamily="2" charset="-127"/>
-                <a:ea typeface="KoPubWorld돋움체 Light" panose="00000300000000000000" pitchFamily="2" charset="-127"/>
-                <a:cs typeface="KoPubWorld돋움체 Light" panose="00000300000000000000" pitchFamily="2" charset="-127"/>
-              </a:rPr>
-              <a:t>그 </a:t>
-            </a:r>
-            <a:r>
-              <a:rPr lang="ko-KR" altLang="en-US" sz="1100" dirty="0" smtClean="0">
-                <a:solidFill>
-                  <a:schemeClr val="tx1">
-                    <a:lumMod val="75000"/>
-                    <a:lumOff val="25000"/>
-                  </a:schemeClr>
-                </a:solidFill>
-                <a:latin typeface="KoPubWorld돋움체 Light" panose="00000300000000000000" pitchFamily="2" charset="-127"/>
-                <a:ea typeface="KoPubWorld돋움체 Light" panose="00000300000000000000" pitchFamily="2" charset="-127"/>
-                <a:cs typeface="KoPubWorld돋움체 Light" panose="00000300000000000000" pitchFamily="2" charset="-127"/>
-              </a:rPr>
-              <a:t>후 혼자서 </a:t>
-            </a:r>
-            <a:r>
-              <a:rPr lang="en-US" altLang="ko-KR" sz="1100" dirty="0" smtClean="0">
-                <a:solidFill>
-                  <a:schemeClr val="tx1">
-                    <a:lumMod val="75000"/>
-                    <a:lumOff val="25000"/>
-                  </a:schemeClr>
-                </a:solidFill>
-                <a:latin typeface="KoPubWorld돋움체 Light" panose="00000300000000000000" pitchFamily="2" charset="-127"/>
-                <a:ea typeface="KoPubWorld돋움체 Light" panose="00000300000000000000" pitchFamily="2" charset="-127"/>
-                <a:cs typeface="KoPubWorld돋움체 Light" panose="00000300000000000000" pitchFamily="2" charset="-127"/>
-              </a:rPr>
-              <a:t>TCP/IP</a:t>
-            </a:r>
-            <a:r>
-              <a:rPr lang="ko-KR" altLang="en-US" sz="1100" dirty="0" smtClean="0">
-                <a:solidFill>
-                  <a:schemeClr val="tx1">
-                    <a:lumMod val="75000"/>
-                    <a:lumOff val="25000"/>
-                  </a:schemeClr>
-                </a:solidFill>
-                <a:latin typeface="KoPubWorld돋움체 Light" panose="00000300000000000000" pitchFamily="2" charset="-127"/>
-                <a:ea typeface="KoPubWorld돋움체 Light" panose="00000300000000000000" pitchFamily="2" charset="-127"/>
-                <a:cs typeface="KoPubWorld돋움체 Light" panose="00000300000000000000" pitchFamily="2" charset="-127"/>
-              </a:rPr>
-              <a:t>를 공부하고 </a:t>
-            </a:r>
-            <a:r>
-              <a:rPr lang="en-US" altLang="ko-KR" sz="1100" dirty="0" smtClean="0">
-                <a:solidFill>
-                  <a:schemeClr val="tx1">
-                    <a:lumMod val="75000"/>
-                    <a:lumOff val="25000"/>
-                  </a:schemeClr>
-                </a:solidFill>
-                <a:latin typeface="KoPubWorld돋움체 Light" panose="00000300000000000000" pitchFamily="2" charset="-127"/>
-                <a:ea typeface="KoPubWorld돋움체 Light" panose="00000300000000000000" pitchFamily="2" charset="-127"/>
-                <a:cs typeface="KoPubWorld돋움체 Light" panose="00000300000000000000" pitchFamily="2" charset="-127"/>
-              </a:rPr>
-              <a:t>1</a:t>
-            </a:r>
-            <a:r>
-              <a:rPr lang="ko-KR" altLang="en-US" sz="1100" dirty="0" smtClean="0">
-                <a:solidFill>
-                  <a:schemeClr val="tx1">
-                    <a:lumMod val="75000"/>
-                    <a:lumOff val="25000"/>
-                  </a:schemeClr>
-                </a:solidFill>
-                <a:latin typeface="KoPubWorld돋움체 Light" panose="00000300000000000000" pitchFamily="2" charset="-127"/>
-                <a:ea typeface="KoPubWorld돋움체 Light" panose="00000300000000000000" pitchFamily="2" charset="-127"/>
-                <a:cs typeface="KoPubWorld돋움체 Light" panose="00000300000000000000" pitchFamily="2" charset="-127"/>
-              </a:rPr>
-              <a:t>학년 말 첫 네트워크 게임인 </a:t>
-            </a:r>
-            <a:r>
-              <a:rPr lang="en-US" altLang="ko-KR" sz="1100" dirty="0" smtClean="0">
-                <a:solidFill>
-                  <a:schemeClr val="tx1">
-                    <a:lumMod val="75000"/>
-                    <a:lumOff val="25000"/>
-                  </a:schemeClr>
-                </a:solidFill>
-                <a:latin typeface="KoPubWorld돋움체 Light" panose="00000300000000000000" pitchFamily="2" charset="-127"/>
-                <a:ea typeface="KoPubWorld돋움체 Light" panose="00000300000000000000" pitchFamily="2" charset="-127"/>
-                <a:cs typeface="KoPubWorld돋움체 Light" panose="00000300000000000000" pitchFamily="2" charset="-127"/>
-              </a:rPr>
-              <a:t>2</a:t>
-            </a:r>
-            <a:r>
-              <a:rPr lang="ko-KR" altLang="en-US" sz="1100" dirty="0" smtClean="0">
-                <a:solidFill>
-                  <a:schemeClr val="tx1">
-                    <a:lumMod val="75000"/>
-                    <a:lumOff val="25000"/>
-                  </a:schemeClr>
-                </a:solidFill>
-                <a:latin typeface="KoPubWorld돋움체 Light" panose="00000300000000000000" pitchFamily="2" charset="-127"/>
-                <a:ea typeface="KoPubWorld돋움체 Light" panose="00000300000000000000" pitchFamily="2" charset="-127"/>
-                <a:cs typeface="KoPubWorld돋움체 Light" panose="00000300000000000000" pitchFamily="2" charset="-127"/>
-              </a:rPr>
-              <a:t>인용 </a:t>
-            </a:r>
-            <a:r>
-              <a:rPr lang="ko-KR" altLang="en-US" sz="1100" dirty="0" err="1" smtClean="0">
-                <a:solidFill>
-                  <a:schemeClr val="tx1">
-                    <a:lumMod val="75000"/>
-                    <a:lumOff val="25000"/>
-                  </a:schemeClr>
-                </a:solidFill>
-                <a:latin typeface="KoPubWorld돋움체 Light" panose="00000300000000000000" pitchFamily="2" charset="-127"/>
-                <a:ea typeface="KoPubWorld돋움체 Light" panose="00000300000000000000" pitchFamily="2" charset="-127"/>
-                <a:cs typeface="KoPubWorld돋움체 Light" panose="00000300000000000000" pitchFamily="2" charset="-127"/>
-              </a:rPr>
-              <a:t>소코반을</a:t>
-            </a:r>
-            <a:r>
-              <a:rPr lang="ko-KR" altLang="en-US" sz="1100" dirty="0" smtClean="0">
-                <a:solidFill>
-                  <a:schemeClr val="tx1">
-                    <a:lumMod val="75000"/>
-                    <a:lumOff val="25000"/>
-                  </a:schemeClr>
-                </a:solidFill>
-                <a:latin typeface="KoPubWorld돋움체 Light" panose="00000300000000000000" pitchFamily="2" charset="-127"/>
-                <a:ea typeface="KoPubWorld돋움체 Light" panose="00000300000000000000" pitchFamily="2" charset="-127"/>
-                <a:cs typeface="KoPubWorld돋움체 Light" panose="00000300000000000000" pitchFamily="2" charset="-127"/>
-              </a:rPr>
-              <a:t> 만들게 되면서 이게 나의 길이구나 하고 생각하였습니다</a:t>
-            </a:r>
-            <a:r>
-              <a:rPr lang="en-US" altLang="ko-KR" sz="1100" dirty="0" smtClean="0">
-                <a:solidFill>
-                  <a:schemeClr val="tx1">
-                    <a:lumMod val="75000"/>
-                    <a:lumOff val="25000"/>
-                  </a:schemeClr>
-                </a:solidFill>
-                <a:latin typeface="KoPubWorld돋움체 Light" panose="00000300000000000000" pitchFamily="2" charset="-127"/>
-                <a:ea typeface="KoPubWorld돋움체 Light" panose="00000300000000000000" pitchFamily="2" charset="-127"/>
-                <a:cs typeface="KoPubWorld돋움체 Light" panose="00000300000000000000" pitchFamily="2" charset="-127"/>
-              </a:rPr>
-              <a:t>.</a:t>
-            </a:r>
-            <a:r>
-              <a:rPr lang="ko-KR" altLang="en-US" sz="1100" dirty="0" smtClean="0">
-                <a:solidFill>
-                  <a:schemeClr val="tx1">
-                    <a:lumMod val="75000"/>
-                    <a:lumOff val="25000"/>
-                  </a:schemeClr>
-                </a:solidFill>
-                <a:latin typeface="KoPubWorld돋움체 Light" panose="00000300000000000000" pitchFamily="2" charset="-127"/>
-                <a:ea typeface="KoPubWorld돋움체 Light" panose="00000300000000000000" pitchFamily="2" charset="-127"/>
-                <a:cs typeface="KoPubWorld돋움체 Light" panose="00000300000000000000" pitchFamily="2" charset="-127"/>
-              </a:rPr>
-              <a:t>주변에 게임 서버를 공부하는 친구도 없고 서버 프로그래밍 수업은 </a:t>
-            </a:r>
-            <a:r>
-              <a:rPr lang="en-US" altLang="ko-KR" sz="1100" dirty="0" smtClean="0">
-                <a:solidFill>
-                  <a:schemeClr val="tx1">
-                    <a:lumMod val="75000"/>
-                    <a:lumOff val="25000"/>
-                  </a:schemeClr>
-                </a:solidFill>
-                <a:latin typeface="KoPubWorld돋움체 Light" panose="00000300000000000000" pitchFamily="2" charset="-127"/>
-                <a:ea typeface="KoPubWorld돋움체 Light" panose="00000300000000000000" pitchFamily="2" charset="-127"/>
-                <a:cs typeface="KoPubWorld돋움체 Light" panose="00000300000000000000" pitchFamily="2" charset="-127"/>
-              </a:rPr>
-              <a:t>3</a:t>
-            </a:r>
-            <a:r>
-              <a:rPr lang="ko-KR" altLang="en-US" sz="1100" dirty="0" smtClean="0">
-                <a:solidFill>
-                  <a:schemeClr val="tx1">
-                    <a:lumMod val="75000"/>
-                    <a:lumOff val="25000"/>
-                  </a:schemeClr>
-                </a:solidFill>
-                <a:latin typeface="KoPubWorld돋움체 Light" panose="00000300000000000000" pitchFamily="2" charset="-127"/>
-                <a:ea typeface="KoPubWorld돋움체 Light" panose="00000300000000000000" pitchFamily="2" charset="-127"/>
-                <a:cs typeface="KoPubWorld돋움체 Light" panose="00000300000000000000" pitchFamily="2" charset="-127"/>
-              </a:rPr>
-              <a:t>학년 때부터 배우기 때문에 공부하는 데 많은 어려움이 있었지만</a:t>
-            </a:r>
-            <a:r>
-              <a:rPr lang="en-US" altLang="ko-KR" sz="1100" dirty="0" smtClean="0">
-                <a:solidFill>
-                  <a:schemeClr val="tx1">
-                    <a:lumMod val="75000"/>
-                    <a:lumOff val="25000"/>
-                  </a:schemeClr>
-                </a:solidFill>
-                <a:latin typeface="KoPubWorld돋움체 Light" panose="00000300000000000000" pitchFamily="2" charset="-127"/>
-                <a:ea typeface="KoPubWorld돋움체 Light" panose="00000300000000000000" pitchFamily="2" charset="-127"/>
-                <a:cs typeface="KoPubWorld돋움체 Light" panose="00000300000000000000" pitchFamily="2" charset="-127"/>
-              </a:rPr>
-              <a:t>,</a:t>
-            </a:r>
-            <a:r>
-              <a:rPr lang="ko-KR" altLang="en-US" sz="1100" dirty="0" smtClean="0">
-                <a:solidFill>
-                  <a:schemeClr val="tx1">
-                    <a:lumMod val="75000"/>
-                    <a:lumOff val="25000"/>
-                  </a:schemeClr>
-                </a:solidFill>
-                <a:latin typeface="KoPubWorld돋움체 Light" panose="00000300000000000000" pitchFamily="2" charset="-127"/>
-                <a:ea typeface="KoPubWorld돋움체 Light" panose="00000300000000000000" pitchFamily="2" charset="-127"/>
-                <a:cs typeface="KoPubWorld돋움체 Light" panose="00000300000000000000" pitchFamily="2" charset="-127"/>
-              </a:rPr>
-              <a:t> 도서관에 있는 책과 인터넷을 참고하며 꾸준히 공부하였습니다</a:t>
-            </a:r>
-            <a:r>
-              <a:rPr lang="en-US" altLang="ko-KR" sz="1100" dirty="0" smtClean="0">
-                <a:solidFill>
-                  <a:schemeClr val="tx1">
-                    <a:lumMod val="75000"/>
-                    <a:lumOff val="25000"/>
-                  </a:schemeClr>
-                </a:solidFill>
-                <a:latin typeface="KoPubWorld돋움체 Light" panose="00000300000000000000" pitchFamily="2" charset="-127"/>
-                <a:ea typeface="KoPubWorld돋움체 Light" panose="00000300000000000000" pitchFamily="2" charset="-127"/>
-                <a:cs typeface="KoPubWorld돋움체 Light" panose="00000300000000000000" pitchFamily="2" charset="-127"/>
-              </a:rPr>
-              <a:t>.</a:t>
-            </a:r>
-          </a:p>
-          <a:p>
-            <a:pPr>
-              <a:spcBef>
-                <a:spcPts val="400"/>
-              </a:spcBef>
-            </a:pPr>
-            <a:endParaRPr lang="en-US" altLang="ko-KR" sz="1100" dirty="0" smtClean="0">
-              <a:solidFill>
-                <a:schemeClr val="tx1">
-                  <a:lumMod val="75000"/>
-                  <a:lumOff val="25000"/>
-                </a:schemeClr>
-              </a:solidFill>
-              <a:latin typeface="KoPubWorld돋움체 Light" panose="00000300000000000000" pitchFamily="2" charset="-127"/>
-              <a:ea typeface="KoPubWorld돋움체 Light" panose="00000300000000000000" pitchFamily="2" charset="-127"/>
-              <a:cs typeface="KoPubWorld돋움체 Light" panose="00000300000000000000" pitchFamily="2" charset="-127"/>
-            </a:endParaRPr>
-          </a:p>
-          <a:p>
-            <a:pPr>
-              <a:spcBef>
-                <a:spcPts val="400"/>
-              </a:spcBef>
-            </a:pPr>
-            <a:r>
-              <a:rPr lang="en-US" altLang="ko-KR" sz="1100" dirty="0" smtClean="0">
-                <a:solidFill>
-                  <a:schemeClr val="tx1">
-                    <a:lumMod val="75000"/>
-                    <a:lumOff val="25000"/>
-                  </a:schemeClr>
-                </a:solidFill>
-                <a:latin typeface="KoPubWorld돋움체 Light" panose="00000300000000000000" pitchFamily="2" charset="-127"/>
-                <a:ea typeface="KoPubWorld돋움체 Light" panose="00000300000000000000" pitchFamily="2" charset="-127"/>
-                <a:cs typeface="KoPubWorld돋움체 Light" panose="00000300000000000000" pitchFamily="2" charset="-127"/>
-              </a:rPr>
-              <a:t>2</a:t>
-            </a:r>
-            <a:r>
-              <a:rPr lang="ko-KR" altLang="en-US" sz="1100" dirty="0">
-                <a:solidFill>
-                  <a:schemeClr val="tx1">
-                    <a:lumMod val="75000"/>
-                    <a:lumOff val="25000"/>
-                  </a:schemeClr>
-                </a:solidFill>
-                <a:latin typeface="KoPubWorld돋움체 Light" panose="00000300000000000000" pitchFamily="2" charset="-127"/>
-                <a:ea typeface="KoPubWorld돋움체 Light" panose="00000300000000000000" pitchFamily="2" charset="-127"/>
-                <a:cs typeface="KoPubWorld돋움체 Light" panose="00000300000000000000" pitchFamily="2" charset="-127"/>
-              </a:rPr>
-              <a:t>학년이 되었을 때는 기능경기대회를 위해 </a:t>
-            </a:r>
-            <a:r>
-              <a:rPr lang="en-US" altLang="ko-KR" sz="1100" dirty="0">
-                <a:solidFill>
-                  <a:schemeClr val="tx1">
-                    <a:lumMod val="75000"/>
-                    <a:lumOff val="25000"/>
-                  </a:schemeClr>
-                </a:solidFill>
-                <a:latin typeface="KoPubWorld돋움체 Light" panose="00000300000000000000" pitchFamily="2" charset="-127"/>
-                <a:ea typeface="KoPubWorld돋움체 Light" panose="00000300000000000000" pitchFamily="2" charset="-127"/>
-                <a:cs typeface="KoPubWorld돋움체 Light" panose="00000300000000000000" pitchFamily="2" charset="-127"/>
-              </a:rPr>
-              <a:t>DirectX</a:t>
-            </a:r>
-            <a:r>
-              <a:rPr lang="ko-KR" altLang="en-US" sz="1100" dirty="0">
-                <a:solidFill>
-                  <a:schemeClr val="tx1">
-                    <a:lumMod val="75000"/>
-                    <a:lumOff val="25000"/>
-                  </a:schemeClr>
-                </a:solidFill>
-                <a:latin typeface="KoPubWorld돋움체 Light" panose="00000300000000000000" pitchFamily="2" charset="-127"/>
-                <a:ea typeface="KoPubWorld돋움체 Light" panose="00000300000000000000" pitchFamily="2" charset="-127"/>
-                <a:cs typeface="KoPubWorld돋움체 Light" panose="00000300000000000000" pitchFamily="2" charset="-127"/>
-              </a:rPr>
-              <a:t>를 독학하였고 자체 프레임 워크와 네트워크 라이브러리를 만들어 여러 가지 네트워크 게임을 제작하였습니다</a:t>
-            </a:r>
-            <a:r>
-              <a:rPr lang="en-US" altLang="ko-KR" sz="1100" dirty="0" smtClean="0">
-                <a:solidFill>
-                  <a:schemeClr val="tx1">
-                    <a:lumMod val="75000"/>
-                    <a:lumOff val="25000"/>
-                  </a:schemeClr>
-                </a:solidFill>
-                <a:latin typeface="KoPubWorld돋움체 Light" panose="00000300000000000000" pitchFamily="2" charset="-127"/>
-                <a:ea typeface="KoPubWorld돋움체 Light" panose="00000300000000000000" pitchFamily="2" charset="-127"/>
-                <a:cs typeface="KoPubWorld돋움체 Light" panose="00000300000000000000" pitchFamily="2" charset="-127"/>
-              </a:rPr>
-              <a:t>.</a:t>
-            </a:r>
-          </a:p>
-          <a:p>
-            <a:pPr>
-              <a:spcBef>
-                <a:spcPts val="400"/>
-              </a:spcBef>
-            </a:pPr>
-            <a:endParaRPr lang="en-US" altLang="ko-KR" sz="1100" dirty="0">
-              <a:solidFill>
-                <a:schemeClr val="tx1">
-                  <a:lumMod val="75000"/>
-                  <a:lumOff val="25000"/>
-                </a:schemeClr>
-              </a:solidFill>
-              <a:latin typeface="KoPubWorld돋움체 Light" panose="00000300000000000000" pitchFamily="2" charset="-127"/>
-              <a:ea typeface="KoPubWorld돋움체 Light" panose="00000300000000000000" pitchFamily="2" charset="-127"/>
-              <a:cs typeface="KoPubWorld돋움체 Light" panose="00000300000000000000" pitchFamily="2" charset="-127"/>
-            </a:endParaRPr>
-          </a:p>
-          <a:p>
-            <a:pPr>
-              <a:spcBef>
-                <a:spcPts val="400"/>
-              </a:spcBef>
-            </a:pPr>
-            <a:r>
-              <a:rPr lang="ko-KR" altLang="en-US" sz="1100" dirty="0">
-                <a:solidFill>
-                  <a:schemeClr val="tx1">
-                    <a:lumMod val="75000"/>
-                    <a:lumOff val="25000"/>
-                  </a:schemeClr>
-                </a:solidFill>
-                <a:latin typeface="KoPubWorld돋움체 Light" panose="00000300000000000000" pitchFamily="2" charset="-127"/>
-                <a:ea typeface="KoPubWorld돋움체 Light" panose="00000300000000000000" pitchFamily="2" charset="-127"/>
-                <a:cs typeface="KoPubWorld돋움체 Light" panose="00000300000000000000" pitchFamily="2" charset="-127"/>
-              </a:rPr>
-              <a:t>네트워크 라이브러리를 제작할 때 대부분의 </a:t>
-            </a:r>
-            <a:r>
-              <a:rPr lang="ko-KR" altLang="en-US" sz="1100" dirty="0" err="1">
-                <a:solidFill>
-                  <a:schemeClr val="tx1">
-                    <a:lumMod val="75000"/>
-                    <a:lumOff val="25000"/>
-                  </a:schemeClr>
-                </a:solidFill>
-                <a:latin typeface="KoPubWorld돋움체 Light" panose="00000300000000000000" pitchFamily="2" charset="-127"/>
-                <a:ea typeface="KoPubWorld돋움체 Light" panose="00000300000000000000" pitchFamily="2" charset="-127"/>
-                <a:cs typeface="KoPubWorld돋움체 Light" panose="00000300000000000000" pitchFamily="2" charset="-127"/>
-              </a:rPr>
-              <a:t>자료형을</a:t>
-            </a:r>
-            <a:r>
-              <a:rPr lang="ko-KR" altLang="en-US" sz="1100" dirty="0">
-                <a:solidFill>
-                  <a:schemeClr val="tx1">
-                    <a:lumMod val="75000"/>
-                    <a:lumOff val="25000"/>
-                  </a:schemeClr>
-                </a:solidFill>
-                <a:latin typeface="KoPubWorld돋움체 Light" panose="00000300000000000000" pitchFamily="2" charset="-127"/>
-                <a:ea typeface="KoPubWorld돋움체 Light" panose="00000300000000000000" pitchFamily="2" charset="-127"/>
-                <a:cs typeface="KoPubWorld돋움체 Light" panose="00000300000000000000" pitchFamily="2" charset="-127"/>
-              </a:rPr>
-              <a:t> 지원하고 크기가 유동적인 패킷 구조를 만들어 네트워크 </a:t>
-            </a:r>
-            <a:r>
-              <a:rPr lang="ko-KR" altLang="en-US" sz="1100" dirty="0" err="1">
-                <a:solidFill>
-                  <a:schemeClr val="tx1">
-                    <a:lumMod val="75000"/>
-                    <a:lumOff val="25000"/>
-                  </a:schemeClr>
-                </a:solidFill>
-                <a:latin typeface="KoPubWorld돋움체 Light" panose="00000300000000000000" pitchFamily="2" charset="-127"/>
-                <a:ea typeface="KoPubWorld돋움체 Light" panose="00000300000000000000" pitchFamily="2" charset="-127"/>
-                <a:cs typeface="KoPubWorld돋움체 Light" panose="00000300000000000000" pitchFamily="2" charset="-127"/>
-              </a:rPr>
-              <a:t>통신량을</a:t>
-            </a:r>
-            <a:r>
-              <a:rPr lang="ko-KR" altLang="en-US" sz="1100" dirty="0">
-                <a:solidFill>
-                  <a:schemeClr val="tx1">
-                    <a:lumMod val="75000"/>
-                    <a:lumOff val="25000"/>
-                  </a:schemeClr>
-                </a:solidFill>
-                <a:latin typeface="KoPubWorld돋움체 Light" panose="00000300000000000000" pitchFamily="2" charset="-127"/>
-                <a:ea typeface="KoPubWorld돋움체 Light" panose="00000300000000000000" pitchFamily="2" charset="-127"/>
-                <a:cs typeface="KoPubWorld돋움체 Light" panose="00000300000000000000" pitchFamily="2" charset="-127"/>
-              </a:rPr>
-              <a:t> 절약하면서 간단하게 데이터를 전송할 수 있게끔 하였습니다</a:t>
-            </a:r>
-            <a:r>
-              <a:rPr lang="en-US" altLang="ko-KR" sz="1100" dirty="0">
-                <a:solidFill>
-                  <a:schemeClr val="tx1">
-                    <a:lumMod val="75000"/>
-                    <a:lumOff val="25000"/>
-                  </a:schemeClr>
-                </a:solidFill>
-                <a:latin typeface="KoPubWorld돋움체 Light" panose="00000300000000000000" pitchFamily="2" charset="-127"/>
-                <a:ea typeface="KoPubWorld돋움체 Light" panose="00000300000000000000" pitchFamily="2" charset="-127"/>
-                <a:cs typeface="KoPubWorld돋움체 Light" panose="00000300000000000000" pitchFamily="2" charset="-127"/>
-              </a:rPr>
-              <a:t>.</a:t>
-            </a:r>
-          </a:p>
-          <a:p>
-            <a:pPr>
-              <a:spcBef>
-                <a:spcPts val="400"/>
-              </a:spcBef>
-            </a:pPr>
-            <a:endParaRPr lang="en-US" altLang="ko-KR" sz="1100" dirty="0">
-              <a:solidFill>
-                <a:schemeClr val="tx1">
-                  <a:lumMod val="75000"/>
-                  <a:lumOff val="25000"/>
-                </a:schemeClr>
-              </a:solidFill>
-              <a:latin typeface="KoPubWorld돋움체 Light" panose="00000300000000000000" pitchFamily="2" charset="-127"/>
-              <a:ea typeface="KoPubWorld돋움체 Light" panose="00000300000000000000" pitchFamily="2" charset="-127"/>
-              <a:cs typeface="KoPubWorld돋움체 Light" panose="00000300000000000000" pitchFamily="2" charset="-127"/>
-            </a:endParaRPr>
-          </a:p>
-          <a:p>
-            <a:pPr>
-              <a:spcBef>
-                <a:spcPts val="400"/>
-              </a:spcBef>
-            </a:pPr>
-            <a:r>
-              <a:rPr lang="ko-KR" altLang="en-US" sz="1100" dirty="0" smtClean="0">
-                <a:solidFill>
-                  <a:schemeClr val="tx1">
-                    <a:lumMod val="75000"/>
-                    <a:lumOff val="25000"/>
-                  </a:schemeClr>
-                </a:solidFill>
-                <a:latin typeface="KoPubWorld돋움체 Light" panose="00000300000000000000" pitchFamily="2" charset="-127"/>
-                <a:ea typeface="KoPubWorld돋움체 Light" panose="00000300000000000000" pitchFamily="2" charset="-127"/>
-                <a:cs typeface="KoPubWorld돋움체 Light" panose="00000300000000000000" pitchFamily="2" charset="-127"/>
-              </a:rPr>
-              <a:t>팀 </a:t>
-            </a:r>
-            <a:r>
-              <a:rPr lang="ko-KR" altLang="en-US" sz="1100" dirty="0">
-                <a:solidFill>
-                  <a:schemeClr val="tx1">
-                    <a:lumMod val="75000"/>
-                    <a:lumOff val="25000"/>
-                  </a:schemeClr>
-                </a:solidFill>
-                <a:latin typeface="KoPubWorld돋움체 Light" panose="00000300000000000000" pitchFamily="2" charset="-127"/>
-                <a:ea typeface="KoPubWorld돋움체 Light" panose="00000300000000000000" pitchFamily="2" charset="-127"/>
-                <a:cs typeface="KoPubWorld돋움체 Light" panose="00000300000000000000" pitchFamily="2" charset="-127"/>
-              </a:rPr>
-              <a:t>프로젝트를 통하여 게임을 제작하면서 서로의 역할을 나누고 분업하여 팀 프로젝트에 대한 경험을 쌓을 수 있었습니다</a:t>
-            </a:r>
-            <a:r>
-              <a:rPr lang="en-US" altLang="ko-KR" sz="1100" dirty="0" smtClean="0">
-                <a:solidFill>
-                  <a:schemeClr val="tx1">
-                    <a:lumMod val="75000"/>
-                    <a:lumOff val="25000"/>
-                  </a:schemeClr>
-                </a:solidFill>
-                <a:latin typeface="KoPubWorld돋움체 Light" panose="00000300000000000000" pitchFamily="2" charset="-127"/>
-                <a:ea typeface="KoPubWorld돋움체 Light" panose="00000300000000000000" pitchFamily="2" charset="-127"/>
-                <a:cs typeface="KoPubWorld돋움체 Light" panose="00000300000000000000" pitchFamily="2" charset="-127"/>
-              </a:rPr>
-              <a:t>.</a:t>
-            </a:r>
-            <a:endParaRPr lang="en-US" altLang="ko-KR" sz="1100" dirty="0">
-              <a:solidFill>
-                <a:schemeClr val="tx1">
-                  <a:lumMod val="75000"/>
-                  <a:lumOff val="25000"/>
-                </a:schemeClr>
-              </a:solidFill>
-              <a:latin typeface="KoPubWorld돋움체 Light" panose="00000300000000000000" pitchFamily="2" charset="-127"/>
-              <a:ea typeface="KoPubWorld돋움체 Light" panose="00000300000000000000" pitchFamily="2" charset="-127"/>
-              <a:cs typeface="KoPubWorld돋움체 Light" panose="00000300000000000000" pitchFamily="2" charset="-127"/>
-            </a:endParaRPr>
-          </a:p>
-        </p:txBody>
-      </p:sp>
-      <p:sp>
-        <p:nvSpPr>
-          <p:cNvPr id="7" name="TextBox 6"/>
-          <p:cNvSpPr txBox="1"/>
-          <p:nvPr/>
-        </p:nvSpPr>
-        <p:spPr>
-          <a:xfrm>
-            <a:off x="516733" y="1242792"/>
-            <a:ext cx="1492716" cy="523220"/>
-          </a:xfrm>
-          <a:prstGeom prst="rect">
-            <a:avLst/>
-          </a:prstGeom>
-          <a:noFill/>
-        </p:spPr>
-        <p:txBody>
-          <a:bodyPr wrap="none" rtlCol="0">
-            <a:spAutoFit/>
-          </a:bodyPr>
-          <a:lstStyle/>
-          <a:p>
-            <a:pPr algn="r"/>
-            <a:r>
-              <a:rPr lang="ko-KR" altLang="en-US" sz="1400" b="1" dirty="0" smtClean="0">
-                <a:solidFill>
-                  <a:schemeClr val="tx1">
-                    <a:lumMod val="75000"/>
-                    <a:lumOff val="25000"/>
-                  </a:schemeClr>
-                </a:solidFill>
-                <a:latin typeface="KoPubWorld돋움체 Bold" panose="00000800000000000000" pitchFamily="2" charset="-127"/>
-                <a:ea typeface="KoPubWorld돋움체 Bold" panose="00000800000000000000" pitchFamily="2" charset="-127"/>
-                <a:cs typeface="KoPubWorld돋움체 Bold" panose="00000800000000000000" pitchFamily="2" charset="-127"/>
-              </a:rPr>
-              <a:t>프로그래밍을</a:t>
-            </a:r>
-            <a:endParaRPr lang="en-US" altLang="ko-KR" sz="1400" b="1" dirty="0" smtClean="0">
-              <a:solidFill>
-                <a:schemeClr val="tx1">
-                  <a:lumMod val="75000"/>
-                  <a:lumOff val="25000"/>
-                </a:schemeClr>
-              </a:solidFill>
-              <a:latin typeface="KoPubWorld돋움체 Bold" panose="00000800000000000000" pitchFamily="2" charset="-127"/>
-              <a:ea typeface="KoPubWorld돋움체 Bold" panose="00000800000000000000" pitchFamily="2" charset="-127"/>
-              <a:cs typeface="KoPubWorld돋움체 Bold" panose="00000800000000000000" pitchFamily="2" charset="-127"/>
-            </a:endParaRPr>
-          </a:p>
-          <a:p>
-            <a:pPr algn="r"/>
-            <a:r>
-              <a:rPr lang="ko-KR" altLang="en-US" sz="1400" b="1" dirty="0" smtClean="0">
-                <a:solidFill>
-                  <a:schemeClr val="tx1">
-                    <a:lumMod val="75000"/>
-                    <a:lumOff val="25000"/>
-                  </a:schemeClr>
-                </a:solidFill>
-                <a:latin typeface="KoPubWorld돋움체 Bold" panose="00000800000000000000" pitchFamily="2" charset="-127"/>
-                <a:ea typeface="KoPubWorld돋움체 Bold" panose="00000800000000000000" pitchFamily="2" charset="-127"/>
-                <a:cs typeface="KoPubWorld돋움체 Bold" panose="00000800000000000000" pitchFamily="2" charset="-127"/>
-              </a:rPr>
-              <a:t>배우기로 결심하다</a:t>
-            </a:r>
-            <a:endParaRPr lang="ko-KR" altLang="en-US" sz="1400" b="1" dirty="0">
-              <a:solidFill>
-                <a:schemeClr val="tx1">
-                  <a:lumMod val="75000"/>
-                  <a:lumOff val="25000"/>
-                </a:schemeClr>
-              </a:solidFill>
-              <a:latin typeface="KoPubWorld돋움체 Bold" panose="00000800000000000000" pitchFamily="2" charset="-127"/>
-              <a:ea typeface="KoPubWorld돋움체 Bold" panose="00000800000000000000" pitchFamily="2" charset="-127"/>
-              <a:cs typeface="KoPubWorld돋움체 Bold" panose="00000800000000000000" pitchFamily="2" charset="-127"/>
-            </a:endParaRPr>
-          </a:p>
-        </p:txBody>
-      </p:sp>
-      <p:sp>
-        <p:nvSpPr>
-          <p:cNvPr id="8" name="TextBox 7"/>
-          <p:cNvSpPr txBox="1"/>
-          <p:nvPr/>
-        </p:nvSpPr>
-        <p:spPr>
-          <a:xfrm>
-            <a:off x="154578" y="3764776"/>
-            <a:ext cx="1837112" cy="523220"/>
-          </a:xfrm>
-          <a:prstGeom prst="rect">
-            <a:avLst/>
-          </a:prstGeom>
-          <a:noFill/>
-        </p:spPr>
-        <p:txBody>
-          <a:bodyPr wrap="square" rtlCol="0">
-            <a:spAutoFit/>
-          </a:bodyPr>
-          <a:lstStyle/>
-          <a:p>
-            <a:pPr algn="r"/>
-            <a:r>
-              <a:rPr lang="ko-KR" altLang="en-US" sz="1400" b="1" dirty="0" smtClean="0">
-                <a:solidFill>
-                  <a:schemeClr val="tx1">
-                    <a:lumMod val="75000"/>
-                    <a:lumOff val="25000"/>
-                  </a:schemeClr>
-                </a:solidFill>
-                <a:latin typeface="KoPubWorld돋움체 Bold" panose="00000800000000000000" pitchFamily="2" charset="-127"/>
-                <a:ea typeface="KoPubWorld돋움체 Bold" panose="00000800000000000000" pitchFamily="2" charset="-127"/>
-                <a:cs typeface="KoPubWorld돋움체 Bold" panose="00000800000000000000" pitchFamily="2" charset="-127"/>
-              </a:rPr>
-              <a:t>프로그래밍에 </a:t>
-            </a:r>
-            <a:endParaRPr lang="en-US" altLang="ko-KR" sz="1400" b="1" dirty="0" smtClean="0">
-              <a:solidFill>
-                <a:schemeClr val="tx1">
-                  <a:lumMod val="75000"/>
-                  <a:lumOff val="25000"/>
-                </a:schemeClr>
-              </a:solidFill>
-              <a:latin typeface="KoPubWorld돋움체 Bold" panose="00000800000000000000" pitchFamily="2" charset="-127"/>
-              <a:ea typeface="KoPubWorld돋움체 Bold" panose="00000800000000000000" pitchFamily="2" charset="-127"/>
-              <a:cs typeface="KoPubWorld돋움체 Bold" panose="00000800000000000000" pitchFamily="2" charset="-127"/>
-            </a:endParaRPr>
-          </a:p>
-          <a:p>
-            <a:pPr algn="r"/>
-            <a:r>
-              <a:rPr lang="ko-KR" altLang="en-US" sz="1400" b="1" dirty="0" smtClean="0">
-                <a:solidFill>
-                  <a:schemeClr val="tx1">
-                    <a:lumMod val="75000"/>
-                    <a:lumOff val="25000"/>
-                  </a:schemeClr>
-                </a:solidFill>
-                <a:latin typeface="KoPubWorld돋움체 Bold" panose="00000800000000000000" pitchFamily="2" charset="-127"/>
-                <a:ea typeface="KoPubWorld돋움체 Bold" panose="00000800000000000000" pitchFamily="2" charset="-127"/>
-                <a:cs typeface="KoPubWorld돋움체 Bold" panose="00000800000000000000" pitchFamily="2" charset="-127"/>
-              </a:rPr>
-              <a:t>재미를 붙이다</a:t>
-            </a:r>
-            <a:endParaRPr lang="en-US" altLang="ko-KR" sz="1400" b="1" dirty="0" smtClean="0">
-              <a:solidFill>
-                <a:schemeClr val="tx1">
-                  <a:lumMod val="75000"/>
-                  <a:lumOff val="25000"/>
-                </a:schemeClr>
-              </a:solidFill>
-              <a:latin typeface="KoPubWorld돋움체 Bold" panose="00000800000000000000" pitchFamily="2" charset="-127"/>
-              <a:ea typeface="KoPubWorld돋움체 Bold" panose="00000800000000000000" pitchFamily="2" charset="-127"/>
-              <a:cs typeface="KoPubWorld돋움체 Bold" panose="00000800000000000000" pitchFamily="2" charset="-127"/>
-            </a:endParaRPr>
-          </a:p>
-        </p:txBody>
-      </p:sp>
-      <p:sp>
-        <p:nvSpPr>
-          <p:cNvPr id="9" name="직사각형 8"/>
-          <p:cNvSpPr/>
-          <p:nvPr/>
-        </p:nvSpPr>
-        <p:spPr>
-          <a:xfrm rot="5400000" flipV="1">
-            <a:off x="978122" y="2311675"/>
-            <a:ext cx="2111152" cy="48497"/>
-          </a:xfrm>
-          <a:prstGeom prst="rect">
-            <a:avLst/>
-          </a:prstGeom>
-          <a:solidFill>
-            <a:schemeClr val="bg2"/>
-          </a:solidFill>
-          <a:ln>
-            <a:solidFill>
-              <a:schemeClr val="bg1"/>
-            </a:solidFill>
-          </a:ln>
-        </p:spPr>
-        <p:style>
-          <a:lnRef idx="2">
-            <a:schemeClr val="accent1">
-              <a:shade val="50000"/>
-            </a:schemeClr>
-          </a:lnRef>
-          <a:fillRef idx="1">
-            <a:schemeClr val="accent1"/>
-          </a:fillRef>
-          <a:effectRef idx="0">
-            <a:schemeClr val="accent1"/>
-          </a:effectRef>
-          <a:fontRef idx="minor">
-            <a:schemeClr val="lt1"/>
-          </a:fontRef>
-        </p:style>
-        <p:txBody>
-          <a:bodyPr rtlCol="0" anchor="ctr"/>
-          <a:lstStyle/>
-          <a:p>
-            <a:pPr algn="ctr"/>
-            <a:endParaRPr lang="ko-KR" altLang="en-US">
-              <a:solidFill>
-                <a:schemeClr val="bg2">
-                  <a:lumMod val="90000"/>
-                </a:schemeClr>
-              </a:solidFill>
-            </a:endParaRPr>
-          </a:p>
-        </p:txBody>
-      </p:sp>
-      <p:sp>
-        <p:nvSpPr>
-          <p:cNvPr id="10" name="직사각형 9"/>
-          <p:cNvSpPr/>
-          <p:nvPr/>
-        </p:nvSpPr>
-        <p:spPr>
-          <a:xfrm rot="5400000" flipV="1">
-            <a:off x="-200760" y="5806258"/>
-            <a:ext cx="4466137" cy="45719"/>
-          </a:xfrm>
-          <a:prstGeom prst="rect">
-            <a:avLst/>
-          </a:prstGeom>
-          <a:solidFill>
-            <a:schemeClr val="bg2"/>
-          </a:solidFill>
-          <a:ln>
-            <a:solidFill>
-              <a:schemeClr val="bg1"/>
-            </a:solidFill>
-          </a:ln>
-        </p:spPr>
-        <p:style>
-          <a:lnRef idx="2">
-            <a:schemeClr val="accent1">
-              <a:shade val="50000"/>
-            </a:schemeClr>
-          </a:lnRef>
-          <a:fillRef idx="1">
-            <a:schemeClr val="accent1"/>
-          </a:fillRef>
-          <a:effectRef idx="0">
-            <a:schemeClr val="accent1"/>
-          </a:effectRef>
-          <a:fontRef idx="minor">
-            <a:schemeClr val="lt1"/>
-          </a:fontRef>
-        </p:style>
-        <p:txBody>
-          <a:bodyPr rtlCol="0" anchor="ctr"/>
-          <a:lstStyle/>
-          <a:p>
-            <a:pPr algn="ctr"/>
-            <a:endParaRPr lang="ko-KR" altLang="en-US">
-              <a:solidFill>
-                <a:schemeClr val="bg2">
-                  <a:lumMod val="90000"/>
-                </a:schemeClr>
-              </a:solidFill>
-            </a:endParaRPr>
-          </a:p>
-        </p:txBody>
-      </p:sp>
-    </p:spTree>
-    <p:extLst>
-      <p:ext uri="{BB962C8B-B14F-4D97-AF65-F5344CB8AC3E}">
-        <p14:creationId xmlns:p14="http://schemas.microsoft.com/office/powerpoint/2010/main" val="2130392082"/>
-      </p:ext>
-    </p:extLst>
-  </p:cSld>
-  <p:clrMapOvr>
-    <a:masterClrMapping/>
-  </p:clrMapOvr>
-  <p:timing>
-    <p:tnLst>
-      <p:par>
-        <p:cTn id="1" dur="indefinite" restart="never" nodeType="tmRoot"/>
-      </p:par>
-    </p:tnLst>
-  </p:timing>
-</p:sld>
-</file>
-
-<file path=ppt/slides/slide4.xml><?xml version="1.0" encoding="utf-8"?>
-<p:sld xmlns:a="http://schemas.openxmlformats.org/drawingml/2006/main" xmlns:r="http://schemas.openxmlformats.org/officeDocument/2006/relationships" xmlns:p="http://schemas.openxmlformats.org/presentationml/2006/main">
-  <p:cSld>
-    <p:spTree>
-      <p:nvGrpSpPr>
-        <p:cNvPr id="1" name=""/>
-        <p:cNvGrpSpPr/>
-        <p:nvPr/>
-      </p:nvGrpSpPr>
-      <p:grpSpPr>
-        <a:xfrm>
-          <a:off x="0" y="0"/>
-          <a:ext cx="0" cy="0"/>
-          <a:chOff x="0" y="0"/>
-          <a:chExt cx="0" cy="0"/>
-        </a:xfrm>
-      </p:grpSpPr>
-      <p:sp>
-        <p:nvSpPr>
-          <p:cNvPr id="2" name="슬라이드 번호 개체 틀 1"/>
-          <p:cNvSpPr>
-            <a:spLocks noGrp="1"/>
-          </p:cNvSpPr>
-          <p:nvPr>
-            <p:ph type="sldNum" sz="quarter" idx="12"/>
-          </p:nvPr>
-        </p:nvSpPr>
-        <p:spPr>
-          <a:xfrm>
-            <a:off x="4843463" y="8588679"/>
-            <a:ext cx="1543050" cy="527403"/>
-          </a:xfrm>
-        </p:spPr>
-        <p:txBody>
-          <a:bodyPr/>
-          <a:lstStyle/>
-          <a:p>
-            <a:fld id="{0D6886AC-AB13-48B4-BCE5-3DFA803B9056}" type="slidenum">
-              <a:rPr lang="ko-KR" altLang="en-US" smtClean="0"/>
-              <a:t>4</a:t>
-            </a:fld>
-            <a:endParaRPr lang="ko-KR" altLang="en-US"/>
-          </a:p>
-        </p:txBody>
-      </p:sp>
-      <p:sp>
-        <p:nvSpPr>
-          <p:cNvPr id="3" name="직사각형 2"/>
-          <p:cNvSpPr/>
-          <p:nvPr/>
-        </p:nvSpPr>
-        <p:spPr>
-          <a:xfrm flipV="1">
-            <a:off x="316523" y="770926"/>
-            <a:ext cx="6304908" cy="90229"/>
-          </a:xfrm>
-          <a:prstGeom prst="rect">
-            <a:avLst/>
-          </a:prstGeom>
-          <a:solidFill>
-            <a:schemeClr val="bg2">
-              <a:lumMod val="90000"/>
-            </a:schemeClr>
-          </a:solidFill>
-          <a:ln>
-            <a:solidFill>
-              <a:schemeClr val="bg1"/>
-            </a:solidFill>
-          </a:ln>
-        </p:spPr>
-        <p:style>
-          <a:lnRef idx="2">
-            <a:schemeClr val="accent1">
-              <a:shade val="50000"/>
-            </a:schemeClr>
-          </a:lnRef>
-          <a:fillRef idx="1">
-            <a:schemeClr val="accent1"/>
-          </a:fillRef>
-          <a:effectRef idx="0">
-            <a:schemeClr val="accent1"/>
-          </a:effectRef>
-          <a:fontRef idx="minor">
-            <a:schemeClr val="lt1"/>
-          </a:fontRef>
-        </p:style>
-        <p:txBody>
-          <a:bodyPr rtlCol="0" anchor="ctr"/>
-          <a:lstStyle/>
-          <a:p>
-            <a:pPr algn="ctr"/>
-            <a:endParaRPr lang="ko-KR" altLang="en-US"/>
-          </a:p>
-        </p:txBody>
-      </p:sp>
-      <p:sp>
-        <p:nvSpPr>
-          <p:cNvPr id="4" name="직사각형 3"/>
-          <p:cNvSpPr/>
-          <p:nvPr/>
-        </p:nvSpPr>
-        <p:spPr>
-          <a:xfrm flipV="1">
-            <a:off x="316523" y="9024425"/>
-            <a:ext cx="6304908" cy="90229"/>
-          </a:xfrm>
-          <a:prstGeom prst="rect">
-            <a:avLst/>
-          </a:prstGeom>
-          <a:solidFill>
-            <a:schemeClr val="bg2">
-              <a:lumMod val="90000"/>
-            </a:schemeClr>
-          </a:solidFill>
-          <a:ln>
-            <a:solidFill>
-              <a:schemeClr val="bg1"/>
-            </a:solidFill>
-          </a:ln>
-        </p:spPr>
-        <p:style>
-          <a:lnRef idx="2">
-            <a:schemeClr val="accent1">
-              <a:shade val="50000"/>
-            </a:schemeClr>
-          </a:lnRef>
-          <a:fillRef idx="1">
-            <a:schemeClr val="accent1"/>
-          </a:fillRef>
-          <a:effectRef idx="0">
-            <a:schemeClr val="accent1"/>
-          </a:effectRef>
-          <a:fontRef idx="minor">
-            <a:schemeClr val="lt1"/>
-          </a:fontRef>
-        </p:style>
-        <p:txBody>
-          <a:bodyPr rtlCol="0" anchor="ctr"/>
-          <a:lstStyle/>
-          <a:p>
-            <a:pPr algn="ctr"/>
-            <a:endParaRPr lang="ko-KR" altLang="en-US"/>
-          </a:p>
-        </p:txBody>
-      </p:sp>
-      <p:sp>
-        <p:nvSpPr>
-          <p:cNvPr id="5" name="TextBox 4"/>
-          <p:cNvSpPr txBox="1"/>
-          <p:nvPr/>
-        </p:nvSpPr>
-        <p:spPr>
-          <a:xfrm>
-            <a:off x="316523" y="401594"/>
-            <a:ext cx="1805302" cy="369332"/>
-          </a:xfrm>
-          <a:prstGeom prst="rect">
-            <a:avLst/>
-          </a:prstGeom>
-          <a:noFill/>
-        </p:spPr>
-        <p:txBody>
-          <a:bodyPr wrap="none" rtlCol="0">
-            <a:spAutoFit/>
-          </a:bodyPr>
-          <a:lstStyle/>
-          <a:p>
-            <a:r>
-              <a:rPr lang="ko-KR" altLang="en-US" dirty="0" smtClean="0">
-                <a:solidFill>
-                  <a:schemeClr val="bg1"/>
-                </a:solidFill>
-              </a:rPr>
-              <a:t>자기소개서 </a:t>
-            </a:r>
-            <a:r>
-              <a:rPr lang="en-US" altLang="ko-KR" sz="1100" dirty="0">
-                <a:solidFill>
-                  <a:schemeClr val="bg1"/>
-                </a:solidFill>
-              </a:rPr>
-              <a:t>( </a:t>
-            </a:r>
-            <a:r>
-              <a:rPr lang="en-US" altLang="ko-KR" sz="1100" dirty="0" smtClean="0">
-                <a:solidFill>
-                  <a:schemeClr val="bg1"/>
-                </a:solidFill>
-              </a:rPr>
-              <a:t>2 / </a:t>
-            </a:r>
-            <a:r>
-              <a:rPr lang="en-US" altLang="ko-KR" sz="1100" dirty="0">
-                <a:solidFill>
-                  <a:schemeClr val="bg1"/>
-                </a:solidFill>
-              </a:rPr>
-              <a:t>2 </a:t>
-            </a:r>
-            <a:r>
-              <a:rPr lang="en-US" altLang="ko-KR" sz="1100" dirty="0" smtClean="0">
-                <a:solidFill>
-                  <a:schemeClr val="bg1"/>
-                </a:solidFill>
-              </a:rPr>
-              <a:t>)</a:t>
-            </a:r>
-            <a:endParaRPr lang="ko-KR" altLang="en-US" sz="1100" dirty="0">
-              <a:solidFill>
-                <a:schemeClr val="bg1"/>
-              </a:solidFill>
-            </a:endParaRPr>
-          </a:p>
-        </p:txBody>
-      </p:sp>
-      <p:sp>
-        <p:nvSpPr>
-          <p:cNvPr id="7" name="TextBox 6"/>
-          <p:cNvSpPr txBox="1"/>
-          <p:nvPr/>
-        </p:nvSpPr>
-        <p:spPr>
-          <a:xfrm>
-            <a:off x="2057608" y="1390146"/>
-            <a:ext cx="4095973" cy="3585597"/>
-          </a:xfrm>
-          <a:prstGeom prst="rect">
-            <a:avLst/>
-          </a:prstGeom>
-          <a:noFill/>
-        </p:spPr>
-        <p:txBody>
-          <a:bodyPr wrap="square" rtlCol="0">
-            <a:spAutoFit/>
-          </a:bodyPr>
-          <a:lstStyle/>
           <a:p>
             <a:pPr>
               <a:spcBef>
@@ -9559,6 +7767,20 @@
               </a:spcBef>
             </a:pPr>
             <a:r>
+              <a:rPr lang="en-US" altLang="ko-KR" sz="1100" dirty="0" smtClean="0">
+                <a:solidFill>
+                  <a:schemeClr val="tx1">
+                    <a:lumMod val="75000"/>
+                    <a:lumOff val="25000"/>
+                  </a:schemeClr>
+                </a:solidFill>
+                <a:latin typeface="KoPubWorld돋움체 Light" panose="00000300000000000000" pitchFamily="2" charset="-127"/>
+                <a:ea typeface="KoPubWorld돋움체 Light" panose="00000300000000000000" pitchFamily="2" charset="-127"/>
+                <a:cs typeface="KoPubWorld돋움체 Light" panose="00000300000000000000" pitchFamily="2" charset="-127"/>
+              </a:rPr>
+              <a:t>STAC </a:t>
+            </a:r>
+            <a:r>
               <a:rPr lang="ko-KR" altLang="en-US" sz="1100" dirty="0" smtClean="0">
                 <a:solidFill>
                   <a:schemeClr val="tx1">
@@ -9570,35 +7792,21 @@
                 <a:ea typeface="KoPubWorld돋움체 Light" panose="00000300000000000000" pitchFamily="2" charset="-127"/>
                 <a:cs typeface="KoPubWorld돋움체 Light" panose="00000300000000000000" pitchFamily="2" charset="-127"/>
               </a:rPr>
-              <a:t>고등학교 </a:t>
-            </a:r>
-            <a:r>
-              <a:rPr lang="en-US" altLang="ko-KR" sz="1100" dirty="0">
-                <a:solidFill>
-                  <a:schemeClr val="tx1">
-                    <a:lumMod val="75000"/>
-                    <a:lumOff val="25000"/>
-                  </a:schemeClr>
-                </a:solidFill>
-                <a:latin typeface="KoPubWorld돋움체 Light" panose="00000300000000000000" pitchFamily="2" charset="-127"/>
-                <a:ea typeface="KoPubWorld돋움체 Light" panose="00000300000000000000" pitchFamily="2" charset="-127"/>
-                <a:cs typeface="KoPubWorld돋움체 Light" panose="00000300000000000000" pitchFamily="2" charset="-127"/>
-              </a:rPr>
-              <a:t>3</a:t>
-            </a:r>
-            <a:r>
-              <a:rPr lang="ko-KR" altLang="en-US" sz="1100" dirty="0">
-                <a:solidFill>
-                  <a:schemeClr val="tx1">
-                    <a:lumMod val="75000"/>
-                    <a:lumOff val="25000"/>
-                  </a:schemeClr>
-                </a:solidFill>
-                <a:latin typeface="KoPubWorld돋움체 Light" panose="00000300000000000000" pitchFamily="2" charset="-127"/>
-                <a:ea typeface="KoPubWorld돋움체 Light" panose="00000300000000000000" pitchFamily="2" charset="-127"/>
-                <a:cs typeface="KoPubWorld돋움체 Light" panose="00000300000000000000" pitchFamily="2" charset="-127"/>
-              </a:rPr>
-              <a:t>학년이 되어서는 다시 한 번 기능경기대회에 도전해 </a:t>
+              <a:t>공모전 본선에 진출해 </a:t>
+            </a:r>
+            <a:r>
+              <a:rPr lang="en-US" altLang="ko-KR" sz="1100" dirty="0" smtClean="0">
+                <a:solidFill>
+                  <a:schemeClr val="tx1">
+                    <a:lumMod val="75000"/>
+                    <a:lumOff val="25000"/>
+                  </a:schemeClr>
+                </a:solidFill>
+                <a:latin typeface="KoPubWorld돋움체 Light" panose="00000300000000000000" pitchFamily="2" charset="-127"/>
+                <a:ea typeface="KoPubWorld돋움체 Light" panose="00000300000000000000" pitchFamily="2" charset="-127"/>
+                <a:cs typeface="KoPubWorld돋움체 Light" panose="00000300000000000000" pitchFamily="2" charset="-127"/>
+              </a:rPr>
+              <a:t>Unity3D </a:t>
             </a:r>
             <a:r>
               <a:rPr lang="ko-KR" altLang="en-US" sz="1100" dirty="0" smtClean="0">
@@ -9612,49 +7820,21 @@
                 <a:ea typeface="KoPubWorld돋움체 Light" panose="00000300000000000000" pitchFamily="2" charset="-127"/>
                 <a:cs typeface="KoPubWorld돋움체 Light" panose="00000300000000000000" pitchFamily="2" charset="-127"/>
               </a:rPr>
-              <a:t>지방대회에서 </a:t>
-            </a:r>
-            <a:r>
-              <a:rPr lang="ko-KR" altLang="en-US" sz="1100" dirty="0">
-                <a:solidFill>
-                  <a:schemeClr val="tx1">
-                    <a:lumMod val="75000"/>
-                    <a:lumOff val="25000"/>
-                  </a:schemeClr>
-                </a:solidFill>
-                <a:latin typeface="KoPubWorld돋움체 Light" panose="00000300000000000000" pitchFamily="2" charset="-127"/>
-                <a:ea typeface="KoPubWorld돋움체 Light" panose="00000300000000000000" pitchFamily="2" charset="-127"/>
-                <a:cs typeface="KoPubWorld돋움체 Light" panose="00000300000000000000" pitchFamily="2" charset="-127"/>
-              </a:rPr>
-              <a:t>은상</a:t>
-            </a:r>
-            <a:r>
-              <a:rPr lang="en-US" altLang="ko-KR" sz="1100" dirty="0">
-                <a:solidFill>
-                  <a:schemeClr val="tx1">
-                    <a:lumMod val="75000"/>
-                    <a:lumOff val="25000"/>
-                  </a:schemeClr>
-                </a:solidFill>
-                <a:latin typeface="KoPubWorld돋움체 Light" panose="00000300000000000000" pitchFamily="2" charset="-127"/>
-                <a:ea typeface="KoPubWorld돋움체 Light" panose="00000300000000000000" pitchFamily="2" charset="-127"/>
-                <a:cs typeface="KoPubWorld돋움체 Light" panose="00000300000000000000" pitchFamily="2" charset="-127"/>
-              </a:rPr>
-              <a:t>, </a:t>
-            </a:r>
-            <a:r>
-              <a:rPr lang="ko-KR" altLang="en-US" sz="1100" dirty="0">
-                <a:solidFill>
-                  <a:schemeClr val="tx1">
-                    <a:lumMod val="75000"/>
-                    <a:lumOff val="25000"/>
-                  </a:schemeClr>
-                </a:solidFill>
-                <a:latin typeface="KoPubWorld돋움체 Light" panose="00000300000000000000" pitchFamily="2" charset="-127"/>
-                <a:ea typeface="KoPubWorld돋움체 Light" panose="00000300000000000000" pitchFamily="2" charset="-127"/>
-                <a:cs typeface="KoPubWorld돋움체 Light" panose="00000300000000000000" pitchFamily="2" charset="-127"/>
-              </a:rPr>
-              <a:t>전국대회에서 우수상을 수상 하였습니다</a:t>
+              <a:t>엔진으로 </a:t>
+            </a:r>
+            <a:r>
+              <a:rPr lang="ko-KR" altLang="en-US" sz="1100" dirty="0" smtClean="0">
+                <a:solidFill>
+                  <a:schemeClr val="tx1">
+                    <a:lumMod val="75000"/>
+                    <a:lumOff val="25000"/>
+                  </a:schemeClr>
+                </a:solidFill>
+                <a:latin typeface="KoPubWorld돋움체 Light" panose="00000300000000000000" pitchFamily="2" charset="-127"/>
+                <a:ea typeface="KoPubWorld돋움체 Light" panose="00000300000000000000" pitchFamily="2" charset="-127"/>
+                <a:cs typeface="KoPubWorld돋움체 Light" panose="00000300000000000000" pitchFamily="2" charset="-127"/>
+              </a:rPr>
+              <a:t>게임을 만들며</a:t>
             </a:r>
             <a:r>
               <a:rPr lang="en-US" altLang="ko-KR" sz="1100" dirty="0" smtClean="0">
@@ -9668,26 +7848,8 @@
                 <a:ea typeface="KoPubWorld돋움체 Light" panose="00000300000000000000" pitchFamily="2" charset="-127"/>
                 <a:cs typeface="KoPubWorld돋움체 Light" panose="00000300000000000000" pitchFamily="2" charset="-127"/>
               </a:rPr>
-              <a:t>.</a:t>
-            </a:r>
-            <a:endParaRPr lang="en-US" altLang="ko-KR" sz="1100" dirty="0">
-              <a:solidFill>
-                <a:schemeClr val="tx1">
-                  <a:lumMod val="75000"/>
-                  <a:lumOff val="25000"/>
-                </a:schemeClr>
-              </a:solidFill>
-              <a:latin typeface="KoPubWorld돋움체 Light" panose="00000300000000000000" pitchFamily="2" charset="-127"/>
-              <a:ea typeface="KoPubWorld돋움체 Light" panose="00000300000000000000" pitchFamily="2" charset="-127"/>
-              <a:cs typeface="KoPubWorld돋움체 Light" panose="00000300000000000000" pitchFamily="2" charset="-127"/>
-            </a:endParaRPr>
-          </a:p>
-          <a:p>
-            <a:pPr>
-              <a:spcBef>
-                <a:spcPts val="600"/>
-              </a:spcBef>
-            </a:pPr>
+              <a:t> </a:t>
+            </a:r>
             <a:r>
               <a:rPr lang="ko-KR" altLang="en-US" sz="1100" dirty="0" smtClean="0">
                 <a:solidFill>
@@ -9700,7 +7862,63 @@
                 <a:ea typeface="KoPubWorld돋움체 Light" panose="00000300000000000000" pitchFamily="2" charset="-127"/>
                 <a:cs typeface="KoPubWorld돋움체 Light" panose="00000300000000000000" pitchFamily="2" charset="-127"/>
               </a:rPr>
-              <a:t>이에 그치지 않고 안드로이드</a:t>
+              <a:t>클라이언트 개발에 대한 이해도를 높이고 </a:t>
+            </a:r>
+            <a:r>
+              <a:rPr lang="ko-KR" altLang="en-US" sz="1100" dirty="0" smtClean="0">
+                <a:solidFill>
+                  <a:schemeClr val="tx1">
+                    <a:lumMod val="75000"/>
+                    <a:lumOff val="25000"/>
+                  </a:schemeClr>
+                </a:solidFill>
+                <a:latin typeface="KoPubWorld돋움체 Light" panose="00000300000000000000" pitchFamily="2" charset="-127"/>
+                <a:ea typeface="KoPubWorld돋움체 Light" panose="00000300000000000000" pitchFamily="2" charset="-127"/>
+                <a:cs typeface="KoPubWorld돋움체 Light" panose="00000300000000000000" pitchFamily="2" charset="-127"/>
+              </a:rPr>
+              <a:t>팀 프로젝트를 </a:t>
+            </a:r>
+            <a:r>
+              <a:rPr lang="ko-KR" altLang="en-US" sz="1100" dirty="0" smtClean="0">
+                <a:solidFill>
+                  <a:schemeClr val="tx1">
+                    <a:lumMod val="75000"/>
+                    <a:lumOff val="25000"/>
+                  </a:schemeClr>
+                </a:solidFill>
+                <a:latin typeface="KoPubWorld돋움체 Light" panose="00000300000000000000" pitchFamily="2" charset="-127"/>
+                <a:ea typeface="KoPubWorld돋움체 Light" panose="00000300000000000000" pitchFamily="2" charset="-127"/>
+                <a:cs typeface="KoPubWorld돋움체 Light" panose="00000300000000000000" pitchFamily="2" charset="-127"/>
+              </a:rPr>
+              <a:t>진행할 때 </a:t>
+            </a:r>
+            <a:r>
+              <a:rPr lang="en-US" altLang="ko-KR" sz="1100" dirty="0" err="1" smtClean="0">
+                <a:solidFill>
+                  <a:schemeClr val="tx1">
+                    <a:lumMod val="75000"/>
+                    <a:lumOff val="25000"/>
+                  </a:schemeClr>
+                </a:solidFill>
+                <a:latin typeface="KoPubWorld돋움체 Light" panose="00000300000000000000" pitchFamily="2" charset="-127"/>
+                <a:ea typeface="KoPubWorld돋움체 Light" panose="00000300000000000000" pitchFamily="2" charset="-127"/>
+                <a:cs typeface="KoPubWorld돋움체 Light" panose="00000300000000000000" pitchFamily="2" charset="-127"/>
+              </a:rPr>
+              <a:t>git</a:t>
+            </a:r>
+            <a:r>
+              <a:rPr lang="ko-KR" altLang="en-US" sz="1100" dirty="0" smtClean="0">
+                <a:solidFill>
+                  <a:schemeClr val="tx1">
+                    <a:lumMod val="75000"/>
+                    <a:lumOff val="25000"/>
+                  </a:schemeClr>
+                </a:solidFill>
+                <a:latin typeface="KoPubWorld돋움체 Light" panose="00000300000000000000" pitchFamily="2" charset="-127"/>
+                <a:ea typeface="KoPubWorld돋움체 Light" panose="00000300000000000000" pitchFamily="2" charset="-127"/>
+                <a:cs typeface="KoPubWorld돋움체 Light" panose="00000300000000000000" pitchFamily="2" charset="-127"/>
+              </a:rPr>
+              <a:t>을 어떻게 활용해야 하는지에 대해 공부하였습니다</a:t>
             </a:r>
             <a:r>
               <a:rPr lang="en-US" altLang="ko-KR" sz="1100" dirty="0" smtClean="0">
@@ -9714,7 +7932,7 @@
                 <a:ea typeface="KoPubWorld돋움체 Light" panose="00000300000000000000" pitchFamily="2" charset="-127"/>
                 <a:cs typeface="KoPubWorld돋움체 Light" panose="00000300000000000000" pitchFamily="2" charset="-127"/>
               </a:rPr>
-              <a:t>, Python, Node.js </a:t>
+              <a:t>. </a:t>
             </a:r>
             <a:r>
               <a:rPr lang="ko-KR" altLang="en-US" sz="1100" dirty="0" smtClean="0">
@@ -9728,42 +7946,7 @@
                 <a:ea typeface="KoPubWorld돋움체 Light" panose="00000300000000000000" pitchFamily="2" charset="-127"/>
                 <a:cs typeface="KoPubWorld돋움체 Light" panose="00000300000000000000" pitchFamily="2" charset="-127"/>
               </a:rPr>
-              <a:t>등의 다양한 언어와 프레임 워크를 공부하여 지식의 폭을 넓혔습니다</a:t>
-            </a:r>
-            <a:r>
-              <a:rPr lang="en-US" altLang="ko-KR" sz="1100" dirty="0" smtClean="0">
-                <a:solidFill>
-                  <a:schemeClr val="tx1">
-                    <a:lumMod val="75000"/>
-                    <a:lumOff val="25000"/>
-                  </a:schemeClr>
-                </a:solidFill>
-                <a:latin typeface="KoPubWorld돋움체 Light" panose="00000300000000000000" pitchFamily="2" charset="-127"/>
-                <a:ea typeface="KoPubWorld돋움체 Light" panose="00000300000000000000" pitchFamily="2" charset="-127"/>
-                <a:cs typeface="KoPubWorld돋움체 Light" panose="00000300000000000000" pitchFamily="2" charset="-127"/>
-              </a:rPr>
-              <a:t>.</a:t>
-            </a:r>
-          </a:p>
-          <a:p>
-            <a:pPr>
-              <a:spcBef>
-                <a:spcPts val="600"/>
-              </a:spcBef>
-            </a:pPr>
-            <a:r>
-              <a:rPr lang="en-US" altLang="ko-KR" sz="1100" dirty="0" smtClean="0">
-                <a:solidFill>
-                  <a:schemeClr val="tx1">
-                    <a:lumMod val="75000"/>
-                    <a:lumOff val="25000"/>
-                  </a:schemeClr>
-                </a:solidFill>
-                <a:latin typeface="KoPubWorld돋움체 Light" panose="00000300000000000000" pitchFamily="2" charset="-127"/>
-                <a:ea typeface="KoPubWorld돋움체 Light" panose="00000300000000000000" pitchFamily="2" charset="-127"/>
-                <a:cs typeface="KoPubWorld돋움체 Light" panose="00000300000000000000" pitchFamily="2" charset="-127"/>
-              </a:rPr>
-              <a:t>STAC </a:t>
+              <a:t>팀원으로서 </a:t>
             </a:r>
             <a:r>
               <a:rPr lang="ko-KR" altLang="en-US" sz="1100" dirty="0" smtClean="0">
@@ -9777,119 +7960,7 @@
                 <a:ea typeface="KoPubWorld돋움체 Light" panose="00000300000000000000" pitchFamily="2" charset="-127"/>
                 <a:cs typeface="KoPubWorld돋움체 Light" panose="00000300000000000000" pitchFamily="2" charset="-127"/>
               </a:rPr>
-              <a:t>공모전 본선에 진출해 </a:t>
-            </a:r>
-            <a:r>
-              <a:rPr lang="en-US" altLang="ko-KR" sz="1100" dirty="0" smtClean="0">
-                <a:solidFill>
-                  <a:schemeClr val="tx1">
-                    <a:lumMod val="75000"/>
-                    <a:lumOff val="25000"/>
-                  </a:schemeClr>
-                </a:solidFill>
-                <a:latin typeface="KoPubWorld돋움체 Light" panose="00000300000000000000" pitchFamily="2" charset="-127"/>
-                <a:ea typeface="KoPubWorld돋움체 Light" panose="00000300000000000000" pitchFamily="2" charset="-127"/>
-                <a:cs typeface="KoPubWorld돋움체 Light" panose="00000300000000000000" pitchFamily="2" charset="-127"/>
-              </a:rPr>
-              <a:t>Unity3D</a:t>
-            </a:r>
-            <a:r>
-              <a:rPr lang="ko-KR" altLang="en-US" sz="1100" dirty="0" smtClean="0">
-                <a:solidFill>
-                  <a:schemeClr val="tx1">
-                    <a:lumMod val="75000"/>
-                    <a:lumOff val="25000"/>
-                  </a:schemeClr>
-                </a:solidFill>
-                <a:latin typeface="KoPubWorld돋움체 Light" panose="00000300000000000000" pitchFamily="2" charset="-127"/>
-                <a:ea typeface="KoPubWorld돋움체 Light" panose="00000300000000000000" pitchFamily="2" charset="-127"/>
-                <a:cs typeface="KoPubWorld돋움체 Light" panose="00000300000000000000" pitchFamily="2" charset="-127"/>
-              </a:rPr>
-              <a:t>엔진 으로 게임을 만들며</a:t>
-            </a:r>
-            <a:r>
-              <a:rPr lang="en-US" altLang="ko-KR" sz="1100" dirty="0" smtClean="0">
-                <a:solidFill>
-                  <a:schemeClr val="tx1">
-                    <a:lumMod val="75000"/>
-                    <a:lumOff val="25000"/>
-                  </a:schemeClr>
-                </a:solidFill>
-                <a:latin typeface="KoPubWorld돋움체 Light" panose="00000300000000000000" pitchFamily="2" charset="-127"/>
-                <a:ea typeface="KoPubWorld돋움체 Light" panose="00000300000000000000" pitchFamily="2" charset="-127"/>
-                <a:cs typeface="KoPubWorld돋움체 Light" panose="00000300000000000000" pitchFamily="2" charset="-127"/>
-              </a:rPr>
-              <a:t> </a:t>
-            </a:r>
-            <a:r>
-              <a:rPr lang="ko-KR" altLang="en-US" sz="1100" dirty="0" smtClean="0">
-                <a:solidFill>
-                  <a:schemeClr val="tx1">
-                    <a:lumMod val="75000"/>
-                    <a:lumOff val="25000"/>
-                  </a:schemeClr>
-                </a:solidFill>
-                <a:latin typeface="KoPubWorld돋움체 Light" panose="00000300000000000000" pitchFamily="2" charset="-127"/>
-                <a:ea typeface="KoPubWorld돋움체 Light" panose="00000300000000000000" pitchFamily="2" charset="-127"/>
-                <a:cs typeface="KoPubWorld돋움체 Light" panose="00000300000000000000" pitchFamily="2" charset="-127"/>
-              </a:rPr>
-              <a:t>클라이언트 개발에 대한 이해도를 높이고 팀프로젝트를 진행할 때 </a:t>
-            </a:r>
-            <a:r>
-              <a:rPr lang="en-US" altLang="ko-KR" sz="1100" dirty="0" err="1" smtClean="0">
-                <a:solidFill>
-                  <a:schemeClr val="tx1">
-                    <a:lumMod val="75000"/>
-                    <a:lumOff val="25000"/>
-                  </a:schemeClr>
-                </a:solidFill>
-                <a:latin typeface="KoPubWorld돋움체 Light" panose="00000300000000000000" pitchFamily="2" charset="-127"/>
-                <a:ea typeface="KoPubWorld돋움체 Light" panose="00000300000000000000" pitchFamily="2" charset="-127"/>
-                <a:cs typeface="KoPubWorld돋움체 Light" panose="00000300000000000000" pitchFamily="2" charset="-127"/>
-              </a:rPr>
-              <a:t>git</a:t>
-            </a:r>
-            <a:r>
-              <a:rPr lang="ko-KR" altLang="en-US" sz="1100" dirty="0" smtClean="0">
-                <a:solidFill>
-                  <a:schemeClr val="tx1">
-                    <a:lumMod val="75000"/>
-                    <a:lumOff val="25000"/>
-                  </a:schemeClr>
-                </a:solidFill>
-                <a:latin typeface="KoPubWorld돋움체 Light" panose="00000300000000000000" pitchFamily="2" charset="-127"/>
-                <a:ea typeface="KoPubWorld돋움체 Light" panose="00000300000000000000" pitchFamily="2" charset="-127"/>
-                <a:cs typeface="KoPubWorld돋움체 Light" panose="00000300000000000000" pitchFamily="2" charset="-127"/>
-              </a:rPr>
-              <a:t>을 어떻게 활용해야 하는지에 대해 공부하였습니다</a:t>
-            </a:r>
-            <a:r>
-              <a:rPr lang="en-US" altLang="ko-KR" sz="1100" dirty="0" smtClean="0">
-                <a:solidFill>
-                  <a:schemeClr val="tx1">
-                    <a:lumMod val="75000"/>
-                    <a:lumOff val="25000"/>
-                  </a:schemeClr>
-                </a:solidFill>
-                <a:latin typeface="KoPubWorld돋움체 Light" panose="00000300000000000000" pitchFamily="2" charset="-127"/>
-                <a:ea typeface="KoPubWorld돋움체 Light" panose="00000300000000000000" pitchFamily="2" charset="-127"/>
-                <a:cs typeface="KoPubWorld돋움체 Light" panose="00000300000000000000" pitchFamily="2" charset="-127"/>
-              </a:rPr>
-              <a:t>. </a:t>
-            </a:r>
-            <a:r>
-              <a:rPr lang="ko-KR" altLang="en-US" sz="1100" dirty="0" smtClean="0">
-                <a:solidFill>
-                  <a:schemeClr val="tx1">
-                    <a:lumMod val="75000"/>
-                    <a:lumOff val="25000"/>
-                  </a:schemeClr>
-                </a:solidFill>
-                <a:latin typeface="KoPubWorld돋움체 Light" panose="00000300000000000000" pitchFamily="2" charset="-127"/>
-                <a:ea typeface="KoPubWorld돋움체 Light" panose="00000300000000000000" pitchFamily="2" charset="-127"/>
-                <a:cs typeface="KoPubWorld돋움체 Light" panose="00000300000000000000" pitchFamily="2" charset="-127"/>
-              </a:rPr>
-              <a:t>팀원 으로써 다양한 의견을 제시하고 더 나은 게임을 만들기 위해 노력하였습니다</a:t>
+              <a:t>다양한 의견을 제시하고 더 나은 게임을 만들기 위해 노력하였습니다</a:t>
             </a:r>
             <a:r>
               <a:rPr lang="en-US" altLang="ko-KR" sz="1100" dirty="0" smtClean="0">
@@ -9942,35 +8013,7 @@
                 <a:ea typeface="KoPubWorld돋움체 Light" panose="00000300000000000000" pitchFamily="2" charset="-127"/>
                 <a:cs typeface="KoPubWorld돋움체 Light" panose="00000300000000000000" pitchFamily="2" charset="-127"/>
               </a:rPr>
-              <a:t> </a:t>
-            </a:r>
-            <a:r>
-              <a:rPr lang="ko-KR" altLang="en-US" sz="1100" dirty="0" smtClean="0">
-                <a:solidFill>
-                  <a:schemeClr val="tx1">
-                    <a:lumMod val="75000"/>
-                    <a:lumOff val="25000"/>
-                  </a:schemeClr>
-                </a:solidFill>
-                <a:latin typeface="KoPubWorld돋움체 Light" panose="00000300000000000000" pitchFamily="2" charset="-127"/>
-                <a:ea typeface="KoPubWorld돋움체 Light" panose="00000300000000000000" pitchFamily="2" charset="-127"/>
-                <a:cs typeface="KoPubWorld돋움체 Light" panose="00000300000000000000" pitchFamily="2" charset="-127"/>
-              </a:rPr>
-              <a:t>현재는 </a:t>
-            </a:r>
-            <a:r>
-              <a:rPr lang="ko-KR" altLang="en-US" sz="1100" dirty="0" smtClean="0">
-                <a:solidFill>
-                  <a:schemeClr val="tx1">
-                    <a:lumMod val="75000"/>
-                    <a:lumOff val="25000"/>
-                  </a:schemeClr>
-                </a:solidFill>
-                <a:latin typeface="KoPubWorld돋움체 Light" panose="00000300000000000000" pitchFamily="2" charset="-127"/>
-                <a:ea typeface="KoPubWorld돋움체 Light" panose="00000300000000000000" pitchFamily="2" charset="-127"/>
-                <a:cs typeface="KoPubWorld돋움체 Light" panose="00000300000000000000" pitchFamily="2" charset="-127"/>
-              </a:rPr>
-              <a:t>기존에 만들어 두었던 네트워크 라이브러리를  </a:t>
+              <a:t> 현재는 기존에 만들어 두었던 네트워크 라이브러리를  </a:t>
             </a:r>
             <a:r>
               <a:rPr lang="en-US" altLang="ko-KR" sz="1100" dirty="0" smtClean="0">
@@ -10108,7 +8151,63 @@
                 <a:ea typeface="KoPubWorld돋움체 Light" panose="00000300000000000000" pitchFamily="2" charset="-127"/>
                 <a:cs typeface="KoPubWorld돋움체 Light" panose="00000300000000000000" pitchFamily="2" charset="-127"/>
               </a:rPr>
-              <a:t>년 동안 여러가지 시행착오가 있었고 그것을 해결하고 보완해 왔습니다</a:t>
+              <a:t>년 동안 </a:t>
+            </a:r>
+            <a:r>
+              <a:rPr lang="ko-KR" altLang="en-US" sz="1100" dirty="0" smtClean="0">
+                <a:solidFill>
+                  <a:schemeClr val="tx1">
+                    <a:lumMod val="75000"/>
+                    <a:lumOff val="25000"/>
+                  </a:schemeClr>
+                </a:solidFill>
+                <a:latin typeface="KoPubWorld돋움체 Light" panose="00000300000000000000" pitchFamily="2" charset="-127"/>
+                <a:ea typeface="KoPubWorld돋움체 Light" panose="00000300000000000000" pitchFamily="2" charset="-127"/>
+                <a:cs typeface="KoPubWorld돋움체 Light" panose="00000300000000000000" pitchFamily="2" charset="-127"/>
+              </a:rPr>
+              <a:t>여러 가지 </a:t>
+            </a:r>
+            <a:r>
+              <a:rPr lang="ko-KR" altLang="en-US" sz="1100" dirty="0" smtClean="0">
+                <a:solidFill>
+                  <a:schemeClr val="tx1">
+                    <a:lumMod val="75000"/>
+                    <a:lumOff val="25000"/>
+                  </a:schemeClr>
+                </a:solidFill>
+                <a:latin typeface="KoPubWorld돋움체 Light" panose="00000300000000000000" pitchFamily="2" charset="-127"/>
+                <a:ea typeface="KoPubWorld돋움체 Light" panose="00000300000000000000" pitchFamily="2" charset="-127"/>
+                <a:cs typeface="KoPubWorld돋움체 Light" panose="00000300000000000000" pitchFamily="2" charset="-127"/>
+              </a:rPr>
+              <a:t>시행착오가 </a:t>
+            </a:r>
+            <a:r>
+              <a:rPr lang="ko-KR" altLang="en-US" sz="1100" dirty="0" smtClean="0">
+                <a:solidFill>
+                  <a:schemeClr val="tx1">
+                    <a:lumMod val="75000"/>
+                    <a:lumOff val="25000"/>
+                  </a:schemeClr>
+                </a:solidFill>
+                <a:latin typeface="KoPubWorld돋움체 Light" panose="00000300000000000000" pitchFamily="2" charset="-127"/>
+                <a:ea typeface="KoPubWorld돋움체 Light" panose="00000300000000000000" pitchFamily="2" charset="-127"/>
+                <a:cs typeface="KoPubWorld돋움체 Light" panose="00000300000000000000" pitchFamily="2" charset="-127"/>
+              </a:rPr>
+              <a:t>있었</a:t>
+            </a:r>
+            <a:r>
+              <a:rPr lang="ko-KR" altLang="en-US" sz="1100" dirty="0" smtClean="0">
+                <a:solidFill>
+                  <a:schemeClr val="tx1">
+                    <a:lumMod val="75000"/>
+                    <a:lumOff val="25000"/>
+                  </a:schemeClr>
+                </a:solidFill>
+                <a:latin typeface="KoPubWorld돋움체 Light" panose="00000300000000000000" pitchFamily="2" charset="-127"/>
+                <a:ea typeface="KoPubWorld돋움체 Light" panose="00000300000000000000" pitchFamily="2" charset="-127"/>
+                <a:cs typeface="KoPubWorld돋움체 Light" panose="00000300000000000000" pitchFamily="2" charset="-127"/>
+              </a:rPr>
+              <a:t>지만</a:t>
             </a:r>
             <a:r>
               <a:rPr lang="en-US" altLang="ko-KR" sz="1100" dirty="0" smtClean="0">
@@ -10122,6 +8221,76 @@
                 <a:ea typeface="KoPubWorld돋움체 Light" panose="00000300000000000000" pitchFamily="2" charset="-127"/>
                 <a:cs typeface="KoPubWorld돋움체 Light" panose="00000300000000000000" pitchFamily="2" charset="-127"/>
               </a:rPr>
+              <a:t>,</a:t>
+            </a:r>
+            <a:r>
+              <a:rPr lang="ko-KR" altLang="en-US" sz="1100" dirty="0" smtClean="0">
+                <a:solidFill>
+                  <a:schemeClr val="tx1">
+                    <a:lumMod val="75000"/>
+                    <a:lumOff val="25000"/>
+                  </a:schemeClr>
+                </a:solidFill>
+                <a:latin typeface="KoPubWorld돋움체 Light" panose="00000300000000000000" pitchFamily="2" charset="-127"/>
+                <a:ea typeface="KoPubWorld돋움체 Light" panose="00000300000000000000" pitchFamily="2" charset="-127"/>
+                <a:cs typeface="KoPubWorld돋움체 Light" panose="00000300000000000000" pitchFamily="2" charset="-127"/>
+              </a:rPr>
+              <a:t> </a:t>
+            </a:r>
+            <a:r>
+              <a:rPr lang="ko-KR" altLang="en-US" sz="1100" dirty="0" smtClean="0">
+                <a:solidFill>
+                  <a:schemeClr val="tx1">
+                    <a:lumMod val="75000"/>
+                    <a:lumOff val="25000"/>
+                  </a:schemeClr>
+                </a:solidFill>
+                <a:latin typeface="KoPubWorld돋움체 Light" panose="00000300000000000000" pitchFamily="2" charset="-127"/>
+                <a:ea typeface="KoPubWorld돋움체 Light" panose="00000300000000000000" pitchFamily="2" charset="-127"/>
+                <a:cs typeface="KoPubWorld돋움체 Light" panose="00000300000000000000" pitchFamily="2" charset="-127"/>
+              </a:rPr>
+              <a:t>그것을 해결하고 </a:t>
+            </a:r>
+            <a:r>
+              <a:rPr lang="ko-KR" altLang="en-US" sz="1100" dirty="0" smtClean="0">
+                <a:solidFill>
+                  <a:schemeClr val="tx1">
+                    <a:lumMod val="75000"/>
+                    <a:lumOff val="25000"/>
+                  </a:schemeClr>
+                </a:solidFill>
+                <a:latin typeface="KoPubWorld돋움체 Light" panose="00000300000000000000" pitchFamily="2" charset="-127"/>
+                <a:ea typeface="KoPubWorld돋움체 Light" panose="00000300000000000000" pitchFamily="2" charset="-127"/>
+                <a:cs typeface="KoPubWorld돋움체 Light" panose="00000300000000000000" pitchFamily="2" charset="-127"/>
+              </a:rPr>
+              <a:t>보완하며 좀 더 </a:t>
+            </a:r>
+            <a:r>
+              <a:rPr lang="ko-KR" altLang="en-US" sz="1100" dirty="0" smtClean="0">
+                <a:solidFill>
+                  <a:schemeClr val="tx1">
+                    <a:lumMod val="75000"/>
+                    <a:lumOff val="25000"/>
+                  </a:schemeClr>
+                </a:solidFill>
+                <a:latin typeface="KoPubWorld돋움체 Light" panose="00000300000000000000" pitchFamily="2" charset="-127"/>
+                <a:ea typeface="KoPubWorld돋움체 Light" panose="00000300000000000000" pitchFamily="2" charset="-127"/>
+                <a:cs typeface="KoPubWorld돋움체 Light" panose="00000300000000000000" pitchFamily="2" charset="-127"/>
+              </a:rPr>
+              <a:t>성장한 지금의 제가 되었습니다</a:t>
+            </a:r>
+            <a:r>
+              <a:rPr lang="en-US" altLang="ko-KR" sz="1100" dirty="0" smtClean="0">
+                <a:solidFill>
+                  <a:schemeClr val="tx1">
+                    <a:lumMod val="75000"/>
+                    <a:lumOff val="25000"/>
+                  </a:schemeClr>
+                </a:solidFill>
+                <a:latin typeface="KoPubWorld돋움체 Light" panose="00000300000000000000" pitchFamily="2" charset="-127"/>
+                <a:ea typeface="KoPubWorld돋움체 Light" panose="00000300000000000000" pitchFamily="2" charset="-127"/>
+                <a:cs typeface="KoPubWorld돋움체 Light" panose="00000300000000000000" pitchFamily="2" charset="-127"/>
+              </a:rPr>
               <a:t>. </a:t>
             </a:r>
             <a:r>
@@ -10136,7 +8305,21 @@
                 <a:ea typeface="KoPubWorld돋움체 Light" panose="00000300000000000000" pitchFamily="2" charset="-127"/>
                 <a:cs typeface="KoPubWorld돋움체 Light" panose="00000300000000000000" pitchFamily="2" charset="-127"/>
               </a:rPr>
-              <a:t>그로 인해 좀더 성장한 지금의 제가 되었습니다</a:t>
+              <a:t>앞으로의 시간에는 어떤 일이 있을지 </a:t>
+            </a:r>
+            <a:r>
+              <a:rPr lang="ko-KR" altLang="en-US" sz="1100" dirty="0" smtClean="0">
+                <a:solidFill>
+                  <a:schemeClr val="tx1">
+                    <a:lumMod val="75000"/>
+                    <a:lumOff val="25000"/>
+                  </a:schemeClr>
+                </a:solidFill>
+                <a:latin typeface="KoPubWorld돋움체 Light" panose="00000300000000000000" pitchFamily="2" charset="-127"/>
+                <a:ea typeface="KoPubWorld돋움체 Light" panose="00000300000000000000" pitchFamily="2" charset="-127"/>
+                <a:cs typeface="KoPubWorld돋움체 Light" panose="00000300000000000000" pitchFamily="2" charset="-127"/>
+              </a:rPr>
+              <a:t>모르지만</a:t>
             </a:r>
             <a:r>
               <a:rPr lang="en-US" altLang="ko-KR" sz="1100" dirty="0" smtClean="0">
@@ -10150,7 +8333,7 @@
                 <a:ea typeface="KoPubWorld돋움체 Light" panose="00000300000000000000" pitchFamily="2" charset="-127"/>
                 <a:cs typeface="KoPubWorld돋움체 Light" panose="00000300000000000000" pitchFamily="2" charset="-127"/>
               </a:rPr>
-              <a:t>. </a:t>
+              <a:t>,</a:t>
             </a:r>
             <a:r>
               <a:rPr lang="ko-KR" altLang="en-US" sz="1100" dirty="0" smtClean="0">
@@ -10164,7 +8347,49 @@
                 <a:ea typeface="KoPubWorld돋움체 Light" panose="00000300000000000000" pitchFamily="2" charset="-127"/>
                 <a:cs typeface="KoPubWorld돋움체 Light" panose="00000300000000000000" pitchFamily="2" charset="-127"/>
               </a:rPr>
-              <a:t>앞으로의 시간에는 어떤 일이 있을지 모르지만 더 나은 미래의 저를 만들기 위해 좋은 사람들과 좋은 회사 에서 근무하고 싶은 욕심이 있습니다</a:t>
+              <a:t> </a:t>
+            </a:r>
+            <a:r>
+              <a:rPr lang="ko-KR" altLang="en-US" sz="1100" dirty="0" smtClean="0">
+                <a:solidFill>
+                  <a:schemeClr val="tx1">
+                    <a:lumMod val="75000"/>
+                    <a:lumOff val="25000"/>
+                  </a:schemeClr>
+                </a:solidFill>
+                <a:latin typeface="KoPubWorld돋움체 Light" panose="00000300000000000000" pitchFamily="2" charset="-127"/>
+                <a:ea typeface="KoPubWorld돋움체 Light" panose="00000300000000000000" pitchFamily="2" charset="-127"/>
+                <a:cs typeface="KoPubWorld돋움체 Light" panose="00000300000000000000" pitchFamily="2" charset="-127"/>
+              </a:rPr>
+              <a:t>더 나은 미래의 저를 만들기 위해 좋은 사람들과 좋은 </a:t>
+            </a:r>
+            <a:r>
+              <a:rPr lang="ko-KR" altLang="en-US" sz="1100" dirty="0" smtClean="0">
+                <a:solidFill>
+                  <a:schemeClr val="tx1">
+                    <a:lumMod val="75000"/>
+                    <a:lumOff val="25000"/>
+                  </a:schemeClr>
+                </a:solidFill>
+                <a:latin typeface="KoPubWorld돋움체 Light" panose="00000300000000000000" pitchFamily="2" charset="-127"/>
+                <a:ea typeface="KoPubWorld돋움체 Light" panose="00000300000000000000" pitchFamily="2" charset="-127"/>
+                <a:cs typeface="KoPubWorld돋움체 Light" panose="00000300000000000000" pitchFamily="2" charset="-127"/>
+              </a:rPr>
+              <a:t>회사에서 </a:t>
+            </a:r>
+            <a:r>
+              <a:rPr lang="ko-KR" altLang="en-US" sz="1100" dirty="0" smtClean="0">
+                <a:solidFill>
+                  <a:schemeClr val="tx1">
+                    <a:lumMod val="75000"/>
+                    <a:lumOff val="25000"/>
+                  </a:schemeClr>
+                </a:solidFill>
+                <a:latin typeface="KoPubWorld돋움체 Light" panose="00000300000000000000" pitchFamily="2" charset="-127"/>
+                <a:ea typeface="KoPubWorld돋움체 Light" panose="00000300000000000000" pitchFamily="2" charset="-127"/>
+                <a:cs typeface="KoPubWorld돋움체 Light" panose="00000300000000000000" pitchFamily="2" charset="-127"/>
+              </a:rPr>
+              <a:t>근무하고 싶은 욕심이 있습니다</a:t>
             </a:r>
             <a:r>
               <a:rPr lang="en-US" altLang="ko-KR" sz="1100" dirty="0" smtClean="0">
@@ -10202,7 +8427,7 @@
         </p:nvSpPr>
         <p:spPr>
           <a:xfrm>
-            <a:off x="131393" y="1390146"/>
+            <a:off x="131393" y="1707258"/>
             <a:ext cx="1805302" cy="523220"/>
           </a:xfrm>
           <a:prstGeom prst="rect">
@@ -10281,7 +8506,7 @@
         </p:nvSpPr>
         <p:spPr>
           <a:xfrm>
-            <a:off x="131394" y="4336631"/>
+            <a:off x="131394" y="4444732"/>
             <a:ext cx="1805301" cy="307777"/>
           </a:xfrm>
           <a:prstGeom prst="rect">
@@ -10538,8 +8763,8 @@
         </p:nvSpPr>
         <p:spPr>
           <a:xfrm rot="5400000" flipV="1">
-            <a:off x="744833" y="2608136"/>
-            <a:ext cx="2429445" cy="45719"/>
+            <a:off x="878081" y="2792001"/>
+            <a:ext cx="2162950" cy="45719"/>
           </a:xfrm>
           <a:prstGeom prst="rect">
             <a:avLst/>
@@ -10592,8 +8817,8 @@
         </p:nvSpPr>
         <p:spPr>
           <a:xfrm rot="5400000" flipV="1">
-            <a:off x="1508614" y="4560552"/>
-            <a:ext cx="901881" cy="45719"/>
+            <a:off x="1617812" y="4768467"/>
+            <a:ext cx="683488" cy="45721"/>
           </a:xfrm>
           <a:prstGeom prst="rect">
             <a:avLst/>

--- a/이력서.pptx
+++ b/이력서.pptx
@@ -199,7 +199,7 @@
           <a:p>
             <a:fld id="{28D76E18-8504-4B2A-AB61-9E01BB40A393}" type="datetimeFigureOut">
               <a:rPr lang="ko-KR" altLang="en-US" smtClean="0"/>
-              <a:t>2019-12-16</a:t>
+              <a:t>2019-12-17</a:t>
             </a:fld>
             <a:endParaRPr lang="ko-KR" altLang="en-US"/>
           </a:p>
@@ -598,7 +598,7 @@
           <a:p>
             <a:fld id="{BE43E361-F428-4105-8494-4354F7AE3198}" type="datetime1">
               <a:rPr lang="ko-KR" altLang="en-US" smtClean="0"/>
-              <a:t>2019-12-16</a:t>
+              <a:t>2019-12-17</a:t>
             </a:fld>
             <a:endParaRPr lang="ko-KR" altLang="en-US"/>
           </a:p>
@@ -768,7 +768,7 @@
           <a:p>
             <a:fld id="{DA5ED4DA-7B9C-4F23-8E7B-E2851D173DC8}" type="datetime1">
               <a:rPr lang="ko-KR" altLang="en-US" smtClean="0"/>
-              <a:t>2019-12-16</a:t>
+              <a:t>2019-12-17</a:t>
             </a:fld>
             <a:endParaRPr lang="ko-KR" altLang="en-US"/>
           </a:p>
@@ -948,7 +948,7 @@
           <a:p>
             <a:fld id="{61AE661F-B254-44C4-A136-0918DEE1A594}" type="datetime1">
               <a:rPr lang="ko-KR" altLang="en-US" smtClean="0"/>
-              <a:t>2019-12-16</a:t>
+              <a:t>2019-12-17</a:t>
             </a:fld>
             <a:endParaRPr lang="ko-KR" altLang="en-US"/>
           </a:p>
@@ -1118,7 +1118,7 @@
           <a:p>
             <a:fld id="{98998773-0A3B-49CE-B122-59A059B023FE}" type="datetime1">
               <a:rPr lang="ko-KR" altLang="en-US" smtClean="0"/>
-              <a:t>2019-12-16</a:t>
+              <a:t>2019-12-17</a:t>
             </a:fld>
             <a:endParaRPr lang="ko-KR" altLang="en-US"/>
           </a:p>
@@ -1362,7 +1362,7 @@
           <a:p>
             <a:fld id="{A052A95E-6647-4324-87BC-D92407BB453C}" type="datetime1">
               <a:rPr lang="ko-KR" altLang="en-US" smtClean="0"/>
-              <a:t>2019-12-16</a:t>
+              <a:t>2019-12-17</a:t>
             </a:fld>
             <a:endParaRPr lang="ko-KR" altLang="en-US"/>
           </a:p>
@@ -1594,7 +1594,7 @@
           <a:p>
             <a:fld id="{D48BED34-2011-4FA6-B4ED-914D96B4237A}" type="datetime1">
               <a:rPr lang="ko-KR" altLang="en-US" smtClean="0"/>
-              <a:t>2019-12-16</a:t>
+              <a:t>2019-12-17</a:t>
             </a:fld>
             <a:endParaRPr lang="ko-KR" altLang="en-US"/>
           </a:p>
@@ -1961,7 +1961,7 @@
           <a:p>
             <a:fld id="{64E08705-8A7B-49D5-87D7-2D63FDF85A72}" type="datetime1">
               <a:rPr lang="ko-KR" altLang="en-US" smtClean="0"/>
-              <a:t>2019-12-16</a:t>
+              <a:t>2019-12-17</a:t>
             </a:fld>
             <a:endParaRPr lang="ko-KR" altLang="en-US"/>
           </a:p>
@@ -2079,7 +2079,7 @@
           <a:p>
             <a:fld id="{B47CB5DB-3F71-4601-A803-FADFE5E53BE4}" type="datetime1">
               <a:rPr lang="ko-KR" altLang="en-US" smtClean="0"/>
-              <a:t>2019-12-16</a:t>
+              <a:t>2019-12-17</a:t>
             </a:fld>
             <a:endParaRPr lang="ko-KR" altLang="en-US"/>
           </a:p>
@@ -2174,7 +2174,7 @@
           <a:p>
             <a:fld id="{5E08024A-2C15-4149-80ED-3A2FF5C1DE56}" type="datetime1">
               <a:rPr lang="ko-KR" altLang="en-US" smtClean="0"/>
-              <a:t>2019-12-16</a:t>
+              <a:t>2019-12-17</a:t>
             </a:fld>
             <a:endParaRPr lang="ko-KR" altLang="en-US"/>
           </a:p>
@@ -2463,7 +2463,7 @@
           <a:p>
             <a:fld id="{68E7E82D-A5BA-4B0C-B4A5-6E08A61EE8F5}" type="datetime1">
               <a:rPr lang="ko-KR" altLang="en-US" smtClean="0"/>
-              <a:t>2019-12-16</a:t>
+              <a:t>2019-12-17</a:t>
             </a:fld>
             <a:endParaRPr lang="ko-KR" altLang="en-US"/>
           </a:p>
@@ -2720,7 +2720,7 @@
           <a:p>
             <a:fld id="{1DE5003B-4113-4012-AB77-A4AE36E6501A}" type="datetime1">
               <a:rPr lang="ko-KR" altLang="en-US" smtClean="0"/>
-              <a:t>2019-12-16</a:t>
+              <a:t>2019-12-17</a:t>
             </a:fld>
             <a:endParaRPr lang="ko-KR" altLang="en-US"/>
           </a:p>
@@ -2933,7 +2933,7 @@
           <a:p>
             <a:fld id="{D89EC0F7-9EC0-4179-BCFE-E0268F65F7D3}" type="datetime1">
               <a:rPr lang="ko-KR" altLang="en-US" smtClean="0"/>
-              <a:t>2019-12-16</a:t>
+              <a:t>2019-12-17</a:t>
             </a:fld>
             <a:endParaRPr lang="ko-KR" altLang="en-US"/>
           </a:p>
@@ -4931,21 +4931,7 @@
                 <a:ea typeface="KoPubWorld돋움체 Light" panose="00000300000000000000" pitchFamily="2" charset="-127"/>
                 <a:cs typeface="KoPubWorld돋움체 Light" panose="00000300000000000000" pitchFamily="2" charset="-127"/>
               </a:rPr>
-              <a:t>, </a:t>
-            </a:r>
-            <a:r>
-              <a:rPr lang="en-US" altLang="ko-KR" sz="1000" dirty="0">
-                <a:solidFill>
-                  <a:schemeClr val="tx1">
-                    <a:lumMod val="75000"/>
-                    <a:lumOff val="25000"/>
-                  </a:schemeClr>
-                </a:solidFill>
-                <a:latin typeface="KoPubWorld돋움체 Light" panose="00000300000000000000" pitchFamily="2" charset="-127"/>
-                <a:ea typeface="KoPubWorld돋움체 Light" panose="00000300000000000000" pitchFamily="2" charset="-127"/>
-                <a:cs typeface="KoPubWorld돋움체 Light" panose="00000300000000000000" pitchFamily="2" charset="-127"/>
-              </a:rPr>
-              <a:t>IOCP, Node.js</a:t>
+              <a:t>, IOCP, Node.js</a:t>
             </a:r>
             <a:endParaRPr lang="en-US" altLang="ko-KR" sz="1000" dirty="0" smtClean="0">
               <a:solidFill>
@@ -5009,21 +4995,7 @@
                 <a:ea typeface="KoPubWorld돋움체 Light" panose="00000300000000000000" pitchFamily="2" charset="-127"/>
                 <a:cs typeface="KoPubWorld돋움체 Light" panose="00000300000000000000" pitchFamily="2" charset="-127"/>
               </a:rPr>
-              <a:t>MongoDB</a:t>
-            </a:r>
-            <a:r>
-              <a:rPr lang="en-US" altLang="ko-KR" sz="1000" dirty="0" smtClean="0">
-                <a:solidFill>
-                  <a:schemeClr val="tx1">
-                    <a:lumMod val="75000"/>
-                    <a:lumOff val="25000"/>
-                  </a:schemeClr>
-                </a:solidFill>
-                <a:latin typeface="KoPubWorld돋움체 Light" panose="00000300000000000000" pitchFamily="2" charset="-127"/>
-                <a:ea typeface="KoPubWorld돋움체 Light" panose="00000300000000000000" pitchFamily="2" charset="-127"/>
-                <a:cs typeface="KoPubWorld돋움체 Light" panose="00000300000000000000" pitchFamily="2" charset="-127"/>
-              </a:rPr>
-              <a:t>, MySQL</a:t>
+              <a:t>MongoDB, MySQL</a:t>
             </a:r>
           </a:p>
           <a:p>
@@ -5576,21 +5548,7 @@
                 <a:ea typeface="KoPubWorld돋움체 Light" panose="00000300000000000000" pitchFamily="2" charset="-127"/>
                 <a:cs typeface="KoPubWorld돋움체 Light" panose="00000300000000000000" pitchFamily="2" charset="-127"/>
               </a:rPr>
-              <a:t>, Effective Modern C</a:t>
-            </a:r>
-            <a:r>
-              <a:rPr lang="en-US" altLang="ko-KR" sz="1100" dirty="0" smtClean="0">
-                <a:solidFill>
-                  <a:schemeClr val="tx1">
-                    <a:lumMod val="75000"/>
-                    <a:lumOff val="25000"/>
-                  </a:schemeClr>
-                </a:solidFill>
-                <a:latin typeface="KoPubWorld돋움체 Light" panose="00000300000000000000" pitchFamily="2" charset="-127"/>
-                <a:ea typeface="KoPubWorld돋움체 Light" panose="00000300000000000000" pitchFamily="2" charset="-127"/>
-                <a:cs typeface="KoPubWorld돋움체 Light" panose="00000300000000000000" pitchFamily="2" charset="-127"/>
-              </a:rPr>
-              <a:t>++,</a:t>
+              <a:t>, Effective Modern C++,</a:t>
             </a:r>
           </a:p>
           <a:p>
@@ -5611,21 +5569,7 @@
                 <a:ea typeface="KoPubWorld돋움체 Light" panose="00000300000000000000" pitchFamily="2" charset="-127"/>
                 <a:cs typeface="KoPubWorld돋움체 Light" panose="00000300000000000000" pitchFamily="2" charset="-127"/>
               </a:rPr>
-              <a:t>게임 </a:t>
-            </a:r>
-            <a:r>
-              <a:rPr lang="ko-KR" altLang="en-US" sz="1100" dirty="0" smtClean="0">
-                <a:solidFill>
-                  <a:schemeClr val="tx1">
-                    <a:lumMod val="75000"/>
-                    <a:lumOff val="25000"/>
-                  </a:schemeClr>
-                </a:solidFill>
-                <a:latin typeface="KoPubWorld돋움체 Light" panose="00000300000000000000" pitchFamily="2" charset="-127"/>
-                <a:ea typeface="KoPubWorld돋움체 Light" panose="00000300000000000000" pitchFamily="2" charset="-127"/>
-                <a:cs typeface="KoPubWorld돋움체 Light" panose="00000300000000000000" pitchFamily="2" charset="-127"/>
-              </a:rPr>
-              <a:t>프로그래밍 패턴</a:t>
+              <a:t>게임 프로그래밍 패턴</a:t>
             </a:r>
             <a:r>
               <a:rPr lang="en-US" altLang="ko-KR" sz="1100" dirty="0" smtClean="0">
@@ -6126,7 +6070,21 @@
                 <a:ea typeface="KoPubWorld돋움체 Light" panose="00000300000000000000" pitchFamily="2" charset="-127"/>
                 <a:cs typeface="KoPubWorld돋움체 Light" panose="00000300000000000000" pitchFamily="2" charset="-127"/>
               </a:rPr>
-              <a:t>마인크래프트의 스크립트를 작성하며 자바스크립트를 접하게 되었고 친구와 함께 스크립트를 짜며 놀곤 하였습니다</a:t>
+              <a:t>마인크래프트의 스크립트를 작성하며 자바스크립트를 접하게 되었고 친구와 함께 스크립트를 짜며 놀곤 </a:t>
+            </a:r>
+            <a:r>
+              <a:rPr lang="ko-KR" altLang="en-US" sz="1100" dirty="0" smtClean="0">
+                <a:solidFill>
+                  <a:schemeClr val="tx1">
+                    <a:lumMod val="75000"/>
+                    <a:lumOff val="25000"/>
+                  </a:schemeClr>
+                </a:solidFill>
+                <a:latin typeface="KoPubWorld돋움체 Light" panose="00000300000000000000" pitchFamily="2" charset="-127"/>
+                <a:ea typeface="KoPubWorld돋움체 Light" panose="00000300000000000000" pitchFamily="2" charset="-127"/>
+                <a:cs typeface="KoPubWorld돋움체 Light" panose="00000300000000000000" pitchFamily="2" charset="-127"/>
+              </a:rPr>
+              <a:t>했습니다</a:t>
             </a:r>
             <a:r>
               <a:rPr lang="en-US" altLang="ko-KR" sz="1100" dirty="0" smtClean="0">
@@ -6154,7 +6112,35 @@
                 <a:ea typeface="KoPubWorld돋움체 Light" panose="00000300000000000000" pitchFamily="2" charset="-127"/>
                 <a:cs typeface="KoPubWorld돋움체 Light" panose="00000300000000000000" pitchFamily="2" charset="-127"/>
               </a:rPr>
-              <a:t>자바스크립트를 제대로 이해하지 못한 채 사용하였지만 내가 만든 것이 게임에 적용된다는 것에 재미를 느꼈습니다</a:t>
+              <a:t>자바스크립트를 제대로 이해하지 못한 채 </a:t>
+            </a:r>
+            <a:r>
+              <a:rPr lang="ko-KR" altLang="en-US" sz="1100" dirty="0" smtClean="0">
+                <a:solidFill>
+                  <a:schemeClr val="tx1">
+                    <a:lumMod val="75000"/>
+                    <a:lumOff val="25000"/>
+                  </a:schemeClr>
+                </a:solidFill>
+                <a:latin typeface="KoPubWorld돋움체 Light" panose="00000300000000000000" pitchFamily="2" charset="-127"/>
+                <a:ea typeface="KoPubWorld돋움체 Light" panose="00000300000000000000" pitchFamily="2" charset="-127"/>
+                <a:cs typeface="KoPubWorld돋움체 Light" panose="00000300000000000000" pitchFamily="2" charset="-127"/>
+              </a:rPr>
+              <a:t>사용했지만 </a:t>
+            </a:r>
+            <a:r>
+              <a:rPr lang="ko-KR" altLang="en-US" sz="1100" dirty="0" smtClean="0">
+                <a:solidFill>
+                  <a:schemeClr val="tx1">
+                    <a:lumMod val="75000"/>
+                    <a:lumOff val="25000"/>
+                  </a:schemeClr>
+                </a:solidFill>
+                <a:latin typeface="KoPubWorld돋움체 Light" panose="00000300000000000000" pitchFamily="2" charset="-127"/>
+                <a:ea typeface="KoPubWorld돋움체 Light" panose="00000300000000000000" pitchFamily="2" charset="-127"/>
+                <a:cs typeface="KoPubWorld돋움체 Light" panose="00000300000000000000" pitchFamily="2" charset="-127"/>
+              </a:rPr>
+              <a:t>내가 만든 것이 게임에 적용된다는 것에 재미를 느꼈습니다</a:t>
             </a:r>
             <a:r>
               <a:rPr lang="en-US" altLang="ko-KR" sz="1100" dirty="0" smtClean="0">
@@ -6362,7 +6348,21 @@
                 <a:ea typeface="KoPubWorld돋움체 Light" panose="00000300000000000000" pitchFamily="2" charset="-127"/>
                 <a:cs typeface="KoPubWorld돋움체 Light" panose="00000300000000000000" pitchFamily="2" charset="-127"/>
               </a:rPr>
-              <a:t>언어를 배우고 다양한 콘솔 게임을 만들면서 게임 프로그래밍에 재미를 붙이기 시작하였습니다</a:t>
+              <a:t>언어를 배우고 다양한 콘솔 게임을 만들면서 게임 프로그래밍에 재미를 붙이기 </a:t>
+            </a:r>
+            <a:r>
+              <a:rPr lang="ko-KR" altLang="en-US" sz="1100" dirty="0" smtClean="0">
+                <a:solidFill>
+                  <a:schemeClr val="tx1">
+                    <a:lumMod val="75000"/>
+                    <a:lumOff val="25000"/>
+                  </a:schemeClr>
+                </a:solidFill>
+                <a:latin typeface="KoPubWorld돋움체 Light" panose="00000300000000000000" pitchFamily="2" charset="-127"/>
+                <a:ea typeface="KoPubWorld돋움체 Light" panose="00000300000000000000" pitchFamily="2" charset="-127"/>
+                <a:cs typeface="KoPubWorld돋움체 Light" panose="00000300000000000000" pitchFamily="2" charset="-127"/>
+              </a:rPr>
+              <a:t>시작했습니다</a:t>
             </a:r>
             <a:r>
               <a:rPr lang="en-US" altLang="ko-KR" sz="1100" dirty="0" smtClean="0">
@@ -6397,7 +6397,7 @@
                 <a:ea typeface="KoPubWorld돋움체 Light" panose="00000300000000000000" pitchFamily="2" charset="-127"/>
                 <a:cs typeface="KoPubWorld돋움체 Light" panose="00000300000000000000" pitchFamily="2" charset="-127"/>
               </a:rPr>
-              <a:t>그러던 중 학교에 있는 학생용 파일 서버를 이용하여 채팅 프로그램을 만들게 되었는데 이때 기존의 게임 개발과는 다른 재미를 느끼게 되어 서버 프로그래밍에 관심을 </a:t>
+              <a:t>그러던 중 학교에 있는 학생용 파일 서버를 </a:t>
             </a:r>
             <a:r>
               <a:rPr lang="ko-KR" altLang="en-US" sz="1100" dirty="0" smtClean="0">
@@ -6411,7 +6411,7 @@
                 <a:ea typeface="KoPubWorld돋움체 Light" panose="00000300000000000000" pitchFamily="2" charset="-127"/>
                 <a:cs typeface="KoPubWorld돋움체 Light" panose="00000300000000000000" pitchFamily="2" charset="-127"/>
               </a:rPr>
-              <a:t>갖게 </a:t>
+              <a:t>이용해 </a:t>
             </a:r>
             <a:r>
               <a:rPr lang="ko-KR" altLang="en-US" sz="1100" dirty="0" smtClean="0">
@@ -6425,7 +6425,7 @@
                 <a:ea typeface="KoPubWorld돋움체 Light" panose="00000300000000000000" pitchFamily="2" charset="-127"/>
                 <a:cs typeface="KoPubWorld돋움체 Light" panose="00000300000000000000" pitchFamily="2" charset="-127"/>
               </a:rPr>
-              <a:t>됐습니다</a:t>
+              <a:t>채팅 프로그램을 만들게 되었는데 이때 기존의 게임 개발과는 다른 재미를 느끼게 되어 서버 프로그래밍에 관심을 갖게 됐습니다</a:t>
             </a:r>
             <a:r>
               <a:rPr lang="en-US" altLang="ko-KR" sz="1100" dirty="0" smtClean="0">
@@ -6590,7 +6590,21 @@
                 <a:ea typeface="KoPubWorld돋움체 Light" panose="00000300000000000000" pitchFamily="2" charset="-127"/>
                 <a:cs typeface="KoPubWorld돋움체 Light" panose="00000300000000000000" pitchFamily="2" charset="-127"/>
               </a:rPr>
-              <a:t> 만들게 </a:t>
+              <a:t> 만들게 되면서 서버 프로그래밍에 빠지게 되었습니다</a:t>
+            </a:r>
+            <a:r>
+              <a:rPr lang="en-US" altLang="ko-KR" sz="1100" dirty="0" smtClean="0">
+                <a:solidFill>
+                  <a:schemeClr val="tx1">
+                    <a:lumMod val="75000"/>
+                    <a:lumOff val="25000"/>
+                  </a:schemeClr>
+                </a:solidFill>
+                <a:latin typeface="KoPubWorld돋움체 Light" panose="00000300000000000000" pitchFamily="2" charset="-127"/>
+                <a:ea typeface="KoPubWorld돋움체 Light" panose="00000300000000000000" pitchFamily="2" charset="-127"/>
+                <a:cs typeface="KoPubWorld돋움체 Light" panose="00000300000000000000" pitchFamily="2" charset="-127"/>
+              </a:rPr>
+              <a:t>. </a:t>
             </a:r>
             <a:r>
               <a:rPr lang="ko-KR" altLang="en-US" sz="1100" dirty="0" smtClean="0">
@@ -6604,7 +6618,7 @@
                 <a:ea typeface="KoPubWorld돋움체 Light" panose="00000300000000000000" pitchFamily="2" charset="-127"/>
                 <a:cs typeface="KoPubWorld돋움체 Light" panose="00000300000000000000" pitchFamily="2" charset="-127"/>
               </a:rPr>
-              <a:t>되면서 서버 프로그래밍에 빠지게 되었습니다</a:t>
+              <a:t>주변에 게임 서버를 공부하는 친구도 없고 서버 프로그래밍 수업은 </a:t>
             </a:r>
             <a:r>
               <a:rPr lang="en-US" altLang="ko-KR" sz="1100" dirty="0" smtClean="0">
@@ -6618,7 +6632,7 @@
                 <a:ea typeface="KoPubWorld돋움체 Light" panose="00000300000000000000" pitchFamily="2" charset="-127"/>
                 <a:cs typeface="KoPubWorld돋움체 Light" panose="00000300000000000000" pitchFamily="2" charset="-127"/>
               </a:rPr>
-              <a:t>. </a:t>
+              <a:t>3</a:t>
             </a:r>
             <a:r>
               <a:rPr lang="ko-KR" altLang="en-US" sz="1100" dirty="0" smtClean="0">
@@ -6632,7 +6646,21 @@
                 <a:ea typeface="KoPubWorld돋움체 Light" panose="00000300000000000000" pitchFamily="2" charset="-127"/>
                 <a:cs typeface="KoPubWorld돋움체 Light" panose="00000300000000000000" pitchFamily="2" charset="-127"/>
               </a:rPr>
-              <a:t>주변에 </a:t>
+              <a:t>학년 때부터 배우기 때문에 공부하는 데 많은 어려움이 있었지만</a:t>
+            </a:r>
+            <a:r>
+              <a:rPr lang="en-US" altLang="ko-KR" sz="1100" dirty="0" smtClean="0">
+                <a:solidFill>
+                  <a:schemeClr val="tx1">
+                    <a:lumMod val="75000"/>
+                    <a:lumOff val="25000"/>
+                  </a:schemeClr>
+                </a:solidFill>
+                <a:latin typeface="KoPubWorld돋움체 Light" panose="00000300000000000000" pitchFamily="2" charset="-127"/>
+                <a:ea typeface="KoPubWorld돋움체 Light" panose="00000300000000000000" pitchFamily="2" charset="-127"/>
+                <a:cs typeface="KoPubWorld돋움체 Light" panose="00000300000000000000" pitchFamily="2" charset="-127"/>
+              </a:rPr>
+              <a:t>,</a:t>
             </a:r>
             <a:r>
               <a:rPr lang="ko-KR" altLang="en-US" sz="1100" dirty="0" smtClean="0">
@@ -6646,21 +6674,7 @@
                 <a:ea typeface="KoPubWorld돋움체 Light" panose="00000300000000000000" pitchFamily="2" charset="-127"/>
                 <a:cs typeface="KoPubWorld돋움체 Light" panose="00000300000000000000" pitchFamily="2" charset="-127"/>
               </a:rPr>
-              <a:t>게임 서버를 공부하는 친구도 없고 서버 프로그래밍 수업은 </a:t>
-            </a:r>
-            <a:r>
-              <a:rPr lang="en-US" altLang="ko-KR" sz="1100" dirty="0" smtClean="0">
-                <a:solidFill>
-                  <a:schemeClr val="tx1">
-                    <a:lumMod val="75000"/>
-                    <a:lumOff val="25000"/>
-                  </a:schemeClr>
-                </a:solidFill>
-                <a:latin typeface="KoPubWorld돋움체 Light" panose="00000300000000000000" pitchFamily="2" charset="-127"/>
-                <a:ea typeface="KoPubWorld돋움체 Light" panose="00000300000000000000" pitchFamily="2" charset="-127"/>
-                <a:cs typeface="KoPubWorld돋움체 Light" panose="00000300000000000000" pitchFamily="2" charset="-127"/>
-              </a:rPr>
-              <a:t>3</a:t>
+              <a:t> 도서관에 있는 책과 인터넷을 참고하며 꾸준히 </a:t>
             </a:r>
             <a:r>
               <a:rPr lang="ko-KR" altLang="en-US" sz="1100" dirty="0" smtClean="0">
@@ -6674,35 +6688,7 @@
                 <a:ea typeface="KoPubWorld돋움체 Light" panose="00000300000000000000" pitchFamily="2" charset="-127"/>
                 <a:cs typeface="KoPubWorld돋움체 Light" panose="00000300000000000000" pitchFamily="2" charset="-127"/>
               </a:rPr>
-              <a:t>학년 때부터 배우기 때문에 공부하는 데 많은 어려움이 있었지만</a:t>
-            </a:r>
-            <a:r>
-              <a:rPr lang="en-US" altLang="ko-KR" sz="1100" dirty="0" smtClean="0">
-                <a:solidFill>
-                  <a:schemeClr val="tx1">
-                    <a:lumMod val="75000"/>
-                    <a:lumOff val="25000"/>
-                  </a:schemeClr>
-                </a:solidFill>
-                <a:latin typeface="KoPubWorld돋움체 Light" panose="00000300000000000000" pitchFamily="2" charset="-127"/>
-                <a:ea typeface="KoPubWorld돋움체 Light" panose="00000300000000000000" pitchFamily="2" charset="-127"/>
-                <a:cs typeface="KoPubWorld돋움체 Light" panose="00000300000000000000" pitchFamily="2" charset="-127"/>
-              </a:rPr>
-              <a:t>,</a:t>
-            </a:r>
-            <a:r>
-              <a:rPr lang="ko-KR" altLang="en-US" sz="1100" dirty="0" smtClean="0">
-                <a:solidFill>
-                  <a:schemeClr val="tx1">
-                    <a:lumMod val="75000"/>
-                    <a:lumOff val="25000"/>
-                  </a:schemeClr>
-                </a:solidFill>
-                <a:latin typeface="KoPubWorld돋움체 Light" panose="00000300000000000000" pitchFamily="2" charset="-127"/>
-                <a:ea typeface="KoPubWorld돋움체 Light" panose="00000300000000000000" pitchFamily="2" charset="-127"/>
-                <a:cs typeface="KoPubWorld돋움체 Light" panose="00000300000000000000" pitchFamily="2" charset="-127"/>
-              </a:rPr>
-              <a:t> 도서관에 있는 책과 인터넷을 참고하며 꾸준히 공부하였습니다</a:t>
+              <a:t>공부했습니다</a:t>
             </a:r>
             <a:r>
               <a:rPr lang="en-US" altLang="ko-KR" sz="1100" dirty="0" smtClean="0">
@@ -6797,7 +6783,49 @@
                 <a:ea typeface="KoPubWorld돋움체 Light" panose="00000300000000000000" pitchFamily="2" charset="-127"/>
                 <a:cs typeface="KoPubWorld돋움체 Light" panose="00000300000000000000" pitchFamily="2" charset="-127"/>
               </a:rPr>
-              <a:t>를 독학하였고 자체 프레임 워크와 네트워크 라이브러리를 만들어 여러 가지 네트워크 게임을 제작하였습니다</a:t>
+              <a:t>를 </a:t>
+            </a:r>
+            <a:r>
+              <a:rPr lang="ko-KR" altLang="en-US" sz="1100" dirty="0" smtClean="0">
+                <a:solidFill>
+                  <a:schemeClr val="tx1">
+                    <a:lumMod val="75000"/>
+                    <a:lumOff val="25000"/>
+                  </a:schemeClr>
+                </a:solidFill>
+                <a:latin typeface="KoPubWorld돋움체 Light" panose="00000300000000000000" pitchFamily="2" charset="-127"/>
+                <a:ea typeface="KoPubWorld돋움체 Light" panose="00000300000000000000" pitchFamily="2" charset="-127"/>
+                <a:cs typeface="KoPubWorld돋움체 Light" panose="00000300000000000000" pitchFamily="2" charset="-127"/>
+              </a:rPr>
+              <a:t>독학했고 </a:t>
+            </a:r>
+            <a:r>
+              <a:rPr lang="ko-KR" altLang="en-US" sz="1100" dirty="0">
+                <a:solidFill>
+                  <a:schemeClr val="tx1">
+                    <a:lumMod val="75000"/>
+                    <a:lumOff val="25000"/>
+                  </a:schemeClr>
+                </a:solidFill>
+                <a:latin typeface="KoPubWorld돋움체 Light" panose="00000300000000000000" pitchFamily="2" charset="-127"/>
+                <a:ea typeface="KoPubWorld돋움체 Light" panose="00000300000000000000" pitchFamily="2" charset="-127"/>
+                <a:cs typeface="KoPubWorld돋움체 Light" panose="00000300000000000000" pitchFamily="2" charset="-127"/>
+              </a:rPr>
+              <a:t>자체 프레임 워크와 네트워크 라이브러리를 만들어 여러 가지 네트워크 게임을 </a:t>
+            </a:r>
+            <a:r>
+              <a:rPr lang="ko-KR" altLang="en-US" sz="1100" dirty="0" smtClean="0">
+                <a:solidFill>
+                  <a:schemeClr val="tx1">
+                    <a:lumMod val="75000"/>
+                    <a:lumOff val="25000"/>
+                  </a:schemeClr>
+                </a:solidFill>
+                <a:latin typeface="KoPubWorld돋움체 Light" panose="00000300000000000000" pitchFamily="2" charset="-127"/>
+                <a:ea typeface="KoPubWorld돋움체 Light" panose="00000300000000000000" pitchFamily="2" charset="-127"/>
+                <a:cs typeface="KoPubWorld돋움체 Light" panose="00000300000000000000" pitchFamily="2" charset="-127"/>
+              </a:rPr>
+              <a:t>제작했습니다</a:t>
             </a:r>
             <a:r>
               <a:rPr lang="en-US" altLang="ko-KR" sz="1100" dirty="0" smtClean="0">
@@ -6906,7 +6934,35 @@
                 <a:ea typeface="KoPubWorld돋움체 Light" panose="00000300000000000000" pitchFamily="2" charset="-127"/>
                 <a:cs typeface="KoPubWorld돋움체 Light" panose="00000300000000000000" pitchFamily="2" charset="-127"/>
               </a:rPr>
-              <a:t> 절약하면서 간단하게 데이터를 전송할 수 있게끔 하였습니다</a:t>
+              <a:t> 절약하면서 간단하게 데이터를 전송할 수 있게끔 </a:t>
+            </a:r>
+            <a:r>
+              <a:rPr lang="ko-KR" altLang="en-US" sz="1100" dirty="0" smtClean="0">
+                <a:solidFill>
+                  <a:schemeClr val="tx1">
+                    <a:lumMod val="75000"/>
+                    <a:lumOff val="25000"/>
+                  </a:schemeClr>
+                </a:solidFill>
+                <a:latin typeface="KoPubWorld돋움체 Light" panose="00000300000000000000" pitchFamily="2" charset="-127"/>
+                <a:ea typeface="KoPubWorld돋움체 Light" panose="00000300000000000000" pitchFamily="2" charset="-127"/>
+                <a:cs typeface="KoPubWorld돋움체 Light" panose="00000300000000000000" pitchFamily="2" charset="-127"/>
+              </a:rPr>
+              <a:t>했</a:t>
+            </a:r>
+            <a:r>
+              <a:rPr lang="ko-KR" altLang="en-US" sz="1100" dirty="0" smtClean="0">
+                <a:solidFill>
+                  <a:schemeClr val="tx1">
+                    <a:lumMod val="75000"/>
+                    <a:lumOff val="25000"/>
+                  </a:schemeClr>
+                </a:solidFill>
+                <a:latin typeface="KoPubWorld돋움체 Light" panose="00000300000000000000" pitchFamily="2" charset="-127"/>
+                <a:ea typeface="KoPubWorld돋움체 Light" panose="00000300000000000000" pitchFamily="2" charset="-127"/>
+                <a:cs typeface="KoPubWorld돋움체 Light" panose="00000300000000000000" pitchFamily="2" charset="-127"/>
+              </a:rPr>
+              <a:t>습니다</a:t>
             </a:r>
             <a:r>
               <a:rPr lang="en-US" altLang="ko-KR" sz="1100" dirty="0">
@@ -6973,7 +7029,63 @@
                 <a:ea typeface="KoPubWorld돋움체 Light" panose="00000300000000000000" pitchFamily="2" charset="-127"/>
                 <a:cs typeface="KoPubWorld돋움체 Light" panose="00000300000000000000" pitchFamily="2" charset="-127"/>
               </a:rPr>
-              <a:t>프로젝트를 통하여 게임을 제작하면서 서로의 역할을 나누고 분업하여 팀 프로젝트에 대한 경험을 쌓을 수 있었습니다</a:t>
+              <a:t>프로젝트를 </a:t>
+            </a:r>
+            <a:r>
+              <a:rPr lang="ko-KR" altLang="en-US" sz="1100" dirty="0" smtClean="0">
+                <a:solidFill>
+                  <a:schemeClr val="tx1">
+                    <a:lumMod val="75000"/>
+                    <a:lumOff val="25000"/>
+                  </a:schemeClr>
+                </a:solidFill>
+                <a:latin typeface="KoPubWorld돋움체 Light" panose="00000300000000000000" pitchFamily="2" charset="-127"/>
+                <a:ea typeface="KoPubWorld돋움체 Light" panose="00000300000000000000" pitchFamily="2" charset="-127"/>
+                <a:cs typeface="KoPubWorld돋움체 Light" panose="00000300000000000000" pitchFamily="2" charset="-127"/>
+              </a:rPr>
+              <a:t>통해 </a:t>
+            </a:r>
+            <a:r>
+              <a:rPr lang="ko-KR" altLang="en-US" sz="1100" dirty="0">
+                <a:solidFill>
+                  <a:schemeClr val="tx1">
+                    <a:lumMod val="75000"/>
+                    <a:lumOff val="25000"/>
+                  </a:schemeClr>
+                </a:solidFill>
+                <a:latin typeface="KoPubWorld돋움체 Light" panose="00000300000000000000" pitchFamily="2" charset="-127"/>
+                <a:ea typeface="KoPubWorld돋움체 Light" panose="00000300000000000000" pitchFamily="2" charset="-127"/>
+                <a:cs typeface="KoPubWorld돋움체 Light" panose="00000300000000000000" pitchFamily="2" charset="-127"/>
+              </a:rPr>
+              <a:t>게임을 제작하면서 서로의 역할을 나누고 </a:t>
+            </a:r>
+            <a:r>
+              <a:rPr lang="ko-KR" altLang="en-US" sz="1100" dirty="0" smtClean="0">
+                <a:solidFill>
+                  <a:schemeClr val="tx1">
+                    <a:lumMod val="75000"/>
+                    <a:lumOff val="25000"/>
+                  </a:schemeClr>
+                </a:solidFill>
+                <a:latin typeface="KoPubWorld돋움체 Light" panose="00000300000000000000" pitchFamily="2" charset="-127"/>
+                <a:ea typeface="KoPubWorld돋움체 Light" panose="00000300000000000000" pitchFamily="2" charset="-127"/>
+                <a:cs typeface="KoPubWorld돋움체 Light" panose="00000300000000000000" pitchFamily="2" charset="-127"/>
+              </a:rPr>
+              <a:t>분업해 </a:t>
+            </a:r>
+            <a:r>
+              <a:rPr lang="ko-KR" altLang="en-US" sz="1100" dirty="0">
+                <a:solidFill>
+                  <a:schemeClr val="tx1">
+                    <a:lumMod val="75000"/>
+                    <a:lumOff val="25000"/>
+                  </a:schemeClr>
+                </a:solidFill>
+                <a:latin typeface="KoPubWorld돋움체 Light" panose="00000300000000000000" pitchFamily="2" charset="-127"/>
+                <a:ea typeface="KoPubWorld돋움체 Light" panose="00000300000000000000" pitchFamily="2" charset="-127"/>
+                <a:cs typeface="KoPubWorld돋움체 Light" panose="00000300000000000000" pitchFamily="2" charset="-127"/>
+              </a:rPr>
+              <a:t>팀 프로젝트에 대한 경험을 쌓을 수 있었습니다</a:t>
             </a:r>
             <a:r>
               <a:rPr lang="en-US" altLang="ko-KR" sz="1100" dirty="0" smtClean="0">
@@ -7669,7 +7781,7 @@
                 <a:ea typeface="KoPubWorld돋움체 Light" panose="00000300000000000000" pitchFamily="2" charset="-127"/>
                 <a:cs typeface="KoPubWorld돋움체 Light" panose="00000300000000000000" pitchFamily="2" charset="-127"/>
               </a:rPr>
-              <a:t>수상하였습니다</a:t>
+              <a:t>수상했습니다</a:t>
             </a:r>
             <a:r>
               <a:rPr lang="en-US" altLang="ko-KR" sz="1100" dirty="0" smtClean="0">
@@ -7743,7 +7855,35 @@
                 <a:ea typeface="KoPubWorld돋움체 Light" panose="00000300000000000000" pitchFamily="2" charset="-127"/>
                 <a:cs typeface="KoPubWorld돋움체 Light" panose="00000300000000000000" pitchFamily="2" charset="-127"/>
               </a:rPr>
-              <a:t>등의 다양한 언어와 프레임 워크를 공부하여 지식의 폭을 넓혔습니다</a:t>
+              <a:t>등의 다양한 언어와 프레임 워크를 </a:t>
+            </a:r>
+            <a:r>
+              <a:rPr lang="ko-KR" altLang="en-US" sz="1100" dirty="0" smtClean="0">
+                <a:solidFill>
+                  <a:schemeClr val="tx1">
+                    <a:lumMod val="75000"/>
+                    <a:lumOff val="25000"/>
+                  </a:schemeClr>
+                </a:solidFill>
+                <a:latin typeface="KoPubWorld돋움체 Light" panose="00000300000000000000" pitchFamily="2" charset="-127"/>
+                <a:ea typeface="KoPubWorld돋움체 Light" panose="00000300000000000000" pitchFamily="2" charset="-127"/>
+                <a:cs typeface="KoPubWorld돋움체 Light" panose="00000300000000000000" pitchFamily="2" charset="-127"/>
+              </a:rPr>
+              <a:t>공부해 </a:t>
+            </a:r>
+            <a:r>
+              <a:rPr lang="ko-KR" altLang="en-US" sz="1100" dirty="0" smtClean="0">
+                <a:solidFill>
+                  <a:schemeClr val="tx1">
+                    <a:lumMod val="75000"/>
+                    <a:lumOff val="25000"/>
+                  </a:schemeClr>
+                </a:solidFill>
+                <a:latin typeface="KoPubWorld돋움체 Light" panose="00000300000000000000" pitchFamily="2" charset="-127"/>
+                <a:ea typeface="KoPubWorld돋움체 Light" panose="00000300000000000000" pitchFamily="2" charset="-127"/>
+                <a:cs typeface="KoPubWorld돋움체 Light" panose="00000300000000000000" pitchFamily="2" charset="-127"/>
+              </a:rPr>
+              <a:t>지식의 폭을 넓혔습니다</a:t>
             </a:r>
             <a:r>
               <a:rPr lang="en-US" altLang="ko-KR" sz="1100" dirty="0" smtClean="0">
@@ -7820,7 +7960,21 @@
                 <a:ea typeface="KoPubWorld돋움체 Light" panose="00000300000000000000" pitchFamily="2" charset="-127"/>
                 <a:cs typeface="KoPubWorld돋움체 Light" panose="00000300000000000000" pitchFamily="2" charset="-127"/>
               </a:rPr>
-              <a:t>엔진으로 </a:t>
+              <a:t>엔진으로 게임을 만들며</a:t>
+            </a:r>
+            <a:r>
+              <a:rPr lang="en-US" altLang="ko-KR" sz="1100" dirty="0" smtClean="0">
+                <a:solidFill>
+                  <a:schemeClr val="tx1">
+                    <a:lumMod val="75000"/>
+                    <a:lumOff val="25000"/>
+                  </a:schemeClr>
+                </a:solidFill>
+                <a:latin typeface="KoPubWorld돋움체 Light" panose="00000300000000000000" pitchFamily="2" charset="-127"/>
+                <a:ea typeface="KoPubWorld돋움체 Light" panose="00000300000000000000" pitchFamily="2" charset="-127"/>
+                <a:cs typeface="KoPubWorld돋움체 Light" panose="00000300000000000000" pitchFamily="2" charset="-127"/>
+              </a:rPr>
+              <a:t> </a:t>
             </a:r>
             <a:r>
               <a:rPr lang="ko-KR" altLang="en-US" sz="1100" dirty="0" smtClean="0">
@@ -7834,7 +7988,49 @@
                 <a:ea typeface="KoPubWorld돋움체 Light" panose="00000300000000000000" pitchFamily="2" charset="-127"/>
                 <a:cs typeface="KoPubWorld돋움체 Light" panose="00000300000000000000" pitchFamily="2" charset="-127"/>
               </a:rPr>
-              <a:t>게임을 만들며</a:t>
+              <a:t>클라이언트 개발에 대한 이해도를 높이고 팀 프로젝트를 진행할 때 </a:t>
+            </a:r>
+            <a:r>
+              <a:rPr lang="en-US" altLang="ko-KR" sz="1100" dirty="0" err="1" smtClean="0">
+                <a:solidFill>
+                  <a:schemeClr val="tx1">
+                    <a:lumMod val="75000"/>
+                    <a:lumOff val="25000"/>
+                  </a:schemeClr>
+                </a:solidFill>
+                <a:latin typeface="KoPubWorld돋움체 Light" panose="00000300000000000000" pitchFamily="2" charset="-127"/>
+                <a:ea typeface="KoPubWorld돋움체 Light" panose="00000300000000000000" pitchFamily="2" charset="-127"/>
+                <a:cs typeface="KoPubWorld돋움체 Light" panose="00000300000000000000" pitchFamily="2" charset="-127"/>
+              </a:rPr>
+              <a:t>git</a:t>
+            </a:r>
+            <a:r>
+              <a:rPr lang="ko-KR" altLang="en-US" sz="1100" dirty="0" smtClean="0">
+                <a:solidFill>
+                  <a:schemeClr val="tx1">
+                    <a:lumMod val="75000"/>
+                    <a:lumOff val="25000"/>
+                  </a:schemeClr>
+                </a:solidFill>
+                <a:latin typeface="KoPubWorld돋움체 Light" panose="00000300000000000000" pitchFamily="2" charset="-127"/>
+                <a:ea typeface="KoPubWorld돋움체 Light" panose="00000300000000000000" pitchFamily="2" charset="-127"/>
+                <a:cs typeface="KoPubWorld돋움체 Light" panose="00000300000000000000" pitchFamily="2" charset="-127"/>
+              </a:rPr>
+              <a:t>을 어떻게 활용해야 하는지에 대해 </a:t>
+            </a:r>
+            <a:r>
+              <a:rPr lang="ko-KR" altLang="en-US" sz="1100" dirty="0" smtClean="0">
+                <a:solidFill>
+                  <a:schemeClr val="tx1">
+                    <a:lumMod val="75000"/>
+                    <a:lumOff val="25000"/>
+                  </a:schemeClr>
+                </a:solidFill>
+                <a:latin typeface="KoPubWorld돋움체 Light" panose="00000300000000000000" pitchFamily="2" charset="-127"/>
+                <a:ea typeface="KoPubWorld돋움체 Light" panose="00000300000000000000" pitchFamily="2" charset="-127"/>
+                <a:cs typeface="KoPubWorld돋움체 Light" panose="00000300000000000000" pitchFamily="2" charset="-127"/>
+              </a:rPr>
+              <a:t>공부했습니다</a:t>
             </a:r>
             <a:r>
               <a:rPr lang="en-US" altLang="ko-KR" sz="1100" dirty="0" smtClean="0">
@@ -7848,7 +8044,7 @@
                 <a:ea typeface="KoPubWorld돋움체 Light" panose="00000300000000000000" pitchFamily="2" charset="-127"/>
                 <a:cs typeface="KoPubWorld돋움체 Light" panose="00000300000000000000" pitchFamily="2" charset="-127"/>
               </a:rPr>
-              <a:t> </a:t>
+              <a:t>. </a:t>
             </a:r>
             <a:r>
               <a:rPr lang="ko-KR" altLang="en-US" sz="1100" dirty="0" smtClean="0">
@@ -7862,7 +8058,7 @@
                 <a:ea typeface="KoPubWorld돋움체 Light" panose="00000300000000000000" pitchFamily="2" charset="-127"/>
                 <a:cs typeface="KoPubWorld돋움체 Light" panose="00000300000000000000" pitchFamily="2" charset="-127"/>
               </a:rPr>
-              <a:t>클라이언트 개발에 대한 이해도를 높이고 </a:t>
+              <a:t>팀원으로서 다양한 의견을 제시하고 더 나은 게임을 만들기 위해 </a:t>
             </a:r>
             <a:r>
               <a:rPr lang="ko-KR" altLang="en-US" sz="1100" dirty="0" smtClean="0">
@@ -7876,7 +8072,7 @@
                 <a:ea typeface="KoPubWorld돋움체 Light" panose="00000300000000000000" pitchFamily="2" charset="-127"/>
                 <a:cs typeface="KoPubWorld돋움체 Light" panose="00000300000000000000" pitchFamily="2" charset="-127"/>
               </a:rPr>
-              <a:t>팀 프로젝트를 </a:t>
+              <a:t>노력</a:t>
             </a:r>
             <a:r>
               <a:rPr lang="ko-KR" altLang="en-US" sz="1100" dirty="0" smtClean="0">
@@ -7890,21 +8086,7 @@
                 <a:ea typeface="KoPubWorld돋움체 Light" panose="00000300000000000000" pitchFamily="2" charset="-127"/>
                 <a:cs typeface="KoPubWorld돋움체 Light" panose="00000300000000000000" pitchFamily="2" charset="-127"/>
               </a:rPr>
-              <a:t>진행할 때 </a:t>
-            </a:r>
-            <a:r>
-              <a:rPr lang="en-US" altLang="ko-KR" sz="1100" dirty="0" err="1" smtClean="0">
-                <a:solidFill>
-                  <a:schemeClr val="tx1">
-                    <a:lumMod val="75000"/>
-                    <a:lumOff val="25000"/>
-                  </a:schemeClr>
-                </a:solidFill>
-                <a:latin typeface="KoPubWorld돋움체 Light" panose="00000300000000000000" pitchFamily="2" charset="-127"/>
-                <a:ea typeface="KoPubWorld돋움체 Light" panose="00000300000000000000" pitchFamily="2" charset="-127"/>
-                <a:cs typeface="KoPubWorld돋움체 Light" panose="00000300000000000000" pitchFamily="2" charset="-127"/>
-              </a:rPr>
-              <a:t>git</a:t>
+              <a:t>했</a:t>
             </a:r>
             <a:r>
               <a:rPr lang="ko-KR" altLang="en-US" sz="1100" dirty="0" smtClean="0">
@@ -7918,49 +8100,7 @@
                 <a:ea typeface="KoPubWorld돋움체 Light" panose="00000300000000000000" pitchFamily="2" charset="-127"/>
                 <a:cs typeface="KoPubWorld돋움체 Light" panose="00000300000000000000" pitchFamily="2" charset="-127"/>
               </a:rPr>
-              <a:t>을 어떻게 활용해야 하는지에 대해 공부하였습니다</a:t>
-            </a:r>
-            <a:r>
-              <a:rPr lang="en-US" altLang="ko-KR" sz="1100" dirty="0" smtClean="0">
-                <a:solidFill>
-                  <a:schemeClr val="tx1">
-                    <a:lumMod val="75000"/>
-                    <a:lumOff val="25000"/>
-                  </a:schemeClr>
-                </a:solidFill>
-                <a:latin typeface="KoPubWorld돋움체 Light" panose="00000300000000000000" pitchFamily="2" charset="-127"/>
-                <a:ea typeface="KoPubWorld돋움체 Light" panose="00000300000000000000" pitchFamily="2" charset="-127"/>
-                <a:cs typeface="KoPubWorld돋움체 Light" panose="00000300000000000000" pitchFamily="2" charset="-127"/>
-              </a:rPr>
-              <a:t>. </a:t>
-            </a:r>
-            <a:r>
-              <a:rPr lang="ko-KR" altLang="en-US" sz="1100" dirty="0" smtClean="0">
-                <a:solidFill>
-                  <a:schemeClr val="tx1">
-                    <a:lumMod val="75000"/>
-                    <a:lumOff val="25000"/>
-                  </a:schemeClr>
-                </a:solidFill>
-                <a:latin typeface="KoPubWorld돋움체 Light" panose="00000300000000000000" pitchFamily="2" charset="-127"/>
-                <a:ea typeface="KoPubWorld돋움체 Light" panose="00000300000000000000" pitchFamily="2" charset="-127"/>
-                <a:cs typeface="KoPubWorld돋움체 Light" panose="00000300000000000000" pitchFamily="2" charset="-127"/>
-              </a:rPr>
-              <a:t>팀원으로서 </a:t>
-            </a:r>
-            <a:r>
-              <a:rPr lang="ko-KR" altLang="en-US" sz="1100" dirty="0" smtClean="0">
-                <a:solidFill>
-                  <a:schemeClr val="tx1">
-                    <a:lumMod val="75000"/>
-                    <a:lumOff val="25000"/>
-                  </a:schemeClr>
-                </a:solidFill>
-                <a:latin typeface="KoPubWorld돋움체 Light" panose="00000300000000000000" pitchFamily="2" charset="-127"/>
-                <a:ea typeface="KoPubWorld돋움체 Light" panose="00000300000000000000" pitchFamily="2" charset="-127"/>
-                <a:cs typeface="KoPubWorld돋움체 Light" panose="00000300000000000000" pitchFamily="2" charset="-127"/>
-              </a:rPr>
-              <a:t>다양한 의견을 제시하고 더 나은 게임을 만들기 위해 노력하였습니다</a:t>
+              <a:t>습니다</a:t>
             </a:r>
             <a:r>
               <a:rPr lang="en-US" altLang="ko-KR" sz="1100" dirty="0" smtClean="0">
@@ -8151,7 +8291,21 @@
                 <a:ea typeface="KoPubWorld돋움체 Light" panose="00000300000000000000" pitchFamily="2" charset="-127"/>
                 <a:cs typeface="KoPubWorld돋움체 Light" panose="00000300000000000000" pitchFamily="2" charset="-127"/>
               </a:rPr>
-              <a:t>년 동안 </a:t>
+              <a:t>년 동안 여러 가지 시행착오가 있었지만</a:t>
+            </a:r>
+            <a:r>
+              <a:rPr lang="en-US" altLang="ko-KR" sz="1100" dirty="0" smtClean="0">
+                <a:solidFill>
+                  <a:schemeClr val="tx1">
+                    <a:lumMod val="75000"/>
+                    <a:lumOff val="25000"/>
+                  </a:schemeClr>
+                </a:solidFill>
+                <a:latin typeface="KoPubWorld돋움체 Light" panose="00000300000000000000" pitchFamily="2" charset="-127"/>
+                <a:ea typeface="KoPubWorld돋움체 Light" panose="00000300000000000000" pitchFamily="2" charset="-127"/>
+                <a:cs typeface="KoPubWorld돋움체 Light" panose="00000300000000000000" pitchFamily="2" charset="-127"/>
+              </a:rPr>
+              <a:t>,</a:t>
             </a:r>
             <a:r>
               <a:rPr lang="ko-KR" altLang="en-US" sz="1100" dirty="0" smtClean="0">
@@ -8165,7 +8319,21 @@
                 <a:ea typeface="KoPubWorld돋움체 Light" panose="00000300000000000000" pitchFamily="2" charset="-127"/>
                 <a:cs typeface="KoPubWorld돋움체 Light" panose="00000300000000000000" pitchFamily="2" charset="-127"/>
               </a:rPr>
-              <a:t>여러 가지 </a:t>
+              <a:t> 그것을 해결하고 보완하며 좀 더 성장한 지금의 제가 되었습니다</a:t>
+            </a:r>
+            <a:r>
+              <a:rPr lang="en-US" altLang="ko-KR" sz="1100" dirty="0" smtClean="0">
+                <a:solidFill>
+                  <a:schemeClr val="tx1">
+                    <a:lumMod val="75000"/>
+                    <a:lumOff val="25000"/>
+                  </a:schemeClr>
+                </a:solidFill>
+                <a:latin typeface="KoPubWorld돋움체 Light" panose="00000300000000000000" pitchFamily="2" charset="-127"/>
+                <a:ea typeface="KoPubWorld돋움체 Light" panose="00000300000000000000" pitchFamily="2" charset="-127"/>
+                <a:cs typeface="KoPubWorld돋움체 Light" panose="00000300000000000000" pitchFamily="2" charset="-127"/>
+              </a:rPr>
+              <a:t>. </a:t>
             </a:r>
             <a:r>
               <a:rPr lang="ko-KR" altLang="en-US" sz="1100" dirty="0" smtClean="0">
@@ -8179,7 +8347,21 @@
                 <a:ea typeface="KoPubWorld돋움체 Light" panose="00000300000000000000" pitchFamily="2" charset="-127"/>
                 <a:cs typeface="KoPubWorld돋움체 Light" panose="00000300000000000000" pitchFamily="2" charset="-127"/>
               </a:rPr>
-              <a:t>시행착오가 </a:t>
+              <a:t>앞으로의 시간에는 어떤 일이 있을지 모르지만</a:t>
+            </a:r>
+            <a:r>
+              <a:rPr lang="en-US" altLang="ko-KR" sz="1100" dirty="0" smtClean="0">
+                <a:solidFill>
+                  <a:schemeClr val="tx1">
+                    <a:lumMod val="75000"/>
+                    <a:lumOff val="25000"/>
+                  </a:schemeClr>
+                </a:solidFill>
+                <a:latin typeface="KoPubWorld돋움체 Light" panose="00000300000000000000" pitchFamily="2" charset="-127"/>
+                <a:ea typeface="KoPubWorld돋움체 Light" panose="00000300000000000000" pitchFamily="2" charset="-127"/>
+                <a:cs typeface="KoPubWorld돋움체 Light" panose="00000300000000000000" pitchFamily="2" charset="-127"/>
+              </a:rPr>
+              <a:t>,</a:t>
             </a:r>
             <a:r>
               <a:rPr lang="ko-KR" altLang="en-US" sz="1100" dirty="0" smtClean="0">
@@ -8193,203 +8375,7 @@
                 <a:ea typeface="KoPubWorld돋움체 Light" panose="00000300000000000000" pitchFamily="2" charset="-127"/>
                 <a:cs typeface="KoPubWorld돋움체 Light" panose="00000300000000000000" pitchFamily="2" charset="-127"/>
               </a:rPr>
-              <a:t>있었</a:t>
-            </a:r>
-            <a:r>
-              <a:rPr lang="ko-KR" altLang="en-US" sz="1100" dirty="0" smtClean="0">
-                <a:solidFill>
-                  <a:schemeClr val="tx1">
-                    <a:lumMod val="75000"/>
-                    <a:lumOff val="25000"/>
-                  </a:schemeClr>
-                </a:solidFill>
-                <a:latin typeface="KoPubWorld돋움체 Light" panose="00000300000000000000" pitchFamily="2" charset="-127"/>
-                <a:ea typeface="KoPubWorld돋움체 Light" panose="00000300000000000000" pitchFamily="2" charset="-127"/>
-                <a:cs typeface="KoPubWorld돋움체 Light" panose="00000300000000000000" pitchFamily="2" charset="-127"/>
-              </a:rPr>
-              <a:t>지만</a:t>
-            </a:r>
-            <a:r>
-              <a:rPr lang="en-US" altLang="ko-KR" sz="1100" dirty="0" smtClean="0">
-                <a:solidFill>
-                  <a:schemeClr val="tx1">
-                    <a:lumMod val="75000"/>
-                    <a:lumOff val="25000"/>
-                  </a:schemeClr>
-                </a:solidFill>
-                <a:latin typeface="KoPubWorld돋움체 Light" panose="00000300000000000000" pitchFamily="2" charset="-127"/>
-                <a:ea typeface="KoPubWorld돋움체 Light" panose="00000300000000000000" pitchFamily="2" charset="-127"/>
-                <a:cs typeface="KoPubWorld돋움체 Light" panose="00000300000000000000" pitchFamily="2" charset="-127"/>
-              </a:rPr>
-              <a:t>,</a:t>
-            </a:r>
-            <a:r>
-              <a:rPr lang="ko-KR" altLang="en-US" sz="1100" dirty="0" smtClean="0">
-                <a:solidFill>
-                  <a:schemeClr val="tx1">
-                    <a:lumMod val="75000"/>
-                    <a:lumOff val="25000"/>
-                  </a:schemeClr>
-                </a:solidFill>
-                <a:latin typeface="KoPubWorld돋움체 Light" panose="00000300000000000000" pitchFamily="2" charset="-127"/>
-                <a:ea typeface="KoPubWorld돋움체 Light" panose="00000300000000000000" pitchFamily="2" charset="-127"/>
-                <a:cs typeface="KoPubWorld돋움체 Light" panose="00000300000000000000" pitchFamily="2" charset="-127"/>
-              </a:rPr>
-              <a:t> </a:t>
-            </a:r>
-            <a:r>
-              <a:rPr lang="ko-KR" altLang="en-US" sz="1100" dirty="0" smtClean="0">
-                <a:solidFill>
-                  <a:schemeClr val="tx1">
-                    <a:lumMod val="75000"/>
-                    <a:lumOff val="25000"/>
-                  </a:schemeClr>
-                </a:solidFill>
-                <a:latin typeface="KoPubWorld돋움체 Light" panose="00000300000000000000" pitchFamily="2" charset="-127"/>
-                <a:ea typeface="KoPubWorld돋움체 Light" panose="00000300000000000000" pitchFamily="2" charset="-127"/>
-                <a:cs typeface="KoPubWorld돋움체 Light" panose="00000300000000000000" pitchFamily="2" charset="-127"/>
-              </a:rPr>
-              <a:t>그것을 해결하고 </a:t>
-            </a:r>
-            <a:r>
-              <a:rPr lang="ko-KR" altLang="en-US" sz="1100" dirty="0" smtClean="0">
-                <a:solidFill>
-                  <a:schemeClr val="tx1">
-                    <a:lumMod val="75000"/>
-                    <a:lumOff val="25000"/>
-                  </a:schemeClr>
-                </a:solidFill>
-                <a:latin typeface="KoPubWorld돋움체 Light" panose="00000300000000000000" pitchFamily="2" charset="-127"/>
-                <a:ea typeface="KoPubWorld돋움체 Light" panose="00000300000000000000" pitchFamily="2" charset="-127"/>
-                <a:cs typeface="KoPubWorld돋움체 Light" panose="00000300000000000000" pitchFamily="2" charset="-127"/>
-              </a:rPr>
-              <a:t>보완하며 좀 더 </a:t>
-            </a:r>
-            <a:r>
-              <a:rPr lang="ko-KR" altLang="en-US" sz="1100" dirty="0" smtClean="0">
-                <a:solidFill>
-                  <a:schemeClr val="tx1">
-                    <a:lumMod val="75000"/>
-                    <a:lumOff val="25000"/>
-                  </a:schemeClr>
-                </a:solidFill>
-                <a:latin typeface="KoPubWorld돋움체 Light" panose="00000300000000000000" pitchFamily="2" charset="-127"/>
-                <a:ea typeface="KoPubWorld돋움체 Light" panose="00000300000000000000" pitchFamily="2" charset="-127"/>
-                <a:cs typeface="KoPubWorld돋움체 Light" panose="00000300000000000000" pitchFamily="2" charset="-127"/>
-              </a:rPr>
-              <a:t>성장한 지금의 제가 되었습니다</a:t>
-            </a:r>
-            <a:r>
-              <a:rPr lang="en-US" altLang="ko-KR" sz="1100" dirty="0" smtClean="0">
-                <a:solidFill>
-                  <a:schemeClr val="tx1">
-                    <a:lumMod val="75000"/>
-                    <a:lumOff val="25000"/>
-                  </a:schemeClr>
-                </a:solidFill>
-                <a:latin typeface="KoPubWorld돋움체 Light" panose="00000300000000000000" pitchFamily="2" charset="-127"/>
-                <a:ea typeface="KoPubWorld돋움체 Light" panose="00000300000000000000" pitchFamily="2" charset="-127"/>
-                <a:cs typeface="KoPubWorld돋움체 Light" panose="00000300000000000000" pitchFamily="2" charset="-127"/>
-              </a:rPr>
-              <a:t>. </a:t>
-            </a:r>
-            <a:r>
-              <a:rPr lang="ko-KR" altLang="en-US" sz="1100" dirty="0" smtClean="0">
-                <a:solidFill>
-                  <a:schemeClr val="tx1">
-                    <a:lumMod val="75000"/>
-                    <a:lumOff val="25000"/>
-                  </a:schemeClr>
-                </a:solidFill>
-                <a:latin typeface="KoPubWorld돋움체 Light" panose="00000300000000000000" pitchFamily="2" charset="-127"/>
-                <a:ea typeface="KoPubWorld돋움체 Light" panose="00000300000000000000" pitchFamily="2" charset="-127"/>
-                <a:cs typeface="KoPubWorld돋움체 Light" panose="00000300000000000000" pitchFamily="2" charset="-127"/>
-              </a:rPr>
-              <a:t>앞으로의 시간에는 어떤 일이 있을지 </a:t>
-            </a:r>
-            <a:r>
-              <a:rPr lang="ko-KR" altLang="en-US" sz="1100" dirty="0" smtClean="0">
-                <a:solidFill>
-                  <a:schemeClr val="tx1">
-                    <a:lumMod val="75000"/>
-                    <a:lumOff val="25000"/>
-                  </a:schemeClr>
-                </a:solidFill>
-                <a:latin typeface="KoPubWorld돋움체 Light" panose="00000300000000000000" pitchFamily="2" charset="-127"/>
-                <a:ea typeface="KoPubWorld돋움체 Light" panose="00000300000000000000" pitchFamily="2" charset="-127"/>
-                <a:cs typeface="KoPubWorld돋움체 Light" panose="00000300000000000000" pitchFamily="2" charset="-127"/>
-              </a:rPr>
-              <a:t>모르지만</a:t>
-            </a:r>
-            <a:r>
-              <a:rPr lang="en-US" altLang="ko-KR" sz="1100" dirty="0" smtClean="0">
-                <a:solidFill>
-                  <a:schemeClr val="tx1">
-                    <a:lumMod val="75000"/>
-                    <a:lumOff val="25000"/>
-                  </a:schemeClr>
-                </a:solidFill>
-                <a:latin typeface="KoPubWorld돋움체 Light" panose="00000300000000000000" pitchFamily="2" charset="-127"/>
-                <a:ea typeface="KoPubWorld돋움체 Light" panose="00000300000000000000" pitchFamily="2" charset="-127"/>
-                <a:cs typeface="KoPubWorld돋움체 Light" panose="00000300000000000000" pitchFamily="2" charset="-127"/>
-              </a:rPr>
-              <a:t>,</a:t>
-            </a:r>
-            <a:r>
-              <a:rPr lang="ko-KR" altLang="en-US" sz="1100" dirty="0" smtClean="0">
-                <a:solidFill>
-                  <a:schemeClr val="tx1">
-                    <a:lumMod val="75000"/>
-                    <a:lumOff val="25000"/>
-                  </a:schemeClr>
-                </a:solidFill>
-                <a:latin typeface="KoPubWorld돋움체 Light" panose="00000300000000000000" pitchFamily="2" charset="-127"/>
-                <a:ea typeface="KoPubWorld돋움체 Light" panose="00000300000000000000" pitchFamily="2" charset="-127"/>
-                <a:cs typeface="KoPubWorld돋움체 Light" panose="00000300000000000000" pitchFamily="2" charset="-127"/>
-              </a:rPr>
-              <a:t> </a:t>
-            </a:r>
-            <a:r>
-              <a:rPr lang="ko-KR" altLang="en-US" sz="1100" dirty="0" smtClean="0">
-                <a:solidFill>
-                  <a:schemeClr val="tx1">
-                    <a:lumMod val="75000"/>
-                    <a:lumOff val="25000"/>
-                  </a:schemeClr>
-                </a:solidFill>
-                <a:latin typeface="KoPubWorld돋움체 Light" panose="00000300000000000000" pitchFamily="2" charset="-127"/>
-                <a:ea typeface="KoPubWorld돋움체 Light" panose="00000300000000000000" pitchFamily="2" charset="-127"/>
-                <a:cs typeface="KoPubWorld돋움체 Light" panose="00000300000000000000" pitchFamily="2" charset="-127"/>
-              </a:rPr>
-              <a:t>더 나은 미래의 저를 만들기 위해 좋은 사람들과 좋은 </a:t>
-            </a:r>
-            <a:r>
-              <a:rPr lang="ko-KR" altLang="en-US" sz="1100" dirty="0" smtClean="0">
-                <a:solidFill>
-                  <a:schemeClr val="tx1">
-                    <a:lumMod val="75000"/>
-                    <a:lumOff val="25000"/>
-                  </a:schemeClr>
-                </a:solidFill>
-                <a:latin typeface="KoPubWorld돋움체 Light" panose="00000300000000000000" pitchFamily="2" charset="-127"/>
-                <a:ea typeface="KoPubWorld돋움체 Light" panose="00000300000000000000" pitchFamily="2" charset="-127"/>
-                <a:cs typeface="KoPubWorld돋움체 Light" panose="00000300000000000000" pitchFamily="2" charset="-127"/>
-              </a:rPr>
-              <a:t>회사에서 </a:t>
-            </a:r>
-            <a:r>
-              <a:rPr lang="ko-KR" altLang="en-US" sz="1100" dirty="0" smtClean="0">
-                <a:solidFill>
-                  <a:schemeClr val="tx1">
-                    <a:lumMod val="75000"/>
-                    <a:lumOff val="25000"/>
-                  </a:schemeClr>
-                </a:solidFill>
-                <a:latin typeface="KoPubWorld돋움체 Light" panose="00000300000000000000" pitchFamily="2" charset="-127"/>
-                <a:ea typeface="KoPubWorld돋움체 Light" panose="00000300000000000000" pitchFamily="2" charset="-127"/>
-                <a:cs typeface="KoPubWorld돋움체 Light" panose="00000300000000000000" pitchFamily="2" charset="-127"/>
-              </a:rPr>
-              <a:t>근무하고 싶은 욕심이 있습니다</a:t>
+              <a:t> 더 나은 미래의 저를 만들기 위해 좋은 사람들과 좋은 회사에서 근무하고 싶은 욕심이 있습니다</a:t>
             </a:r>
             <a:r>
               <a:rPr lang="en-US" altLang="ko-KR" sz="1100" dirty="0" smtClean="0">
